--- a/src/main/resources/assets/ppt/within-holy-communion.pptx
+++ b/src/main/resources/assets/ppt/within-holy-communion.pptx
@@ -275,7 +275,7 @@
             </a:pPr>
             <a:fld id="{C5F1BE8E-D059-4C33-BD06-D860220E4118}" type="datetimeFigureOut">
               <a:rPr lang="ja-JP" altLang="en-US"/>
-              <a:t>2022/8/30</a:t>
+              <a:t>2022/8/31</a:t>
             </a:fld>
             <a:endParaRPr lang="en-US" altLang="ja-JP"/>
           </a:p>
@@ -476,7 +476,7 @@
             </a:pPr>
             <a:fld id="{0AB0CB7E-2DCC-4E2A-A36A-77D4EE5194F1}" type="datetimeFigureOut">
               <a:rPr lang="zh-CN" altLang="en-US"/>
-              <a:t>2022/8/30</a:t>
+              <a:t>2022/8/31</a:t>
             </a:fld>
             <a:endParaRPr lang="zh-CN" altLang="en-US"/>
           </a:p>
@@ -999,7 +999,7 @@
 
 <file path=ppt/slideLayouts/slideLayout10.xml><?xml version="1.0" encoding="utf-8"?>
 <p:sldLayout xmlns:a="http://schemas.openxmlformats.org/drawingml/2006/main" xmlns:r="http://schemas.openxmlformats.org/officeDocument/2006/relationships" xmlns:p="http://schemas.openxmlformats.org/presentationml/2006/main" preserve="1" userDrawn="1">
-  <p:cSld name="固定模板-三一颂">
+  <p:cSld name="三一颂">
     <p:spTree>
       <p:nvGrpSpPr>
         <p:cNvPr id="1" name=""/>
@@ -1119,16 +1119,37 @@
             <a:bodyPr anchor="ctr"/>
             <a:lstStyle/>
             <a:p>
-              <a:pPr algn="ctr" fontAlgn="auto">
+              <a:pPr marL="0" marR="0" lvl="0" indent="0" algn="ctr" defTabSz="914400" rtl="0" eaLnBrk="1" fontAlgn="auto" latinLnBrk="0" hangingPunct="1">
+                <a:lnSpc>
+                  <a:spcPct val="100000"/>
+                </a:lnSpc>
                 <a:spcBef>
                   <a:spcPts val="0"/>
                 </a:spcBef>
                 <a:spcAft>
                   <a:spcPts val="0"/>
                 </a:spcAft>
+                <a:buClrTx/>
+                <a:buSzTx/>
+                <a:buFontTx/>
+                <a:buNone/>
+                <a:tabLst/>
                 <a:defRPr/>
               </a:pPr>
-              <a:endParaRPr lang="en-US" dirty="0"/>
+              <a:endParaRPr kumimoji="0" lang="en-US" sz="1800" b="0" i="0" u="none" strike="noStrike" kern="1200" cap="none" spc="0" normalizeH="0" baseline="0" noProof="0" dirty="0">
+                <a:ln>
+                  <a:noFill/>
+                </a:ln>
+                <a:solidFill>
+                  <a:prstClr val="white"/>
+                </a:solidFill>
+                <a:effectLst/>
+                <a:uLnTx/>
+                <a:uFillTx/>
+                <a:latin typeface="Calibri"/>
+                <a:ea typeface="+mn-ea"/>
+                <a:cs typeface="+mn-cs"/>
+              </a:endParaRPr>
             </a:p>
           </p:txBody>
         </p:sp>
@@ -1215,100 +1236,6 @@
           </p:style>
         </p:cxnSp>
       </p:grpSp>
-      <p:sp>
-        <p:nvSpPr>
-          <p:cNvPr id="11" name="TextBox 1">
-            <a:extLst>
-              <a:ext uri="{FF2B5EF4-FFF2-40B4-BE49-F238E27FC236}">
-                <a16:creationId xmlns:a16="http://schemas.microsoft.com/office/drawing/2014/main" id="{CAC3DCC0-B76F-552E-5D2D-47EC71282DE8}"/>
-              </a:ext>
-            </a:extLst>
-          </p:cNvPr>
-          <p:cNvSpPr txBox="1">
-            <a:spLocks noChangeArrowheads="1"/>
-          </p:cNvSpPr>
-          <p:nvPr userDrawn="1"/>
-        </p:nvSpPr>
-        <p:spPr bwMode="auto">
-          <a:xfrm>
-            <a:off x="201613" y="76200"/>
-            <a:ext cx="2236510" cy="707886"/>
-          </a:xfrm>
-          <a:prstGeom prst="rect">
-            <a:avLst/>
-          </a:prstGeom>
-          <a:noFill/>
-          <a:ln w="9525">
-            <a:noFill/>
-            <a:miter lim="800000"/>
-          </a:ln>
-        </p:spPr>
-        <p:txBody>
-          <a:bodyPr wrap="none">
-            <a:spAutoFit/>
-          </a:bodyPr>
-          <a:lstStyle/>
-          <a:p>
-            <a:pPr marL="0" marR="0" lvl="0" indent="0" algn="l" defTabSz="914400" rtl="0" eaLnBrk="1" fontAlgn="base" latinLnBrk="0" hangingPunct="1">
-              <a:lnSpc>
-                <a:spcPct val="100000"/>
-              </a:lnSpc>
-              <a:spcBef>
-                <a:spcPct val="0"/>
-              </a:spcBef>
-              <a:spcAft>
-                <a:spcPct val="0"/>
-              </a:spcAft>
-              <a:buClrTx/>
-              <a:buSzTx/>
-              <a:buFontTx/>
-              <a:buNone/>
-              <a:defRPr/>
-            </a:pPr>
-            <a:r>
-              <a:rPr kumimoji="1" lang="zh-CN" altLang="en-US" sz="4000" b="1" dirty="0">
-                <a:solidFill>
-                  <a:prstClr val="black"/>
-                </a:solidFill>
-                <a:latin typeface="微软雅黑" panose="020B0503020204020204" pitchFamily="34" charset="-122"/>
-                <a:ea typeface="微软雅黑" panose="020B0503020204020204" pitchFamily="34" charset="-122"/>
-              </a:rPr>
-              <a:t>宣召</a:t>
-            </a:r>
-            <a:r>
-              <a:rPr kumimoji="1" lang="zh-CN" altLang="en-US" sz="4000" b="1" i="0" u="none" strike="noStrike" kern="1200" cap="none" spc="0" normalizeH="0" baseline="0" noProof="0" dirty="0">
-                <a:ln>
-                  <a:noFill/>
-                </a:ln>
-                <a:solidFill>
-                  <a:prstClr val="black"/>
-                </a:solidFill>
-                <a:effectLst/>
-                <a:uLnTx/>
-                <a:uFillTx/>
-                <a:latin typeface="微软雅黑" panose="020B0503020204020204" pitchFamily="34" charset="-122"/>
-                <a:ea typeface="微软雅黑" panose="020B0503020204020204" pitchFamily="34" charset="-122"/>
-                <a:cs typeface="+mn-cs"/>
-              </a:rPr>
-              <a:t>诗歌</a:t>
-            </a:r>
-            <a:endParaRPr kumimoji="1" lang="ja-JP" altLang="en-US" sz="4000" b="1" i="0" u="none" strike="noStrike" kern="1200" cap="none" spc="0" normalizeH="0" baseline="0" noProof="0" dirty="0">
-              <a:ln>
-                <a:noFill/>
-              </a:ln>
-              <a:solidFill>
-                <a:prstClr val="black"/>
-              </a:solidFill>
-              <a:effectLst/>
-              <a:uLnTx/>
-              <a:uFillTx/>
-              <a:latin typeface="微软雅黑" panose="020B0503020204020204" pitchFamily="34" charset="-122"/>
-              <a:ea typeface="微软雅黑" panose="020B0503020204020204" pitchFamily="34" charset="-122"/>
-              <a:cs typeface="+mn-cs"/>
-            </a:endParaRPr>
-          </a:p>
-        </p:txBody>
-      </p:sp>
       <p:sp>
         <p:nvSpPr>
           <p:cNvPr id="12" name="副标题 2">
@@ -1355,6 +1282,7 @@
               <a:buSzTx/>
               <a:buFont typeface="Arial" panose="020B0604020202090204" pitchFamily="34" charset="0"/>
               <a:buNone/>
+              <a:tabLst/>
               <a:defRPr/>
             </a:pPr>
             <a:r>
@@ -1424,6 +1352,7 @@
               <a:buSzTx/>
               <a:buFont typeface="Arial" panose="020B0604020202090204" pitchFamily="34" charset="0"/>
               <a:buNone/>
+              <a:tabLst/>
               <a:defRPr/>
             </a:pPr>
             <a:r>
@@ -1473,6 +1402,7 @@
               <a:buSzTx/>
               <a:buFont typeface="Arial" panose="020B0604020202090204" pitchFamily="34" charset="0"/>
               <a:buNone/>
+              <a:tabLst/>
               <a:defRPr/>
             </a:pPr>
             <a:r>
@@ -1522,6 +1452,7 @@
               <a:buSzTx/>
               <a:buFont typeface="Arial" panose="020B0604020202090204" pitchFamily="34" charset="0"/>
               <a:buNone/>
+              <a:tabLst/>
               <a:defRPr/>
             </a:pPr>
             <a:r>
@@ -1571,6 +1502,7 @@
               <a:buSzTx/>
               <a:buFont typeface="Arial" panose="020B0604020202090204" pitchFamily="34" charset="0"/>
               <a:buNone/>
+              <a:tabLst/>
               <a:defRPr/>
             </a:pPr>
             <a:r>
@@ -1593,10 +1525,61 @@
           </a:p>
         </p:txBody>
       </p:sp>
+      <p:sp>
+        <p:nvSpPr>
+          <p:cNvPr id="4" name="文本占位符 3">
+            <a:extLst>
+              <a:ext uri="{FF2B5EF4-FFF2-40B4-BE49-F238E27FC236}">
+                <a16:creationId xmlns:a16="http://schemas.microsoft.com/office/drawing/2014/main" id="{6629C994-8E19-1875-ECF0-271CBF4D8684}"/>
+              </a:ext>
+            </a:extLst>
+          </p:cNvPr>
+          <p:cNvSpPr>
+            <a:spLocks noGrp="1"/>
+          </p:cNvSpPr>
+          <p:nvPr>
+            <p:ph type="body" sz="quarter" idx="10" hasCustomPrompt="1"/>
+          </p:nvPr>
+        </p:nvSpPr>
+        <p:spPr>
+          <a:xfrm>
+            <a:off x="152400" y="105609"/>
+            <a:ext cx="2465630" cy="649207"/>
+          </a:xfrm>
+          <a:prstGeom prst="rect">
+            <a:avLst/>
+          </a:prstGeom>
+        </p:spPr>
+        <p:txBody>
+          <a:bodyPr anchor="ctr" anchorCtr="0"/>
+          <a:lstStyle>
+            <a:lvl1pPr marL="0" indent="0">
+              <a:lnSpc>
+                <a:spcPct val="100000"/>
+              </a:lnSpc>
+              <a:spcBef>
+                <a:spcPts val="0"/>
+              </a:spcBef>
+              <a:buNone/>
+              <a:defRPr sz="4000" b="1" baseline="0">
+                <a:latin typeface="微软雅黑" panose="020B0503020204020204" pitchFamily="34" charset="-122"/>
+                <a:ea typeface="微软雅黑" panose="020B0503020204020204" pitchFamily="34" charset="-122"/>
+              </a:defRPr>
+            </a:lvl1pPr>
+          </a:lstStyle>
+          <a:p>
+            <a:pPr lvl="0"/>
+            <a:r>
+              <a:rPr lang="zh-CN" altLang="en-US"/>
+              <a:t>诗歌</a:t>
+            </a:r>
+          </a:p>
+        </p:txBody>
+      </p:sp>
     </p:spTree>
     <p:extLst>
       <p:ext uri="{BB962C8B-B14F-4D97-AF65-F5344CB8AC3E}">
-        <p14:creationId xmlns:p14="http://schemas.microsoft.com/office/powerpoint/2010/main" val="3149157101"/>
+        <p14:creationId xmlns:p14="http://schemas.microsoft.com/office/powerpoint/2010/main" val="3642944180"/>
       </p:ext>
     </p:extLst>
   </p:cSld>
@@ -1674,6 +1657,7 @@
               <a:buSzTx/>
               <a:buFontTx/>
               <a:buNone/>
+              <a:tabLst/>
               <a:defRPr/>
             </a:pPr>
             <a:r>
@@ -1777,16 +1761,37 @@
             <a:bodyPr anchor="ctr"/>
             <a:lstStyle/>
             <a:p>
-              <a:pPr algn="ctr" fontAlgn="auto">
+              <a:pPr marL="0" marR="0" lvl="0" indent="0" algn="ctr" defTabSz="914400" rtl="0" eaLnBrk="1" fontAlgn="auto" latinLnBrk="0" hangingPunct="1">
+                <a:lnSpc>
+                  <a:spcPct val="100000"/>
+                </a:lnSpc>
                 <a:spcBef>
                   <a:spcPts val="0"/>
                 </a:spcBef>
                 <a:spcAft>
                   <a:spcPts val="0"/>
                 </a:spcAft>
+                <a:buClrTx/>
+                <a:buSzTx/>
+                <a:buFontTx/>
+                <a:buNone/>
+                <a:tabLst/>
                 <a:defRPr/>
               </a:pPr>
-              <a:endParaRPr lang="en-US" dirty="0"/>
+              <a:endParaRPr kumimoji="0" lang="en-US" sz="1800" b="0" i="0" u="none" strike="noStrike" kern="1200" cap="none" spc="0" normalizeH="0" baseline="0" noProof="0" dirty="0">
+                <a:ln>
+                  <a:noFill/>
+                </a:ln>
+                <a:solidFill>
+                  <a:prstClr val="white"/>
+                </a:solidFill>
+                <a:effectLst/>
+                <a:uLnTx/>
+                <a:uFillTx/>
+                <a:latin typeface="Calibri"/>
+                <a:ea typeface="+mn-ea"/>
+                <a:cs typeface="+mn-cs"/>
+              </a:endParaRPr>
             </a:p>
           </p:txBody>
         </p:sp>
@@ -1952,7 +1957,7 @@
         <p:txBody>
           <a:bodyPr/>
           <a:lstStyle>
-            <a:lvl1pPr marL="0" indent="0">
+            <a:lvl1pPr marL="0" indent="0" eaLnBrk="1">
               <a:lnSpc>
                 <a:spcPct val="150000"/>
               </a:lnSpc>
@@ -1978,7 +1983,7 @@
     </p:spTree>
     <p:extLst>
       <p:ext uri="{BB962C8B-B14F-4D97-AF65-F5344CB8AC3E}">
-        <p14:creationId xmlns:p14="http://schemas.microsoft.com/office/powerpoint/2010/main" val="2556431903"/>
+        <p14:creationId xmlns:p14="http://schemas.microsoft.com/office/powerpoint/2010/main" val="3500213884"/>
       </p:ext>
     </p:extLst>
   </p:cSld>
@@ -2075,16 +2080,37 @@
             <a:bodyPr anchor="ctr"/>
             <a:lstStyle/>
             <a:p>
-              <a:pPr algn="ctr" fontAlgn="auto">
+              <a:pPr marL="0" marR="0" lvl="0" indent="0" algn="ctr" defTabSz="914400" rtl="0" eaLnBrk="1" fontAlgn="auto" latinLnBrk="0" hangingPunct="1">
+                <a:lnSpc>
+                  <a:spcPct val="100000"/>
+                </a:lnSpc>
                 <a:spcBef>
                   <a:spcPts val="0"/>
                 </a:spcBef>
                 <a:spcAft>
                   <a:spcPts val="0"/>
                 </a:spcAft>
+                <a:buClrTx/>
+                <a:buSzTx/>
+                <a:buFontTx/>
+                <a:buNone/>
+                <a:tabLst/>
                 <a:defRPr/>
               </a:pPr>
-              <a:endParaRPr lang="en-US" dirty="0"/>
+              <a:endParaRPr kumimoji="0" lang="en-US" sz="1800" b="0" i="0" u="none" strike="noStrike" kern="1200" cap="none" spc="0" normalizeH="0" baseline="0" noProof="0" dirty="0">
+                <a:ln>
+                  <a:noFill/>
+                </a:ln>
+                <a:solidFill>
+                  <a:prstClr val="white"/>
+                </a:solidFill>
+                <a:effectLst/>
+                <a:uLnTx/>
+                <a:uFillTx/>
+                <a:latin typeface="Calibri"/>
+                <a:ea typeface="+mn-ea"/>
+                <a:cs typeface="+mn-cs"/>
+              </a:endParaRPr>
             </a:p>
           </p:txBody>
         </p:sp>
@@ -2284,6 +2310,7 @@
               <a:buSzTx/>
               <a:buFontTx/>
               <a:buNone/>
+              <a:tabLst/>
               <a:defRPr/>
             </a:pPr>
             <a:r>
@@ -2399,7 +2426,7 @@
         <p:txBody>
           <a:bodyPr/>
           <a:lstStyle>
-            <a:lvl1pPr marL="0" indent="0">
+            <a:lvl1pPr marL="0" indent="0" eaLnBrk="1">
               <a:lnSpc>
                 <a:spcPct val="150000"/>
               </a:lnSpc>
@@ -2425,7 +2452,7 @@
     </p:spTree>
     <p:extLst>
       <p:ext uri="{BB962C8B-B14F-4D97-AF65-F5344CB8AC3E}">
-        <p14:creationId xmlns:p14="http://schemas.microsoft.com/office/powerpoint/2010/main" val="884222563"/>
+        <p14:creationId xmlns:p14="http://schemas.microsoft.com/office/powerpoint/2010/main" val="3862512411"/>
       </p:ext>
     </p:extLst>
   </p:cSld>
@@ -2503,6 +2530,7 @@
               <a:buSzTx/>
               <a:buFontTx/>
               <a:buNone/>
+              <a:tabLst/>
               <a:defRPr/>
             </a:pPr>
             <a:r>
@@ -2644,16 +2672,37 @@
             <a:bodyPr anchor="ctr"/>
             <a:lstStyle/>
             <a:p>
-              <a:pPr algn="ctr" fontAlgn="auto">
+              <a:pPr marL="0" marR="0" lvl="0" indent="0" algn="ctr" defTabSz="914400" rtl="0" eaLnBrk="1" fontAlgn="auto" latinLnBrk="0" hangingPunct="1">
+                <a:lnSpc>
+                  <a:spcPct val="100000"/>
+                </a:lnSpc>
                 <a:spcBef>
                   <a:spcPts val="0"/>
                 </a:spcBef>
                 <a:spcAft>
                   <a:spcPts val="0"/>
                 </a:spcAft>
+                <a:buClrTx/>
+                <a:buSzTx/>
+                <a:buFontTx/>
+                <a:buNone/>
+                <a:tabLst/>
                 <a:defRPr/>
               </a:pPr>
-              <a:endParaRPr lang="en-US" dirty="0"/>
+              <a:endParaRPr kumimoji="0" lang="en-US" sz="1800" b="0" i="0" u="none" strike="noStrike" kern="1200" cap="none" spc="0" normalizeH="0" baseline="0" noProof="0" dirty="0">
+                <a:ln>
+                  <a:noFill/>
+                </a:ln>
+                <a:solidFill>
+                  <a:prstClr val="white"/>
+                </a:solidFill>
+                <a:effectLst/>
+                <a:uLnTx/>
+                <a:uFillTx/>
+                <a:latin typeface="Calibri"/>
+                <a:ea typeface="+mn-ea"/>
+                <a:cs typeface="+mn-cs"/>
+              </a:endParaRPr>
             </a:p>
           </p:txBody>
         </p:sp>
@@ -2768,7 +2817,7 @@
         <p:txBody>
           <a:bodyPr/>
           <a:lstStyle>
-            <a:lvl1pPr marL="0" indent="0">
+            <a:lvl1pPr marL="0" indent="0" eaLnBrk="1">
               <a:lnSpc>
                 <a:spcPct val="150000"/>
               </a:lnSpc>
@@ -2794,7 +2843,7 @@
     </p:spTree>
     <p:extLst>
       <p:ext uri="{BB962C8B-B14F-4D97-AF65-F5344CB8AC3E}">
-        <p14:creationId xmlns:p14="http://schemas.microsoft.com/office/powerpoint/2010/main" val="3401057112"/>
+        <p14:creationId xmlns:p14="http://schemas.microsoft.com/office/powerpoint/2010/main" val="3805729233"/>
       </p:ext>
     </p:extLst>
   </p:cSld>
@@ -2872,6 +2921,7 @@
               <a:buSzTx/>
               <a:buFontTx/>
               <a:buNone/>
+              <a:tabLst/>
               <a:defRPr/>
             </a:pPr>
             <a:r>
@@ -2975,16 +3025,37 @@
             <a:bodyPr anchor="ctr"/>
             <a:lstStyle/>
             <a:p>
-              <a:pPr algn="ctr" fontAlgn="auto">
+              <a:pPr marL="0" marR="0" lvl="0" indent="0" algn="ctr" defTabSz="914400" rtl="0" eaLnBrk="1" fontAlgn="auto" latinLnBrk="0" hangingPunct="1">
+                <a:lnSpc>
+                  <a:spcPct val="100000"/>
+                </a:lnSpc>
                 <a:spcBef>
                   <a:spcPts val="0"/>
                 </a:spcBef>
                 <a:spcAft>
                   <a:spcPts val="0"/>
                 </a:spcAft>
+                <a:buClrTx/>
+                <a:buSzTx/>
+                <a:buFontTx/>
+                <a:buNone/>
+                <a:tabLst/>
                 <a:defRPr/>
               </a:pPr>
-              <a:endParaRPr lang="en-US" dirty="0"/>
+              <a:endParaRPr kumimoji="0" lang="en-US" sz="1800" b="0" i="0" u="none" strike="noStrike" kern="1200" cap="none" spc="0" normalizeH="0" baseline="0" noProof="0" dirty="0">
+                <a:ln>
+                  <a:noFill/>
+                </a:ln>
+                <a:solidFill>
+                  <a:prstClr val="white"/>
+                </a:solidFill>
+                <a:effectLst/>
+                <a:uLnTx/>
+                <a:uFillTx/>
+                <a:latin typeface="Calibri"/>
+                <a:ea typeface="+mn-ea"/>
+                <a:cs typeface="+mn-cs"/>
+              </a:endParaRPr>
             </a:p>
           </p:txBody>
         </p:sp>
@@ -3215,7 +3286,7 @@
         <p:txBody>
           <a:bodyPr/>
           <a:lstStyle>
-            <a:lvl1pPr marL="0" indent="0">
+            <a:lvl1pPr marL="0" indent="0" eaLnBrk="1">
               <a:lnSpc>
                 <a:spcPct val="150000"/>
               </a:lnSpc>
@@ -3241,7 +3312,7 @@
     </p:spTree>
     <p:extLst>
       <p:ext uri="{BB962C8B-B14F-4D97-AF65-F5344CB8AC3E}">
-        <p14:creationId xmlns:p14="http://schemas.microsoft.com/office/powerpoint/2010/main" val="3104440968"/>
+        <p14:creationId xmlns:p14="http://schemas.microsoft.com/office/powerpoint/2010/main" val="1772979411"/>
       </p:ext>
     </p:extLst>
   </p:cSld>
@@ -3256,7 +3327,7 @@
 
 <file path=ppt/slideLayouts/slideLayout15.xml><?xml version="1.0" encoding="utf-8"?>
 <p:sldLayout xmlns:a="http://schemas.openxmlformats.org/drawingml/2006/main" xmlns:r="http://schemas.openxmlformats.org/officeDocument/2006/relationships" xmlns:p="http://schemas.openxmlformats.org/presentationml/2006/main" preserve="1" userDrawn="1">
-  <p:cSld name="固定模板-默想认罪">
+  <p:cSld name="默想认罪">
     <p:spTree>
       <p:nvGrpSpPr>
         <p:cNvPr id="1" name=""/>
@@ -3338,16 +3409,37 @@
             <a:bodyPr anchor="ctr"/>
             <a:lstStyle/>
             <a:p>
-              <a:pPr algn="ctr" fontAlgn="auto">
+              <a:pPr marL="0" marR="0" lvl="0" indent="0" algn="ctr" defTabSz="914400" rtl="0" eaLnBrk="1" fontAlgn="auto" latinLnBrk="0" hangingPunct="1">
+                <a:lnSpc>
+                  <a:spcPct val="100000"/>
+                </a:lnSpc>
                 <a:spcBef>
                   <a:spcPts val="0"/>
                 </a:spcBef>
                 <a:spcAft>
                   <a:spcPts val="0"/>
                 </a:spcAft>
+                <a:buClrTx/>
+                <a:buSzTx/>
+                <a:buFontTx/>
+                <a:buNone/>
+                <a:tabLst/>
                 <a:defRPr/>
               </a:pPr>
-              <a:endParaRPr lang="en-US" dirty="0"/>
+              <a:endParaRPr kumimoji="0" lang="en-US" sz="1800" b="0" i="0" u="none" strike="noStrike" kern="1200" cap="none" spc="0" normalizeH="0" baseline="0" noProof="0" dirty="0">
+                <a:ln>
+                  <a:noFill/>
+                </a:ln>
+                <a:solidFill>
+                  <a:prstClr val="white"/>
+                </a:solidFill>
+                <a:effectLst/>
+                <a:uLnTx/>
+                <a:uFillTx/>
+                <a:latin typeface="Calibri"/>
+                <a:ea typeface="+mn-ea"/>
+                <a:cs typeface="+mn-cs"/>
+              </a:endParaRPr>
             </a:p>
           </p:txBody>
         </p:sp>
@@ -3506,16 +3598,53 @@
           </a:bodyPr>
           <a:lstStyle/>
           <a:p>
+            <a:pPr marL="0" marR="0" lvl="0" indent="0" algn="l" defTabSz="914400" rtl="0" eaLnBrk="1" fontAlgn="base" latinLnBrk="0" hangingPunct="1">
+              <a:lnSpc>
+                <a:spcPct val="100000"/>
+              </a:lnSpc>
+              <a:spcBef>
+                <a:spcPct val="0"/>
+              </a:spcBef>
+              <a:spcAft>
+                <a:spcPct val="0"/>
+              </a:spcAft>
+              <a:buClrTx/>
+              <a:buSzTx/>
+              <a:buFontTx/>
+              <a:buNone/>
+              <a:tabLst/>
+              <a:defRPr/>
+            </a:pPr>
             <a:r>
-              <a:rPr kumimoji="1" lang="zh-CN" altLang="en-US" sz="4000" b="1" dirty="0">
+              <a:rPr kumimoji="1" lang="zh-CN" altLang="en-US" sz="4000" b="1" i="0" u="none" strike="noStrike" kern="1200" cap="none" spc="0" normalizeH="0" baseline="0" noProof="0" dirty="0">
+                <a:ln>
+                  <a:noFill/>
+                </a:ln>
+                <a:solidFill>
+                  <a:prstClr val="black"/>
+                </a:solidFill>
+                <a:effectLst/>
+                <a:uLnTx/>
+                <a:uFillTx/>
                 <a:latin typeface="微软雅黑" panose="020B0503020204020204" pitchFamily="34" charset="-122"/>
                 <a:ea typeface="微软雅黑" panose="020B0503020204020204" pitchFamily="34" charset="-122"/>
+                <a:cs typeface="+mn-cs"/>
               </a:rPr>
               <a:t>默想认罪</a:t>
             </a:r>
-            <a:endParaRPr kumimoji="1" lang="ja-JP" altLang="en-US" sz="4000" b="1">
+            <a:endParaRPr kumimoji="1" lang="ja-JP" altLang="en-US" sz="4000" b="1" i="0" u="none" strike="noStrike" kern="1200" cap="none" spc="0" normalizeH="0" baseline="0" noProof="0">
+              <a:ln>
+                <a:noFill/>
+              </a:ln>
+              <a:solidFill>
+                <a:prstClr val="black"/>
+              </a:solidFill>
+              <a:effectLst/>
+              <a:uLnTx/>
+              <a:uFillTx/>
               <a:latin typeface="微软雅黑" panose="020B0503020204020204" pitchFamily="34" charset="-122"/>
               <a:ea typeface="微软雅黑" panose="020B0503020204020204" pitchFamily="34" charset="-122"/>
+              <a:cs typeface="+mn-cs"/>
             </a:endParaRPr>
           </a:p>
         </p:txBody>
@@ -3552,25 +3681,53 @@
           <a:bodyPr lIns="45720" rIns="45720" anchor="ctr"/>
           <a:lstStyle/>
           <a:p>
-            <a:pPr algn="ctr" fontAlgn="auto">
+            <a:pPr marL="0" marR="0" lvl="0" indent="0" algn="ctr" defTabSz="914400" rtl="0" eaLnBrk="1" fontAlgn="auto" latinLnBrk="0" hangingPunct="1">
+              <a:lnSpc>
+                <a:spcPct val="100000"/>
+              </a:lnSpc>
               <a:spcBef>
                 <a:spcPts val="0"/>
               </a:spcBef>
               <a:spcAft>
                 <a:spcPts val="0"/>
               </a:spcAft>
+              <a:buClrTx/>
+              <a:buSzTx/>
+              <a:buFontTx/>
+              <a:buNone/>
+              <a:tabLst/>
               <a:defRPr/>
             </a:pPr>
             <a:r>
-              <a:rPr lang="zh-CN" altLang="en-US" sz="6000" b="1" kern="0" dirty="0">
+              <a:rPr kumimoji="0" lang="zh-CN" altLang="en-US" sz="6000" b="1" i="0" u="none" strike="noStrike" kern="0" cap="none" spc="0" normalizeH="0" baseline="0" noProof="0" dirty="0">
+                <a:ln>
+                  <a:noFill/>
+                </a:ln>
+                <a:solidFill>
+                  <a:prstClr val="black"/>
+                </a:solidFill>
+                <a:effectLst/>
+                <a:uLnTx/>
+                <a:uFillTx/>
                 <a:latin typeface="微软雅黑" panose="020B0503020204020204" pitchFamily="34" charset="-122"/>
                 <a:ea typeface="微软雅黑" panose="020B0503020204020204" pitchFamily="34" charset="-122"/>
+                <a:cs typeface="+mn-cs"/>
               </a:rPr>
               <a:t>祷   告</a:t>
             </a:r>
-            <a:endParaRPr lang="en-US" altLang="zh-CN" sz="6000" b="1" kern="0" dirty="0">
+            <a:endParaRPr kumimoji="0" lang="en-US" altLang="zh-CN" sz="6000" b="1" i="0" u="none" strike="noStrike" kern="0" cap="none" spc="0" normalizeH="0" baseline="0" noProof="0" dirty="0">
+              <a:ln>
+                <a:noFill/>
+              </a:ln>
+              <a:solidFill>
+                <a:prstClr val="black"/>
+              </a:solidFill>
+              <a:effectLst/>
+              <a:uLnTx/>
+              <a:uFillTx/>
               <a:latin typeface="微软雅黑" panose="020B0503020204020204" pitchFamily="34" charset="-122"/>
               <a:ea typeface="微软雅黑" panose="020B0503020204020204" pitchFamily="34" charset="-122"/>
+              <a:cs typeface="+mn-cs"/>
             </a:endParaRPr>
           </a:p>
         </p:txBody>
@@ -3578,7 +3735,7 @@
     </p:spTree>
     <p:extLst>
       <p:ext uri="{BB962C8B-B14F-4D97-AF65-F5344CB8AC3E}">
-        <p14:creationId xmlns:p14="http://schemas.microsoft.com/office/powerpoint/2010/main" val="1097314479"/>
+        <p14:creationId xmlns:p14="http://schemas.microsoft.com/office/powerpoint/2010/main" val="522318168"/>
       </p:ext>
     </p:extLst>
   </p:cSld>
@@ -3675,16 +3832,37 @@
             <a:bodyPr anchor="ctr"/>
             <a:lstStyle/>
             <a:p>
-              <a:pPr algn="ctr" fontAlgn="auto">
+              <a:pPr marL="0" marR="0" lvl="0" indent="0" algn="ctr" defTabSz="914400" rtl="0" eaLnBrk="1" fontAlgn="auto" latinLnBrk="0" hangingPunct="1">
+                <a:lnSpc>
+                  <a:spcPct val="100000"/>
+                </a:lnSpc>
                 <a:spcBef>
                   <a:spcPts val="0"/>
                 </a:spcBef>
                 <a:spcAft>
                   <a:spcPts val="0"/>
                 </a:spcAft>
+                <a:buClrTx/>
+                <a:buSzTx/>
+                <a:buFontTx/>
+                <a:buNone/>
+                <a:tabLst/>
                 <a:defRPr/>
               </a:pPr>
-              <a:endParaRPr lang="en-US" dirty="0"/>
+              <a:endParaRPr kumimoji="0" lang="en-US" sz="1800" b="0" i="0" u="none" strike="noStrike" kern="1200" cap="none" spc="0" normalizeH="0" baseline="0" noProof="0" dirty="0">
+                <a:ln>
+                  <a:noFill/>
+                </a:ln>
+                <a:solidFill>
+                  <a:prstClr val="white"/>
+                </a:solidFill>
+                <a:effectLst/>
+                <a:uLnTx/>
+                <a:uFillTx/>
+                <a:latin typeface="Calibri"/>
+                <a:ea typeface="+mn-ea"/>
+                <a:cs typeface="+mn-cs"/>
+              </a:endParaRPr>
             </a:p>
           </p:txBody>
         </p:sp>
@@ -3857,6 +4035,7 @@
               <a:buSzTx/>
               <a:buFontTx/>
               <a:buNone/>
+              <a:tabLst/>
               <a:defRPr/>
             </a:pPr>
             <a:r>
@@ -3966,7 +4145,7 @@
         <p:txBody>
           <a:bodyPr/>
           <a:lstStyle>
-            <a:lvl1pPr marL="0" indent="0">
+            <a:lvl1pPr marL="0" indent="0" eaLnBrk="1">
               <a:buNone/>
               <a:defRPr b="1">
                 <a:solidFill>
@@ -4064,7 +4243,7 @@
     </p:spTree>
     <p:extLst>
       <p:ext uri="{BB962C8B-B14F-4D97-AF65-F5344CB8AC3E}">
-        <p14:creationId xmlns:p14="http://schemas.microsoft.com/office/powerpoint/2010/main" val="451428623"/>
+        <p14:creationId xmlns:p14="http://schemas.microsoft.com/office/powerpoint/2010/main" val="1487399055"/>
       </p:ext>
     </p:extLst>
   </p:cSld>
@@ -4079,7 +4258,720 @@
 
 <file path=ppt/slideLayouts/slideLayout17.xml><?xml version="1.0" encoding="utf-8"?>
 <p:sldLayout xmlns:a="http://schemas.openxmlformats.org/drawingml/2006/main" xmlns:r="http://schemas.openxmlformats.org/officeDocument/2006/relationships" xmlns:p="http://schemas.openxmlformats.org/presentationml/2006/main" preserve="1" userDrawn="1">
-  <p:cSld name="固定模板-宣信证道">
+  <p:cSld name="读经">
+    <p:spTree>
+      <p:nvGrpSpPr>
+        <p:cNvPr id="1" name=""/>
+        <p:cNvGrpSpPr/>
+        <p:nvPr/>
+      </p:nvGrpSpPr>
+      <p:grpSpPr>
+        <a:xfrm>
+          <a:off x="0" y="0"/>
+          <a:ext cx="0" cy="0"/>
+          <a:chOff x="0" y="0"/>
+          <a:chExt cx="0" cy="0"/>
+        </a:xfrm>
+      </p:grpSpPr>
+      <p:grpSp>
+        <p:nvGrpSpPr>
+          <p:cNvPr id="3" name="组合 9">
+            <a:extLst>
+              <a:ext uri="{FF2B5EF4-FFF2-40B4-BE49-F238E27FC236}">
+                <a16:creationId xmlns:a16="http://schemas.microsoft.com/office/drawing/2014/main" id="{F3B86601-572A-1643-AC2D-2BC4F543EA6F}"/>
+              </a:ext>
+            </a:extLst>
+          </p:cNvPr>
+          <p:cNvGrpSpPr/>
+          <p:nvPr userDrawn="1"/>
+        </p:nvGrpSpPr>
+        <p:grpSpPr bwMode="auto">
+          <a:xfrm>
+            <a:off x="0" y="230188"/>
+            <a:ext cx="152400" cy="400050"/>
+            <a:chOff x="0" y="2891636"/>
+            <a:chExt cx="152400" cy="400050"/>
+          </a:xfrm>
+        </p:grpSpPr>
+        <p:sp>
+          <p:nvSpPr>
+            <p:cNvPr id="4" name="Rectangle 7">
+              <a:extLst>
+                <a:ext uri="{FF2B5EF4-FFF2-40B4-BE49-F238E27FC236}">
+                  <a16:creationId xmlns:a16="http://schemas.microsoft.com/office/drawing/2014/main" id="{01392FE9-8E2B-4AF1-055E-9280432114B3}"/>
+                </a:ext>
+              </a:extLst>
+            </p:cNvPr>
+            <p:cNvSpPr/>
+            <p:nvPr/>
+          </p:nvSpPr>
+          <p:spPr>
+            <a:xfrm>
+              <a:off x="0" y="2891636"/>
+              <a:ext cx="152400" cy="400050"/>
+            </a:xfrm>
+            <a:prstGeom prst="rect">
+              <a:avLst/>
+            </a:prstGeom>
+            <a:solidFill>
+              <a:srgbClr val="C00000"/>
+            </a:solidFill>
+            <a:ln>
+              <a:noFill/>
+            </a:ln>
+          </p:spPr>
+          <p:style>
+            <a:lnRef idx="2">
+              <a:schemeClr val="accent1">
+                <a:shade val="50000"/>
+              </a:schemeClr>
+            </a:lnRef>
+            <a:fillRef idx="1">
+              <a:schemeClr val="accent1"/>
+            </a:fillRef>
+            <a:effectRef idx="0">
+              <a:schemeClr val="accent1"/>
+            </a:effectRef>
+            <a:fontRef idx="minor">
+              <a:schemeClr val="lt1"/>
+            </a:fontRef>
+          </p:style>
+          <p:txBody>
+            <a:bodyPr anchor="ctr"/>
+            <a:lstStyle/>
+            <a:p>
+              <a:pPr marL="0" marR="0" lvl="0" indent="0" algn="ctr" defTabSz="914400" rtl="0" eaLnBrk="1" fontAlgn="auto" latinLnBrk="0" hangingPunct="1">
+                <a:lnSpc>
+                  <a:spcPct val="100000"/>
+                </a:lnSpc>
+                <a:spcBef>
+                  <a:spcPts val="0"/>
+                </a:spcBef>
+                <a:spcAft>
+                  <a:spcPts val="0"/>
+                </a:spcAft>
+                <a:buClrTx/>
+                <a:buSzTx/>
+                <a:buFontTx/>
+                <a:buNone/>
+                <a:tabLst/>
+                <a:defRPr/>
+              </a:pPr>
+              <a:endParaRPr kumimoji="0" lang="en-US" sz="1800" b="0" i="0" u="none" strike="noStrike" kern="1200" cap="none" spc="0" normalizeH="0" baseline="0" noProof="0" dirty="0">
+                <a:ln>
+                  <a:noFill/>
+                </a:ln>
+                <a:solidFill>
+                  <a:prstClr val="white"/>
+                </a:solidFill>
+                <a:effectLst/>
+                <a:uLnTx/>
+                <a:uFillTx/>
+                <a:latin typeface="Calibri"/>
+                <a:ea typeface="+mn-ea"/>
+                <a:cs typeface="+mn-cs"/>
+              </a:endParaRPr>
+            </a:p>
+          </p:txBody>
+        </p:sp>
+        <p:cxnSp>
+          <p:nvCxnSpPr>
+            <p:cNvPr id="5" name="Straight Connector 15">
+              <a:extLst>
+                <a:ext uri="{FF2B5EF4-FFF2-40B4-BE49-F238E27FC236}">
+                  <a16:creationId xmlns:a16="http://schemas.microsoft.com/office/drawing/2014/main" id="{BFF354EE-8809-AF1A-40A6-BF4A941F26C9}"/>
+                </a:ext>
+              </a:extLst>
+            </p:cNvPr>
+            <p:cNvCxnSpPr/>
+            <p:nvPr/>
+          </p:nvCxnSpPr>
+          <p:spPr bwMode="auto">
+            <a:xfrm>
+              <a:off x="0" y="3074198"/>
+              <a:ext cx="101600" cy="0"/>
+            </a:xfrm>
+            <a:prstGeom prst="line">
+              <a:avLst/>
+            </a:prstGeom>
+            <a:ln w="19050">
+              <a:solidFill>
+                <a:schemeClr val="bg1"/>
+              </a:solidFill>
+            </a:ln>
+          </p:spPr>
+          <p:style>
+            <a:lnRef idx="1">
+              <a:schemeClr val="accent1"/>
+            </a:lnRef>
+            <a:fillRef idx="0">
+              <a:schemeClr val="accent1"/>
+            </a:fillRef>
+            <a:effectRef idx="0">
+              <a:schemeClr val="accent1"/>
+            </a:effectRef>
+            <a:fontRef idx="minor">
+              <a:schemeClr val="tx1"/>
+            </a:fontRef>
+          </p:style>
+        </p:cxnSp>
+        <p:cxnSp>
+          <p:nvCxnSpPr>
+            <p:cNvPr id="6" name="Straight Connector 16">
+              <a:extLst>
+                <a:ext uri="{FF2B5EF4-FFF2-40B4-BE49-F238E27FC236}">
+                  <a16:creationId xmlns:a16="http://schemas.microsoft.com/office/drawing/2014/main" id="{4769FE6D-E0D8-6C23-0CA2-41735616698E}"/>
+                </a:ext>
+              </a:extLst>
+            </p:cNvPr>
+            <p:cNvCxnSpPr/>
+            <p:nvPr/>
+          </p:nvCxnSpPr>
+          <p:spPr bwMode="auto">
+            <a:xfrm>
+              <a:off x="0" y="3120236"/>
+              <a:ext cx="101600" cy="0"/>
+            </a:xfrm>
+            <a:prstGeom prst="line">
+              <a:avLst/>
+            </a:prstGeom>
+            <a:ln w="19050">
+              <a:solidFill>
+                <a:schemeClr val="bg1"/>
+              </a:solidFill>
+            </a:ln>
+          </p:spPr>
+          <p:style>
+            <a:lnRef idx="1">
+              <a:schemeClr val="accent1"/>
+            </a:lnRef>
+            <a:fillRef idx="0">
+              <a:schemeClr val="accent1"/>
+            </a:fillRef>
+            <a:effectRef idx="0">
+              <a:schemeClr val="accent1"/>
+            </a:effectRef>
+            <a:fontRef idx="minor">
+              <a:schemeClr val="tx1"/>
+            </a:fontRef>
+          </p:style>
+        </p:cxnSp>
+      </p:grpSp>
+      <p:sp>
+        <p:nvSpPr>
+          <p:cNvPr id="8" name="TextBox 1">
+            <a:extLst>
+              <a:ext uri="{FF2B5EF4-FFF2-40B4-BE49-F238E27FC236}">
+                <a16:creationId xmlns:a16="http://schemas.microsoft.com/office/drawing/2014/main" id="{11776361-2F27-DA3A-C763-BEC6B9245142}"/>
+              </a:ext>
+            </a:extLst>
+          </p:cNvPr>
+          <p:cNvSpPr txBox="1">
+            <a:spLocks noChangeArrowheads="1"/>
+          </p:cNvSpPr>
+          <p:nvPr userDrawn="1"/>
+        </p:nvSpPr>
+        <p:spPr bwMode="auto">
+          <a:xfrm>
+            <a:off x="247015" y="76200"/>
+            <a:ext cx="1303489" cy="768350"/>
+          </a:xfrm>
+          <a:prstGeom prst="rect">
+            <a:avLst/>
+          </a:prstGeom>
+          <a:noFill/>
+          <a:ln w="9525">
+            <a:noFill/>
+            <a:miter lim="800000"/>
+          </a:ln>
+        </p:spPr>
+        <p:txBody>
+          <a:bodyPr wrap="square" anchor="ctr" anchorCtr="0">
+            <a:spAutoFit/>
+          </a:bodyPr>
+          <a:lstStyle/>
+          <a:p>
+            <a:pPr marL="0" marR="0" lvl="0" indent="0" algn="l" defTabSz="914400" rtl="0" eaLnBrk="1" fontAlgn="base" latinLnBrk="0" hangingPunct="1">
+              <a:lnSpc>
+                <a:spcPct val="100000"/>
+              </a:lnSpc>
+              <a:spcBef>
+                <a:spcPct val="0"/>
+              </a:spcBef>
+              <a:spcAft>
+                <a:spcPct val="0"/>
+              </a:spcAft>
+              <a:buClrTx/>
+              <a:buSzTx/>
+              <a:buFontTx/>
+              <a:buNone/>
+              <a:tabLst/>
+              <a:defRPr/>
+            </a:pPr>
+            <a:r>
+              <a:rPr kumimoji="1" lang="zh-CN" altLang="en-US" sz="4400" b="1" i="0" u="none" strike="noStrike" kern="1200" cap="none" spc="0" normalizeH="0" baseline="0" noProof="0" dirty="0">
+                <a:ln>
+                  <a:noFill/>
+                </a:ln>
+                <a:solidFill>
+                  <a:prstClr val="black"/>
+                </a:solidFill>
+                <a:effectLst/>
+                <a:uLnTx/>
+                <a:uFillTx/>
+                <a:latin typeface="微软雅黑" panose="020B0503020204020204" pitchFamily="34" charset="-122"/>
+                <a:ea typeface="微软雅黑" panose="020B0503020204020204" pitchFamily="34" charset="-122"/>
+                <a:cs typeface="+mn-cs"/>
+              </a:rPr>
+              <a:t>读经</a:t>
+            </a:r>
+            <a:endParaRPr kumimoji="1" lang="zh-CN" altLang="ja-JP" sz="4400" b="1" i="0" u="none" strike="noStrike" kern="1200" cap="none" spc="0" normalizeH="0" baseline="0" noProof="0" dirty="0">
+              <a:ln>
+                <a:noFill/>
+              </a:ln>
+              <a:solidFill>
+                <a:prstClr val="black"/>
+              </a:solidFill>
+              <a:effectLst/>
+              <a:uLnTx/>
+              <a:uFillTx/>
+              <a:latin typeface="微软雅黑" panose="020B0503020204020204" pitchFamily="34" charset="-122"/>
+              <a:ea typeface="微软雅黑" panose="020B0503020204020204" pitchFamily="34" charset="-122"/>
+              <a:cs typeface="+mn-cs"/>
+            </a:endParaRPr>
+          </a:p>
+        </p:txBody>
+      </p:sp>
+      <p:sp>
+        <p:nvSpPr>
+          <p:cNvPr id="10" name="内容占位符 9">
+            <a:extLst>
+              <a:ext uri="{FF2B5EF4-FFF2-40B4-BE49-F238E27FC236}">
+                <a16:creationId xmlns:a16="http://schemas.microsoft.com/office/drawing/2014/main" id="{0CB160DA-4B21-EA51-B8AA-602DAFCEC82D}"/>
+              </a:ext>
+            </a:extLst>
+          </p:cNvPr>
+          <p:cNvSpPr>
+            <a:spLocks noGrp="1"/>
+          </p:cNvSpPr>
+          <p:nvPr>
+            <p:ph sz="quarter" idx="10" hasCustomPrompt="1"/>
+          </p:nvPr>
+        </p:nvSpPr>
+        <p:spPr>
+          <a:xfrm>
+            <a:off x="1697038" y="75388"/>
+            <a:ext cx="10494962" cy="766800"/>
+          </a:xfrm>
+          <a:prstGeom prst="rect">
+            <a:avLst/>
+          </a:prstGeom>
+        </p:spPr>
+        <p:txBody>
+          <a:bodyPr wrap="square" anchor="ctr" anchorCtr="0">
+            <a:spAutoFit/>
+          </a:bodyPr>
+          <a:lstStyle>
+            <a:lvl1pPr marL="0" indent="0">
+              <a:lnSpc>
+                <a:spcPct val="100000"/>
+              </a:lnSpc>
+              <a:buNone/>
+              <a:defRPr lang="zh-CN" altLang="en-US" sz="4400" b="1" kern="0">
+                <a:latin typeface="微软雅黑" panose="020B0503020204020204" pitchFamily="34" charset="-122"/>
+                <a:ea typeface="微软雅黑" panose="020B0503020204020204" pitchFamily="34" charset="-122"/>
+              </a:defRPr>
+            </a:lvl1pPr>
+          </a:lstStyle>
+          <a:p>
+            <a:pPr lvl="0">
+              <a:spcBef>
+                <a:spcPct val="0"/>
+              </a:spcBef>
+            </a:pPr>
+            <a:r>
+              <a:rPr lang="en-US" altLang="zh-CN"/>
+              <a:t>({})</a:t>
+            </a:r>
+            <a:endParaRPr lang="zh-CN" altLang="en-US"/>
+          </a:p>
+        </p:txBody>
+      </p:sp>
+      <p:sp>
+        <p:nvSpPr>
+          <p:cNvPr id="14" name="内容占位符 13">
+            <a:extLst>
+              <a:ext uri="{FF2B5EF4-FFF2-40B4-BE49-F238E27FC236}">
+                <a16:creationId xmlns:a16="http://schemas.microsoft.com/office/drawing/2014/main" id="{AAA8722E-AC3C-252D-3CB1-1B5085C4A3C0}"/>
+              </a:ext>
+            </a:extLst>
+          </p:cNvPr>
+          <p:cNvSpPr>
+            <a:spLocks noGrp="1"/>
+          </p:cNvSpPr>
+          <p:nvPr>
+            <p:ph sz="quarter" idx="11" hasCustomPrompt="1"/>
+          </p:nvPr>
+        </p:nvSpPr>
+        <p:spPr>
+          <a:xfrm>
+            <a:off x="247650" y="888682"/>
+            <a:ext cx="11779250" cy="5760091"/>
+          </a:xfrm>
+          <a:prstGeom prst="rect">
+            <a:avLst/>
+          </a:prstGeom>
+        </p:spPr>
+        <p:txBody>
+          <a:bodyPr/>
+          <a:lstStyle>
+            <a:lvl1pPr marL="0" indent="0" eaLnBrk="1" fontAlgn="t">
+              <a:lnSpc>
+                <a:spcPct val="150000"/>
+              </a:lnSpc>
+              <a:spcBef>
+                <a:spcPts val="0"/>
+              </a:spcBef>
+              <a:buNone/>
+              <a:defRPr b="1" i="0" baseline="0">
+                <a:solidFill>
+                  <a:schemeClr val="tx1"/>
+                </a:solidFill>
+                <a:latin typeface="微软雅黑" panose="020B0503020204020204" pitchFamily="34" charset="-122"/>
+                <a:ea typeface="微软雅黑" panose="020B0503020204020204" pitchFamily="34" charset="-122"/>
+              </a:defRPr>
+            </a:lvl1pPr>
+          </a:lstStyle>
+          <a:p>
+            <a:pPr lvl="0"/>
+            <a:r>
+              <a:rPr lang="zh-CN" altLang="en-US"/>
+              <a:t>单击编辑经文</a:t>
+            </a:r>
+          </a:p>
+        </p:txBody>
+      </p:sp>
+    </p:spTree>
+    <p:extLst>
+      <p:ext uri="{BB962C8B-B14F-4D97-AF65-F5344CB8AC3E}">
+        <p14:creationId xmlns:p14="http://schemas.microsoft.com/office/powerpoint/2010/main" val="514987720"/>
+      </p:ext>
+    </p:extLst>
+  </p:cSld>
+  <p:clrMapOvr>
+    <a:masterClrMapping/>
+  </p:clrMapOvr>
+  <p:transition spd="med">
+    <p:fade/>
+  </p:transition>
+</p:sldLayout>
+</file>
+
+<file path=ppt/slideLayouts/slideLayout18.xml><?xml version="1.0" encoding="utf-8"?>
+<p:sldLayout xmlns:a="http://schemas.openxmlformats.org/drawingml/2006/main" xmlns:r="http://schemas.openxmlformats.org/officeDocument/2006/relationships" xmlns:p="http://schemas.openxmlformats.org/presentationml/2006/main" preserve="1" userDrawn="1">
+  <p:cSld name="宣信内容">
+    <p:spTree>
+      <p:nvGrpSpPr>
+        <p:cNvPr id="1" name=""/>
+        <p:cNvGrpSpPr/>
+        <p:nvPr/>
+      </p:nvGrpSpPr>
+      <p:grpSpPr>
+        <a:xfrm>
+          <a:off x="0" y="0"/>
+          <a:ext cx="0" cy="0"/>
+          <a:chOff x="0" y="0"/>
+          <a:chExt cx="0" cy="0"/>
+        </a:xfrm>
+      </p:grpSpPr>
+      <p:grpSp>
+        <p:nvGrpSpPr>
+          <p:cNvPr id="3" name="组合 9">
+            <a:extLst>
+              <a:ext uri="{FF2B5EF4-FFF2-40B4-BE49-F238E27FC236}">
+                <a16:creationId xmlns:a16="http://schemas.microsoft.com/office/drawing/2014/main" id="{097A795E-FC29-32C3-BB58-4BF0CC55531F}"/>
+              </a:ext>
+            </a:extLst>
+          </p:cNvPr>
+          <p:cNvGrpSpPr/>
+          <p:nvPr userDrawn="1"/>
+        </p:nvGrpSpPr>
+        <p:grpSpPr bwMode="auto">
+          <a:xfrm>
+            <a:off x="0" y="230188"/>
+            <a:ext cx="152400" cy="400050"/>
+            <a:chOff x="0" y="2891636"/>
+            <a:chExt cx="152400" cy="400050"/>
+          </a:xfrm>
+        </p:grpSpPr>
+        <p:sp>
+          <p:nvSpPr>
+            <p:cNvPr id="4" name="Rectangle 7">
+              <a:extLst>
+                <a:ext uri="{FF2B5EF4-FFF2-40B4-BE49-F238E27FC236}">
+                  <a16:creationId xmlns:a16="http://schemas.microsoft.com/office/drawing/2014/main" id="{0B4C444F-6774-1F25-0767-F626FA1432E1}"/>
+                </a:ext>
+              </a:extLst>
+            </p:cNvPr>
+            <p:cNvSpPr/>
+            <p:nvPr/>
+          </p:nvSpPr>
+          <p:spPr>
+            <a:xfrm>
+              <a:off x="0" y="2891636"/>
+              <a:ext cx="152400" cy="400050"/>
+            </a:xfrm>
+            <a:prstGeom prst="rect">
+              <a:avLst/>
+            </a:prstGeom>
+            <a:solidFill>
+              <a:srgbClr val="C00000"/>
+            </a:solidFill>
+            <a:ln>
+              <a:noFill/>
+            </a:ln>
+          </p:spPr>
+          <p:style>
+            <a:lnRef idx="2">
+              <a:schemeClr val="accent1">
+                <a:shade val="50000"/>
+              </a:schemeClr>
+            </a:lnRef>
+            <a:fillRef idx="1">
+              <a:schemeClr val="accent1"/>
+            </a:fillRef>
+            <a:effectRef idx="0">
+              <a:schemeClr val="accent1"/>
+            </a:effectRef>
+            <a:fontRef idx="minor">
+              <a:schemeClr val="lt1"/>
+            </a:fontRef>
+          </p:style>
+          <p:txBody>
+            <a:bodyPr anchor="ctr"/>
+            <a:lstStyle/>
+            <a:p>
+              <a:pPr marL="0" marR="0" lvl="0" indent="0" algn="ctr" defTabSz="914400" rtl="0" eaLnBrk="1" fontAlgn="auto" latinLnBrk="0" hangingPunct="1">
+                <a:lnSpc>
+                  <a:spcPct val="100000"/>
+                </a:lnSpc>
+                <a:spcBef>
+                  <a:spcPts val="0"/>
+                </a:spcBef>
+                <a:spcAft>
+                  <a:spcPts val="0"/>
+                </a:spcAft>
+                <a:buClrTx/>
+                <a:buSzTx/>
+                <a:buFontTx/>
+                <a:buNone/>
+                <a:tabLst/>
+                <a:defRPr/>
+              </a:pPr>
+              <a:endParaRPr kumimoji="0" lang="en-US" sz="1800" b="0" i="0" u="none" strike="noStrike" kern="1200" cap="none" spc="0" normalizeH="0" baseline="0" noProof="0" dirty="0">
+                <a:ln>
+                  <a:noFill/>
+                </a:ln>
+                <a:solidFill>
+                  <a:prstClr val="white"/>
+                </a:solidFill>
+                <a:effectLst/>
+                <a:uLnTx/>
+                <a:uFillTx/>
+                <a:latin typeface="Calibri"/>
+                <a:ea typeface="+mn-ea"/>
+                <a:cs typeface="+mn-cs"/>
+              </a:endParaRPr>
+            </a:p>
+          </p:txBody>
+        </p:sp>
+        <p:cxnSp>
+          <p:nvCxnSpPr>
+            <p:cNvPr id="5" name="Straight Connector 15">
+              <a:extLst>
+                <a:ext uri="{FF2B5EF4-FFF2-40B4-BE49-F238E27FC236}">
+                  <a16:creationId xmlns:a16="http://schemas.microsoft.com/office/drawing/2014/main" id="{68B1D6F5-E178-0C4E-032E-2FEB3E46406E}"/>
+                </a:ext>
+              </a:extLst>
+            </p:cNvPr>
+            <p:cNvCxnSpPr/>
+            <p:nvPr/>
+          </p:nvCxnSpPr>
+          <p:spPr bwMode="auto">
+            <a:xfrm>
+              <a:off x="0" y="3074198"/>
+              <a:ext cx="101600" cy="0"/>
+            </a:xfrm>
+            <a:prstGeom prst="line">
+              <a:avLst/>
+            </a:prstGeom>
+            <a:ln w="19050">
+              <a:solidFill>
+                <a:schemeClr val="bg1"/>
+              </a:solidFill>
+            </a:ln>
+          </p:spPr>
+          <p:style>
+            <a:lnRef idx="1">
+              <a:schemeClr val="accent1"/>
+            </a:lnRef>
+            <a:fillRef idx="0">
+              <a:schemeClr val="accent1"/>
+            </a:fillRef>
+            <a:effectRef idx="0">
+              <a:schemeClr val="accent1"/>
+            </a:effectRef>
+            <a:fontRef idx="minor">
+              <a:schemeClr val="tx1"/>
+            </a:fontRef>
+          </p:style>
+        </p:cxnSp>
+        <p:cxnSp>
+          <p:nvCxnSpPr>
+            <p:cNvPr id="6" name="Straight Connector 16">
+              <a:extLst>
+                <a:ext uri="{FF2B5EF4-FFF2-40B4-BE49-F238E27FC236}">
+                  <a16:creationId xmlns:a16="http://schemas.microsoft.com/office/drawing/2014/main" id="{8AD57DF0-685F-5D39-35E4-C298F589ED2F}"/>
+                </a:ext>
+              </a:extLst>
+            </p:cNvPr>
+            <p:cNvCxnSpPr/>
+            <p:nvPr/>
+          </p:nvCxnSpPr>
+          <p:spPr bwMode="auto">
+            <a:xfrm>
+              <a:off x="0" y="3120236"/>
+              <a:ext cx="101600" cy="0"/>
+            </a:xfrm>
+            <a:prstGeom prst="line">
+              <a:avLst/>
+            </a:prstGeom>
+            <a:ln w="19050">
+              <a:solidFill>
+                <a:schemeClr val="bg1"/>
+              </a:solidFill>
+            </a:ln>
+          </p:spPr>
+          <p:style>
+            <a:lnRef idx="1">
+              <a:schemeClr val="accent1"/>
+            </a:lnRef>
+            <a:fillRef idx="0">
+              <a:schemeClr val="accent1"/>
+            </a:fillRef>
+            <a:effectRef idx="0">
+              <a:schemeClr val="accent1"/>
+            </a:effectRef>
+            <a:fontRef idx="minor">
+              <a:schemeClr val="tx1"/>
+            </a:fontRef>
+          </p:style>
+        </p:cxnSp>
+      </p:grpSp>
+      <p:sp>
+        <p:nvSpPr>
+          <p:cNvPr id="7" name="TextBox 1">
+            <a:extLst>
+              <a:ext uri="{FF2B5EF4-FFF2-40B4-BE49-F238E27FC236}">
+                <a16:creationId xmlns:a16="http://schemas.microsoft.com/office/drawing/2014/main" id="{33EC7693-92F6-E1B6-6E56-A0F66328309F}"/>
+              </a:ext>
+            </a:extLst>
+          </p:cNvPr>
+          <p:cNvSpPr txBox="1">
+            <a:spLocks noChangeArrowheads="1"/>
+          </p:cNvSpPr>
+          <p:nvPr userDrawn="1"/>
+        </p:nvSpPr>
+        <p:spPr bwMode="auto">
+          <a:xfrm>
+            <a:off x="194178" y="75614"/>
+            <a:ext cx="1369579" cy="707886"/>
+          </a:xfrm>
+          <a:prstGeom prst="rect">
+            <a:avLst/>
+          </a:prstGeom>
+          <a:noFill/>
+          <a:ln w="9525">
+            <a:noFill/>
+            <a:miter lim="800000"/>
+          </a:ln>
+        </p:spPr>
+        <p:txBody>
+          <a:bodyPr wrap="square" anchor="ctr" anchorCtr="0">
+            <a:spAutoFit/>
+          </a:bodyPr>
+          <a:lstStyle/>
+          <a:p>
+            <a:pPr marL="0" marR="0" lvl="0" indent="0" algn="l" defTabSz="914400" rtl="0" eaLnBrk="1" fontAlgn="base" latinLnBrk="0" hangingPunct="1">
+              <a:lnSpc>
+                <a:spcPct val="100000"/>
+              </a:lnSpc>
+              <a:spcBef>
+                <a:spcPct val="0"/>
+              </a:spcBef>
+              <a:spcAft>
+                <a:spcPct val="0"/>
+              </a:spcAft>
+              <a:buClrTx/>
+              <a:buSzTx/>
+              <a:buFontTx/>
+              <a:buNone/>
+              <a:tabLst/>
+              <a:defRPr/>
+            </a:pPr>
+            <a:r>
+              <a:rPr kumimoji="1" lang="zh-CN" altLang="en-US" sz="4000" b="1" i="0" u="none" strike="noStrike" kern="1200" cap="none" spc="0" normalizeH="0" baseline="0" noProof="0" dirty="0">
+                <a:ln>
+                  <a:noFill/>
+                </a:ln>
+                <a:solidFill>
+                  <a:prstClr val="black"/>
+                </a:solidFill>
+                <a:effectLst/>
+                <a:uLnTx/>
+                <a:uFillTx/>
+                <a:latin typeface="微软雅黑" panose="020B0503020204020204" pitchFamily="34" charset="-122"/>
+                <a:ea typeface="微软雅黑" panose="020B0503020204020204" pitchFamily="34" charset="-122"/>
+                <a:cs typeface="+mn-cs"/>
+              </a:rPr>
+              <a:t>宣 信</a:t>
+            </a:r>
+            <a:endParaRPr kumimoji="1" lang="zh-CN" altLang="ja-JP" sz="4000" b="1" i="0" u="none" strike="noStrike" kern="1200" cap="none" spc="0" normalizeH="0" baseline="0" noProof="0" dirty="0">
+              <a:ln>
+                <a:noFill/>
+              </a:ln>
+              <a:solidFill>
+                <a:prstClr val="black"/>
+              </a:solidFill>
+              <a:effectLst/>
+              <a:uLnTx/>
+              <a:uFillTx/>
+              <a:latin typeface="微软雅黑" panose="020B0503020204020204" pitchFamily="34" charset="-122"/>
+              <a:ea typeface="微软雅黑" panose="020B0503020204020204" pitchFamily="34" charset="-122"/>
+              <a:cs typeface="+mn-cs"/>
+            </a:endParaRPr>
+          </a:p>
+        </p:txBody>
+      </p:sp>
+    </p:spTree>
+    <p:extLst>
+      <p:ext uri="{BB962C8B-B14F-4D97-AF65-F5344CB8AC3E}">
+        <p14:creationId xmlns:p14="http://schemas.microsoft.com/office/powerpoint/2010/main" val="223465494"/>
+      </p:ext>
+    </p:extLst>
+  </p:cSld>
+  <p:clrMapOvr>
+    <a:masterClrMapping/>
+  </p:clrMapOvr>
+  <p:transition spd="med">
+    <p:fade/>
+  </p:transition>
+</p:sldLayout>
+</file>
+
+<file path=ppt/slideLayouts/slideLayout19.xml><?xml version="1.0" encoding="utf-8"?>
+<p:sldLayout xmlns:a="http://schemas.openxmlformats.org/drawingml/2006/main" xmlns:r="http://schemas.openxmlformats.org/officeDocument/2006/relationships" xmlns:p="http://schemas.openxmlformats.org/presentationml/2006/main" preserve="1" userDrawn="1">
+  <p:cSld name="宣信证道">
     <p:spTree>
       <p:nvGrpSpPr>
         <p:cNvPr id="1" name=""/>
@@ -4161,16 +5053,37 @@
             <a:bodyPr anchor="ctr"/>
             <a:lstStyle/>
             <a:p>
-              <a:pPr algn="ctr" fontAlgn="auto">
+              <a:pPr marL="0" marR="0" lvl="0" indent="0" algn="ctr" defTabSz="914400" rtl="0" eaLnBrk="1" fontAlgn="auto" latinLnBrk="0" hangingPunct="1">
+                <a:lnSpc>
+                  <a:spcPct val="100000"/>
+                </a:lnSpc>
                 <a:spcBef>
                   <a:spcPts val="0"/>
                 </a:spcBef>
                 <a:spcAft>
                   <a:spcPts val="0"/>
                 </a:spcAft>
+                <a:buClrTx/>
+                <a:buSzTx/>
+                <a:buFontTx/>
+                <a:buNone/>
+                <a:tabLst/>
                 <a:defRPr/>
               </a:pPr>
-              <a:endParaRPr lang="en-US" dirty="0"/>
+              <a:endParaRPr kumimoji="0" lang="en-US" sz="1800" b="0" i="0" u="none" strike="noStrike" kern="1200" cap="none" spc="0" normalizeH="0" baseline="0" noProof="0" dirty="0">
+                <a:ln>
+                  <a:noFill/>
+                </a:ln>
+                <a:solidFill>
+                  <a:prstClr val="white"/>
+                </a:solidFill>
+                <a:effectLst/>
+                <a:uLnTx/>
+                <a:uFillTx/>
+                <a:latin typeface="Calibri"/>
+                <a:ea typeface="+mn-ea"/>
+                <a:cs typeface="+mn-cs"/>
+              </a:endParaRPr>
             </a:p>
           </p:txBody>
         </p:sp>
@@ -4329,10 +5242,37 @@
           </a:bodyPr>
           <a:lstStyle/>
           <a:p>
+            <a:pPr marL="0" marR="0" lvl="0" indent="0" algn="l" defTabSz="914400" rtl="0" eaLnBrk="1" fontAlgn="base" latinLnBrk="0" hangingPunct="1">
+              <a:lnSpc>
+                <a:spcPct val="100000"/>
+              </a:lnSpc>
+              <a:spcBef>
+                <a:spcPct val="0"/>
+              </a:spcBef>
+              <a:spcAft>
+                <a:spcPct val="0"/>
+              </a:spcAft>
+              <a:buClrTx/>
+              <a:buSzTx/>
+              <a:buFontTx/>
+              <a:buNone/>
+              <a:tabLst/>
+              <a:defRPr/>
+            </a:pPr>
             <a:r>
-              <a:rPr kumimoji="1" lang="zh-CN" altLang="en-US" sz="3600" b="1" dirty="0">
+              <a:rPr kumimoji="1" lang="zh-CN" altLang="en-US" sz="3600" b="1" i="0" u="none" strike="noStrike" kern="1200" cap="none" spc="0" normalizeH="0" baseline="0" noProof="0" dirty="0">
+                <a:ln>
+                  <a:noFill/>
+                </a:ln>
+                <a:solidFill>
+                  <a:prstClr val="black"/>
+                </a:solidFill>
+                <a:effectLst/>
+                <a:uLnTx/>
+                <a:uFillTx/>
                 <a:latin typeface="微软雅黑" panose="020B0503020204020204" pitchFamily="34" charset="-122"/>
                 <a:ea typeface="微软雅黑" panose="020B0503020204020204" pitchFamily="34" charset="-122"/>
+                <a:cs typeface="+mn-cs"/>
               </a:rPr>
               <a:t>沉静学道敬拜上帝</a:t>
             </a:r>
@@ -4371,18 +5311,37 @@
           <a:bodyPr lIns="45720" rIns="45720" anchor="ctr"/>
           <a:lstStyle/>
           <a:p>
-            <a:pPr algn="ctr" fontAlgn="auto">
+            <a:pPr marL="0" marR="0" lvl="0" indent="0" algn="ctr" defTabSz="914400" rtl="0" eaLnBrk="1" fontAlgn="auto" latinLnBrk="0" hangingPunct="1">
+              <a:lnSpc>
+                <a:spcPct val="100000"/>
+              </a:lnSpc>
               <a:spcBef>
                 <a:spcPts val="0"/>
               </a:spcBef>
               <a:spcAft>
                 <a:spcPts val="0"/>
               </a:spcAft>
+              <a:buClrTx/>
+              <a:buSzTx/>
+              <a:buFontTx/>
+              <a:buNone/>
+              <a:tabLst/>
+              <a:defRPr/>
             </a:pPr>
             <a:r>
-              <a:rPr lang="zh-CN" altLang="en-US" sz="4400" b="1" kern="0" dirty="0">
+              <a:rPr kumimoji="0" lang="zh-CN" altLang="en-US" sz="4400" b="1" i="0" u="none" strike="noStrike" kern="0" cap="none" spc="0" normalizeH="0" baseline="0" noProof="0" dirty="0">
+                <a:ln>
+                  <a:noFill/>
+                </a:ln>
+                <a:solidFill>
+                  <a:prstClr val="black"/>
+                </a:solidFill>
+                <a:effectLst/>
+                <a:uLnTx/>
+                <a:uFillTx/>
                 <a:latin typeface="微软雅黑" panose="020B0503020204020204" pitchFamily="34" charset="-122"/>
                 <a:ea typeface="微软雅黑" panose="020B0503020204020204" pitchFamily="34" charset="-122"/>
+                <a:cs typeface="+mn-cs"/>
               </a:rPr>
               <a:t>宣信、证道</a:t>
             </a:r>
@@ -4392,7 +5351,7 @@
     </p:spTree>
     <p:extLst>
       <p:ext uri="{BB962C8B-B14F-4D97-AF65-F5344CB8AC3E}">
-        <p14:creationId xmlns:p14="http://schemas.microsoft.com/office/powerpoint/2010/main" val="3843254518"/>
+        <p14:creationId xmlns:p14="http://schemas.microsoft.com/office/powerpoint/2010/main" val="2746702766"/>
       </p:ext>
     </p:extLst>
   </p:cSld>
@@ -4405,9 +5364,200 @@
 </p:sldLayout>
 </file>
 
-<file path=ppt/slideLayouts/slideLayout18.xml><?xml version="1.0" encoding="utf-8"?>
+<file path=ppt/slideLayouts/slideLayout2.xml><?xml version="1.0" encoding="utf-8"?>
+<p:sldLayout xmlns:a="http://schemas.openxmlformats.org/drawingml/2006/main" xmlns:r="http://schemas.openxmlformats.org/officeDocument/2006/relationships" xmlns:p="http://schemas.openxmlformats.org/presentationml/2006/main" type="blank" preserve="1">
+  <p:cSld name="空白正文">
+    <p:spTree>
+      <p:nvGrpSpPr>
+        <p:cNvPr id="1" name=""/>
+        <p:cNvGrpSpPr/>
+        <p:nvPr/>
+      </p:nvGrpSpPr>
+      <p:grpSpPr>
+        <a:xfrm>
+          <a:off x="0" y="0"/>
+          <a:ext cx="0" cy="0"/>
+          <a:chOff x="0" y="0"/>
+          <a:chExt cx="0" cy="0"/>
+        </a:xfrm>
+      </p:grpSpPr>
+      <p:grpSp>
+        <p:nvGrpSpPr>
+          <p:cNvPr id="2" name="组合 9">
+            <a:extLst>
+              <a:ext uri="{FF2B5EF4-FFF2-40B4-BE49-F238E27FC236}">
+                <a16:creationId xmlns:a16="http://schemas.microsoft.com/office/drawing/2014/main" id="{43B2DF6C-1908-F417-FE37-298124D3EF14}"/>
+              </a:ext>
+            </a:extLst>
+          </p:cNvPr>
+          <p:cNvGrpSpPr/>
+          <p:nvPr userDrawn="1"/>
+        </p:nvGrpSpPr>
+        <p:grpSpPr bwMode="auto">
+          <a:xfrm>
+            <a:off x="0" y="230188"/>
+            <a:ext cx="152400" cy="400050"/>
+            <a:chOff x="0" y="2891636"/>
+            <a:chExt cx="152400" cy="400050"/>
+          </a:xfrm>
+        </p:grpSpPr>
+        <p:sp>
+          <p:nvSpPr>
+            <p:cNvPr id="3" name="Rectangle 7">
+              <a:extLst>
+                <a:ext uri="{FF2B5EF4-FFF2-40B4-BE49-F238E27FC236}">
+                  <a16:creationId xmlns:a16="http://schemas.microsoft.com/office/drawing/2014/main" id="{1C48F0A1-AA14-CF48-A5FB-6F9889CF68E5}"/>
+                </a:ext>
+              </a:extLst>
+            </p:cNvPr>
+            <p:cNvSpPr/>
+            <p:nvPr/>
+          </p:nvSpPr>
+          <p:spPr>
+            <a:xfrm>
+              <a:off x="0" y="2891636"/>
+              <a:ext cx="152400" cy="400050"/>
+            </a:xfrm>
+            <a:prstGeom prst="rect">
+              <a:avLst/>
+            </a:prstGeom>
+            <a:solidFill>
+              <a:srgbClr val="C00000"/>
+            </a:solidFill>
+            <a:ln>
+              <a:noFill/>
+            </a:ln>
+          </p:spPr>
+          <p:style>
+            <a:lnRef idx="2">
+              <a:schemeClr val="accent1">
+                <a:shade val="50000"/>
+              </a:schemeClr>
+            </a:lnRef>
+            <a:fillRef idx="1">
+              <a:schemeClr val="accent1"/>
+            </a:fillRef>
+            <a:effectRef idx="0">
+              <a:schemeClr val="accent1"/>
+            </a:effectRef>
+            <a:fontRef idx="minor">
+              <a:schemeClr val="lt1"/>
+            </a:fontRef>
+          </p:style>
+          <p:txBody>
+            <a:bodyPr anchor="ctr"/>
+            <a:lstStyle/>
+            <a:p>
+              <a:pPr algn="ctr" fontAlgn="auto">
+                <a:spcBef>
+                  <a:spcPts val="0"/>
+                </a:spcBef>
+                <a:spcAft>
+                  <a:spcPts val="0"/>
+                </a:spcAft>
+                <a:defRPr/>
+              </a:pPr>
+              <a:endParaRPr lang="en-US" dirty="0"/>
+            </a:p>
+          </p:txBody>
+        </p:sp>
+        <p:cxnSp>
+          <p:nvCxnSpPr>
+            <p:cNvPr id="4" name="Straight Connector 15">
+              <a:extLst>
+                <a:ext uri="{FF2B5EF4-FFF2-40B4-BE49-F238E27FC236}">
+                  <a16:creationId xmlns:a16="http://schemas.microsoft.com/office/drawing/2014/main" id="{A54A9104-EBCB-3016-97B9-FC9F04733ABA}"/>
+                </a:ext>
+              </a:extLst>
+            </p:cNvPr>
+            <p:cNvCxnSpPr/>
+            <p:nvPr/>
+          </p:nvCxnSpPr>
+          <p:spPr bwMode="auto">
+            <a:xfrm>
+              <a:off x="0" y="3074198"/>
+              <a:ext cx="101600" cy="0"/>
+            </a:xfrm>
+            <a:prstGeom prst="line">
+              <a:avLst/>
+            </a:prstGeom>
+            <a:ln w="19050">
+              <a:solidFill>
+                <a:schemeClr val="bg1"/>
+              </a:solidFill>
+            </a:ln>
+          </p:spPr>
+          <p:style>
+            <a:lnRef idx="1">
+              <a:schemeClr val="accent1"/>
+            </a:lnRef>
+            <a:fillRef idx="0">
+              <a:schemeClr val="accent1"/>
+            </a:fillRef>
+            <a:effectRef idx="0">
+              <a:schemeClr val="accent1"/>
+            </a:effectRef>
+            <a:fontRef idx="minor">
+              <a:schemeClr val="tx1"/>
+            </a:fontRef>
+          </p:style>
+        </p:cxnSp>
+        <p:cxnSp>
+          <p:nvCxnSpPr>
+            <p:cNvPr id="5" name="Straight Connector 16">
+              <a:extLst>
+                <a:ext uri="{FF2B5EF4-FFF2-40B4-BE49-F238E27FC236}">
+                  <a16:creationId xmlns:a16="http://schemas.microsoft.com/office/drawing/2014/main" id="{B9148E0D-30D2-E912-2BCC-42EF2E72432C}"/>
+                </a:ext>
+              </a:extLst>
+            </p:cNvPr>
+            <p:cNvCxnSpPr/>
+            <p:nvPr/>
+          </p:nvCxnSpPr>
+          <p:spPr bwMode="auto">
+            <a:xfrm>
+              <a:off x="0" y="3120236"/>
+              <a:ext cx="101600" cy="0"/>
+            </a:xfrm>
+            <a:prstGeom prst="line">
+              <a:avLst/>
+            </a:prstGeom>
+            <a:ln w="19050">
+              <a:solidFill>
+                <a:schemeClr val="bg1"/>
+              </a:solidFill>
+            </a:ln>
+          </p:spPr>
+          <p:style>
+            <a:lnRef idx="1">
+              <a:schemeClr val="accent1"/>
+            </a:lnRef>
+            <a:fillRef idx="0">
+              <a:schemeClr val="accent1"/>
+            </a:fillRef>
+            <a:effectRef idx="0">
+              <a:schemeClr val="accent1"/>
+            </a:effectRef>
+            <a:fontRef idx="minor">
+              <a:schemeClr val="tx1"/>
+            </a:fontRef>
+          </p:style>
+        </p:cxnSp>
+      </p:grpSp>
+    </p:spTree>
+  </p:cSld>
+  <p:clrMapOvr>
+    <a:masterClrMapping/>
+  </p:clrMapOvr>
+  <p:transition spd="med">
+    <p:fade/>
+  </p:transition>
+</p:sldLayout>
+</file>
+
+<file path=ppt/slideLayouts/slideLayout20.xml><?xml version="1.0" encoding="utf-8"?>
 <p:sldLayout xmlns:a="http://schemas.openxmlformats.org/drawingml/2006/main" xmlns:r="http://schemas.openxmlformats.org/officeDocument/2006/relationships" xmlns:p="http://schemas.openxmlformats.org/presentationml/2006/main" preserve="1" userDrawn="1">
-  <p:cSld name="宣信">
+  <p:cSld name="宣信标题">
     <p:spTree>
       <p:nvGrpSpPr>
         <p:cNvPr id="1" name=""/>
@@ -4489,16 +5639,37 @@
             <a:bodyPr anchor="ctr"/>
             <a:lstStyle/>
             <a:p>
-              <a:pPr algn="ctr" fontAlgn="auto">
+              <a:pPr marL="0" marR="0" lvl="0" indent="0" algn="ctr" defTabSz="914400" rtl="0" eaLnBrk="1" fontAlgn="auto" latinLnBrk="0" hangingPunct="1">
+                <a:lnSpc>
+                  <a:spcPct val="100000"/>
+                </a:lnSpc>
                 <a:spcBef>
                   <a:spcPts val="0"/>
                 </a:spcBef>
                 <a:spcAft>
                   <a:spcPts val="0"/>
                 </a:spcAft>
+                <a:buClrTx/>
+                <a:buSzTx/>
+                <a:buFontTx/>
+                <a:buNone/>
+                <a:tabLst/>
                 <a:defRPr/>
               </a:pPr>
-              <a:endParaRPr lang="en-US" dirty="0"/>
+              <a:endParaRPr kumimoji="0" lang="en-US" sz="1800" b="0" i="0" u="none" strike="noStrike" kern="1200" cap="none" spc="0" normalizeH="0" baseline="0" noProof="0" dirty="0">
+                <a:ln>
+                  <a:noFill/>
+                </a:ln>
+                <a:solidFill>
+                  <a:prstClr val="white"/>
+                </a:solidFill>
+                <a:effectLst/>
+                <a:uLnTx/>
+                <a:uFillTx/>
+                <a:latin typeface="Calibri"/>
+                <a:ea typeface="+mn-ea"/>
+                <a:cs typeface="+mn-cs"/>
+              </a:endParaRPr>
             </a:p>
           </p:txBody>
         </p:sp>
@@ -4657,16 +5828,53 @@
           </a:bodyPr>
           <a:lstStyle/>
           <a:p>
+            <a:pPr marL="0" marR="0" lvl="0" indent="0" algn="l" defTabSz="914400" rtl="0" eaLnBrk="1" fontAlgn="base" latinLnBrk="0" hangingPunct="1">
+              <a:lnSpc>
+                <a:spcPct val="100000"/>
+              </a:lnSpc>
+              <a:spcBef>
+                <a:spcPct val="0"/>
+              </a:spcBef>
+              <a:spcAft>
+                <a:spcPct val="0"/>
+              </a:spcAft>
+              <a:buClrTx/>
+              <a:buSzTx/>
+              <a:buFontTx/>
+              <a:buNone/>
+              <a:tabLst/>
+              <a:defRPr/>
+            </a:pPr>
             <a:r>
-              <a:rPr kumimoji="1" lang="zh-CN" altLang="en-US" sz="4000" b="1" dirty="0">
+              <a:rPr kumimoji="1" lang="zh-CN" altLang="en-US" sz="4000" b="1" i="0" u="none" strike="noStrike" kern="1200" cap="none" spc="0" normalizeH="0" baseline="0" noProof="0" dirty="0">
+                <a:ln>
+                  <a:noFill/>
+                </a:ln>
+                <a:solidFill>
+                  <a:prstClr val="black"/>
+                </a:solidFill>
+                <a:effectLst/>
+                <a:uLnTx/>
+                <a:uFillTx/>
                 <a:latin typeface="微软雅黑" panose="020B0503020204020204" pitchFamily="34" charset="-122"/>
                 <a:ea typeface="微软雅黑" panose="020B0503020204020204" pitchFamily="34" charset="-122"/>
+                <a:cs typeface="+mn-cs"/>
               </a:rPr>
               <a:t>宣 信</a:t>
             </a:r>
-            <a:endParaRPr kumimoji="1" lang="ja-JP" altLang="en-US" sz="4000" b="1" dirty="0">
+            <a:endParaRPr kumimoji="1" lang="ja-JP" altLang="en-US" sz="4000" b="1" i="0" u="none" strike="noStrike" kern="1200" cap="none" spc="0" normalizeH="0" baseline="0" noProof="0" dirty="0">
+              <a:ln>
+                <a:noFill/>
+              </a:ln>
+              <a:solidFill>
+                <a:prstClr val="black"/>
+              </a:solidFill>
+              <a:effectLst/>
+              <a:uLnTx/>
+              <a:uFillTx/>
               <a:latin typeface="微软雅黑" panose="020B0503020204020204" pitchFamily="34" charset="-122"/>
               <a:ea typeface="微软雅黑" panose="020B0503020204020204" pitchFamily="34" charset="-122"/>
+              <a:cs typeface="+mn-cs"/>
             </a:endParaRPr>
           </a:p>
         </p:txBody>
@@ -4898,7 +6106,7 @@
     </p:spTree>
     <p:extLst>
       <p:ext uri="{BB962C8B-B14F-4D97-AF65-F5344CB8AC3E}">
-        <p14:creationId xmlns:p14="http://schemas.microsoft.com/office/powerpoint/2010/main" val="1818461727"/>
+        <p14:creationId xmlns:p14="http://schemas.microsoft.com/office/powerpoint/2010/main" val="4095011293"/>
       </p:ext>
     </p:extLst>
   </p:cSld>
@@ -4911,7 +6119,7 @@
 </p:sldLayout>
 </file>
 
-<file path=ppt/slideLayouts/slideLayout19.xml><?xml version="1.0" encoding="utf-8"?>
+<file path=ppt/slideLayouts/slideLayout21.xml><?xml version="1.0" encoding="utf-8"?>
 <p:sldLayout xmlns:a="http://schemas.openxmlformats.org/drawingml/2006/main" xmlns:r="http://schemas.openxmlformats.org/officeDocument/2006/relationships" xmlns:p="http://schemas.openxmlformats.org/presentationml/2006/main" preserve="1" userDrawn="1">
   <p:cSld name="证道摘要">
     <p:spTree>
@@ -4962,16 +6170,53 @@
           </a:bodyPr>
           <a:lstStyle/>
           <a:p>
+            <a:pPr marL="0" marR="0" lvl="0" indent="0" algn="l" defTabSz="914400" rtl="0" eaLnBrk="1" fontAlgn="base" latinLnBrk="0" hangingPunct="1">
+              <a:lnSpc>
+                <a:spcPct val="100000"/>
+              </a:lnSpc>
+              <a:spcBef>
+                <a:spcPct val="0"/>
+              </a:spcBef>
+              <a:spcAft>
+                <a:spcPct val="0"/>
+              </a:spcAft>
+              <a:buClrTx/>
+              <a:buSzTx/>
+              <a:buFontTx/>
+              <a:buNone/>
+              <a:tabLst/>
+              <a:defRPr/>
+            </a:pPr>
             <a:r>
-              <a:rPr kumimoji="1" lang="zh-CN" altLang="en-US" sz="4000" b="1" dirty="0">
+              <a:rPr kumimoji="1" lang="zh-CN" altLang="en-US" sz="4000" b="1" i="0" u="none" strike="noStrike" kern="1200" cap="none" spc="0" normalizeH="0" baseline="0" noProof="0" dirty="0">
+                <a:ln>
+                  <a:noFill/>
+                </a:ln>
+                <a:solidFill>
+                  <a:prstClr val="black"/>
+                </a:solidFill>
+                <a:effectLst/>
+                <a:uLnTx/>
+                <a:uFillTx/>
                 <a:latin typeface="微软雅黑" panose="020B0503020204020204" pitchFamily="34" charset="-122"/>
                 <a:ea typeface="微软雅黑" panose="020B0503020204020204" pitchFamily="34" charset="-122"/>
+                <a:cs typeface="+mn-cs"/>
               </a:rPr>
               <a:t>证 道</a:t>
             </a:r>
-            <a:endParaRPr kumimoji="1" lang="ja-JP" altLang="en-US" sz="4000" b="1" dirty="0">
+            <a:endParaRPr kumimoji="1" lang="ja-JP" altLang="en-US" sz="4000" b="1" i="0" u="none" strike="noStrike" kern="1200" cap="none" spc="0" normalizeH="0" baseline="0" noProof="0" dirty="0">
+              <a:ln>
+                <a:noFill/>
+              </a:ln>
+              <a:solidFill>
+                <a:prstClr val="black"/>
+              </a:solidFill>
+              <a:effectLst/>
+              <a:uLnTx/>
+              <a:uFillTx/>
               <a:latin typeface="微软雅黑" panose="020B0503020204020204" pitchFamily="34" charset="-122"/>
               <a:ea typeface="微软雅黑" panose="020B0503020204020204" pitchFamily="34" charset="-122"/>
+              <a:cs typeface="+mn-cs"/>
             </a:endParaRPr>
           </a:p>
         </p:txBody>
@@ -5043,16 +6288,37 @@
             <a:bodyPr anchor="ctr"/>
             <a:lstStyle/>
             <a:p>
-              <a:pPr algn="ctr" fontAlgn="auto">
+              <a:pPr marL="0" marR="0" lvl="0" indent="0" algn="ctr" defTabSz="914400" rtl="0" eaLnBrk="1" fontAlgn="auto" latinLnBrk="0" hangingPunct="1">
+                <a:lnSpc>
+                  <a:spcPct val="100000"/>
+                </a:lnSpc>
                 <a:spcBef>
                   <a:spcPts val="0"/>
                 </a:spcBef>
                 <a:spcAft>
                   <a:spcPts val="0"/>
                 </a:spcAft>
+                <a:buClrTx/>
+                <a:buSzTx/>
+                <a:buFontTx/>
+                <a:buNone/>
+                <a:tabLst/>
                 <a:defRPr/>
               </a:pPr>
-              <a:endParaRPr lang="en-US" dirty="0"/>
+              <a:endParaRPr kumimoji="0" lang="en-US" sz="1800" b="0" i="0" u="none" strike="noStrike" kern="1200" cap="none" spc="0" normalizeH="0" baseline="0" noProof="0" dirty="0">
+                <a:ln>
+                  <a:noFill/>
+                </a:ln>
+                <a:solidFill>
+                  <a:prstClr val="white"/>
+                </a:solidFill>
+                <a:effectLst/>
+                <a:uLnTx/>
+                <a:uFillTx/>
+                <a:latin typeface="Calibri"/>
+                <a:ea typeface="+mn-ea"/>
+                <a:cs typeface="+mn-cs"/>
+              </a:endParaRPr>
             </a:p>
           </p:txBody>
         </p:sp>
@@ -5276,7 +6542,7 @@
     </p:spTree>
     <p:extLst>
       <p:ext uri="{BB962C8B-B14F-4D97-AF65-F5344CB8AC3E}">
-        <p14:creationId xmlns:p14="http://schemas.microsoft.com/office/powerpoint/2010/main" val="2147100141"/>
+        <p14:creationId xmlns:p14="http://schemas.microsoft.com/office/powerpoint/2010/main" val="3174274565"/>
       </p:ext>
     </p:extLst>
   </p:cSld>
@@ -5289,198 +6555,7 @@
 </p:sldLayout>
 </file>
 
-<file path=ppt/slideLayouts/slideLayout2.xml><?xml version="1.0" encoding="utf-8"?>
-<p:sldLayout xmlns:a="http://schemas.openxmlformats.org/drawingml/2006/main" xmlns:r="http://schemas.openxmlformats.org/officeDocument/2006/relationships" xmlns:p="http://schemas.openxmlformats.org/presentationml/2006/main" type="blank" preserve="1">
-  <p:cSld name="空白正文">
-    <p:spTree>
-      <p:nvGrpSpPr>
-        <p:cNvPr id="1" name=""/>
-        <p:cNvGrpSpPr/>
-        <p:nvPr/>
-      </p:nvGrpSpPr>
-      <p:grpSpPr>
-        <a:xfrm>
-          <a:off x="0" y="0"/>
-          <a:ext cx="0" cy="0"/>
-          <a:chOff x="0" y="0"/>
-          <a:chExt cx="0" cy="0"/>
-        </a:xfrm>
-      </p:grpSpPr>
-      <p:grpSp>
-        <p:nvGrpSpPr>
-          <p:cNvPr id="2" name="组合 9">
-            <a:extLst>
-              <a:ext uri="{FF2B5EF4-FFF2-40B4-BE49-F238E27FC236}">
-                <a16:creationId xmlns:a16="http://schemas.microsoft.com/office/drawing/2014/main" id="{43B2DF6C-1908-F417-FE37-298124D3EF14}"/>
-              </a:ext>
-            </a:extLst>
-          </p:cNvPr>
-          <p:cNvGrpSpPr/>
-          <p:nvPr userDrawn="1"/>
-        </p:nvGrpSpPr>
-        <p:grpSpPr bwMode="auto">
-          <a:xfrm>
-            <a:off x="0" y="230188"/>
-            <a:ext cx="152400" cy="400050"/>
-            <a:chOff x="0" y="2891636"/>
-            <a:chExt cx="152400" cy="400050"/>
-          </a:xfrm>
-        </p:grpSpPr>
-        <p:sp>
-          <p:nvSpPr>
-            <p:cNvPr id="3" name="Rectangle 7">
-              <a:extLst>
-                <a:ext uri="{FF2B5EF4-FFF2-40B4-BE49-F238E27FC236}">
-                  <a16:creationId xmlns:a16="http://schemas.microsoft.com/office/drawing/2014/main" id="{1C48F0A1-AA14-CF48-A5FB-6F9889CF68E5}"/>
-                </a:ext>
-              </a:extLst>
-            </p:cNvPr>
-            <p:cNvSpPr/>
-            <p:nvPr/>
-          </p:nvSpPr>
-          <p:spPr>
-            <a:xfrm>
-              <a:off x="0" y="2891636"/>
-              <a:ext cx="152400" cy="400050"/>
-            </a:xfrm>
-            <a:prstGeom prst="rect">
-              <a:avLst/>
-            </a:prstGeom>
-            <a:solidFill>
-              <a:srgbClr val="C00000"/>
-            </a:solidFill>
-            <a:ln>
-              <a:noFill/>
-            </a:ln>
-          </p:spPr>
-          <p:style>
-            <a:lnRef idx="2">
-              <a:schemeClr val="accent1">
-                <a:shade val="50000"/>
-              </a:schemeClr>
-            </a:lnRef>
-            <a:fillRef idx="1">
-              <a:schemeClr val="accent1"/>
-            </a:fillRef>
-            <a:effectRef idx="0">
-              <a:schemeClr val="accent1"/>
-            </a:effectRef>
-            <a:fontRef idx="minor">
-              <a:schemeClr val="lt1"/>
-            </a:fontRef>
-          </p:style>
-          <p:txBody>
-            <a:bodyPr anchor="ctr"/>
-            <a:lstStyle/>
-            <a:p>
-              <a:pPr algn="ctr" fontAlgn="auto">
-                <a:spcBef>
-                  <a:spcPts val="0"/>
-                </a:spcBef>
-                <a:spcAft>
-                  <a:spcPts val="0"/>
-                </a:spcAft>
-                <a:defRPr/>
-              </a:pPr>
-              <a:endParaRPr lang="en-US" dirty="0"/>
-            </a:p>
-          </p:txBody>
-        </p:sp>
-        <p:cxnSp>
-          <p:nvCxnSpPr>
-            <p:cNvPr id="4" name="Straight Connector 15">
-              <a:extLst>
-                <a:ext uri="{FF2B5EF4-FFF2-40B4-BE49-F238E27FC236}">
-                  <a16:creationId xmlns:a16="http://schemas.microsoft.com/office/drawing/2014/main" id="{A54A9104-EBCB-3016-97B9-FC9F04733ABA}"/>
-                </a:ext>
-              </a:extLst>
-            </p:cNvPr>
-            <p:cNvCxnSpPr/>
-            <p:nvPr/>
-          </p:nvCxnSpPr>
-          <p:spPr bwMode="auto">
-            <a:xfrm>
-              <a:off x="0" y="3074198"/>
-              <a:ext cx="101600" cy="0"/>
-            </a:xfrm>
-            <a:prstGeom prst="line">
-              <a:avLst/>
-            </a:prstGeom>
-            <a:ln w="19050">
-              <a:solidFill>
-                <a:schemeClr val="bg1"/>
-              </a:solidFill>
-            </a:ln>
-          </p:spPr>
-          <p:style>
-            <a:lnRef idx="1">
-              <a:schemeClr val="accent1"/>
-            </a:lnRef>
-            <a:fillRef idx="0">
-              <a:schemeClr val="accent1"/>
-            </a:fillRef>
-            <a:effectRef idx="0">
-              <a:schemeClr val="accent1"/>
-            </a:effectRef>
-            <a:fontRef idx="minor">
-              <a:schemeClr val="tx1"/>
-            </a:fontRef>
-          </p:style>
-        </p:cxnSp>
-        <p:cxnSp>
-          <p:nvCxnSpPr>
-            <p:cNvPr id="5" name="Straight Connector 16">
-              <a:extLst>
-                <a:ext uri="{FF2B5EF4-FFF2-40B4-BE49-F238E27FC236}">
-                  <a16:creationId xmlns:a16="http://schemas.microsoft.com/office/drawing/2014/main" id="{B9148E0D-30D2-E912-2BCC-42EF2E72432C}"/>
-                </a:ext>
-              </a:extLst>
-            </p:cNvPr>
-            <p:cNvCxnSpPr/>
-            <p:nvPr/>
-          </p:nvCxnSpPr>
-          <p:spPr bwMode="auto">
-            <a:xfrm>
-              <a:off x="0" y="3120236"/>
-              <a:ext cx="101600" cy="0"/>
-            </a:xfrm>
-            <a:prstGeom prst="line">
-              <a:avLst/>
-            </a:prstGeom>
-            <a:ln w="19050">
-              <a:solidFill>
-                <a:schemeClr val="bg1"/>
-              </a:solidFill>
-            </a:ln>
-          </p:spPr>
-          <p:style>
-            <a:lnRef idx="1">
-              <a:schemeClr val="accent1"/>
-            </a:lnRef>
-            <a:fillRef idx="0">
-              <a:schemeClr val="accent1"/>
-            </a:fillRef>
-            <a:effectRef idx="0">
-              <a:schemeClr val="accent1"/>
-            </a:effectRef>
-            <a:fontRef idx="minor">
-              <a:schemeClr val="tx1"/>
-            </a:fontRef>
-          </p:style>
-        </p:cxnSp>
-      </p:grpSp>
-    </p:spTree>
-  </p:cSld>
-  <p:clrMapOvr>
-    <a:masterClrMapping/>
-  </p:clrMapOvr>
-  <p:transition spd="med">
-    <p:fade/>
-  </p:transition>
-</p:sldLayout>
-</file>
-
-<file path=ppt/slideLayouts/slideLayout20.xml><?xml version="1.0" encoding="utf-8"?>
+<file path=ppt/slideLayouts/slideLayout22.xml><?xml version="1.0" encoding="utf-8"?>
 <p:sldLayout xmlns:a="http://schemas.openxmlformats.org/drawingml/2006/main" xmlns:r="http://schemas.openxmlformats.org/officeDocument/2006/relationships" xmlns:p="http://schemas.openxmlformats.org/presentationml/2006/main" preserve="1" userDrawn="1">
   <p:cSld name="证道经文">
     <p:spTree>
@@ -5514,7 +6589,7 @@
         <p:spPr bwMode="auto">
           <a:xfrm>
             <a:off x="80010" y="124619"/>
-            <a:ext cx="11795760" cy="706755"/>
+            <a:ext cx="2985660" cy="706755"/>
           </a:xfrm>
           <a:prstGeom prst="rect">
             <a:avLst/>
@@ -5531,29 +6606,67 @@
           </a:bodyPr>
           <a:lstStyle/>
           <a:p>
-            <a:pPr algn="l">
+            <a:pPr marL="0" marR="0" lvl="0" indent="0" algn="l" defTabSz="914400" rtl="0" eaLnBrk="1" fontAlgn="base" latinLnBrk="0" hangingPunct="1">
+              <a:lnSpc>
+                <a:spcPct val="100000"/>
+              </a:lnSpc>
+              <a:spcBef>
+                <a:spcPct val="0"/>
+              </a:spcBef>
               <a:spcAft>
                 <a:spcPts val="0"/>
               </a:spcAft>
+              <a:buClrTx/>
+              <a:buSzTx/>
+              <a:buFontTx/>
+              <a:buNone/>
+              <a:tabLst/>
+              <a:defRPr/>
             </a:pPr>
             <a:r>
-              <a:rPr kumimoji="1" lang="zh-CN" altLang="en-US" sz="4000" b="1" dirty="0">
+              <a:rPr kumimoji="1" lang="zh-CN" altLang="en-US" sz="4000" b="1" i="0" u="none" strike="noStrike" kern="1200" cap="none" spc="0" normalizeH="0" baseline="0" noProof="0" dirty="0">
+                <a:ln>
+                  <a:noFill/>
+                </a:ln>
                 <a:solidFill>
                   <a:srgbClr val="FF0000"/>
                 </a:solidFill>
+                <a:effectLst/>
+                <a:uLnTx/>
+                <a:uFillTx/>
                 <a:latin typeface="微软雅黑" panose="020B0503020204020204" pitchFamily="34" charset="-122"/>
                 <a:ea typeface="微软雅黑" panose="020B0503020204020204" pitchFamily="34" charset="-122"/>
+                <a:cs typeface="+mn-cs"/>
               </a:rPr>
-              <a:t>上帝的话语：</a:t>
+              <a:t>上帝的</a:t>
             </a:r>
             <a:r>
-              <a:rPr kumimoji="1" lang="en-US" altLang="zh-CN" sz="4000" b="1" dirty="0">
+              <a:rPr kumimoji="1" lang="zh-CN" altLang="en-US" sz="4000" b="1" i="0" u="none" strike="noStrike" kern="1200" cap="none" spc="0" normalizeH="0" baseline="0" noProof="0">
+                <a:ln>
+                  <a:noFill/>
+                </a:ln>
+                <a:solidFill>
+                  <a:srgbClr val="FF0000"/>
+                </a:solidFill>
+                <a:effectLst/>
+                <a:uLnTx/>
+                <a:uFillTx/>
                 <a:latin typeface="微软雅黑" panose="020B0503020204020204" pitchFamily="34" charset="-122"/>
                 <a:ea typeface="微软雅黑" panose="020B0503020204020204" pitchFamily="34" charset="-122"/>
+                <a:cs typeface="+mn-cs"/>
               </a:rPr>
-              <a:t>{}</a:t>
+              <a:t>话语：</a:t>
             </a:r>
-            <a:endParaRPr kumimoji="1" lang="en-US" altLang="zh-CN" sz="4000" b="1" kern="100" dirty="0">
+            <a:endParaRPr kumimoji="1" lang="en-US" altLang="zh-CN" sz="4000" b="1" i="0" u="none" strike="noStrike" kern="100" cap="none" spc="0" normalizeH="0" baseline="0" noProof="0" dirty="0">
+              <a:ln>
+                <a:noFill/>
+              </a:ln>
+              <a:solidFill>
+                <a:prstClr val="black"/>
+              </a:solidFill>
+              <a:effectLst/>
+              <a:uLnTx/>
+              <a:uFillTx/>
               <a:latin typeface="微软雅黑" panose="020B0503020204020204" pitchFamily="34" charset="-122"/>
               <a:ea typeface="微软雅黑" panose="020B0503020204020204" pitchFamily="34" charset="-122"/>
               <a:cs typeface="PingFang SC Medium" panose="020B0400000000000000" charset="-122"/>
@@ -5629,16 +6742,37 @@
             <a:bodyPr anchor="ctr"/>
             <a:lstStyle/>
             <a:p>
-              <a:pPr algn="ctr" fontAlgn="auto">
+              <a:pPr marL="0" marR="0" lvl="0" indent="0" algn="ctr" defTabSz="914400" rtl="0" eaLnBrk="1" fontAlgn="auto" latinLnBrk="0" hangingPunct="1">
+                <a:lnSpc>
+                  <a:spcPct val="100000"/>
+                </a:lnSpc>
                 <a:spcBef>
                   <a:spcPts val="0"/>
                 </a:spcBef>
                 <a:spcAft>
                   <a:spcPts val="0"/>
                 </a:spcAft>
+                <a:buClrTx/>
+                <a:buSzTx/>
+                <a:buFontTx/>
+                <a:buNone/>
+                <a:tabLst/>
                 <a:defRPr/>
               </a:pPr>
-              <a:endParaRPr lang="en-US" dirty="0"/>
+              <a:endParaRPr kumimoji="0" lang="en-US" sz="1800" b="0" i="0" u="none" strike="noStrike" kern="1200" cap="none" spc="0" normalizeH="0" baseline="0" noProof="0" dirty="0">
+                <a:ln>
+                  <a:noFill/>
+                </a:ln>
+                <a:solidFill>
+                  <a:prstClr val="white"/>
+                </a:solidFill>
+                <a:effectLst/>
+                <a:uLnTx/>
+                <a:uFillTx/>
+                <a:latin typeface="Calibri"/>
+                <a:ea typeface="+mn-ea"/>
+                <a:cs typeface="+mn-cs"/>
+              </a:endParaRPr>
             </a:p>
           </p:txBody>
         </p:sp>
@@ -5725,10 +6859,61 @@
           </p:style>
         </p:cxnSp>
       </p:grpSp>
+      <p:sp>
+        <p:nvSpPr>
+          <p:cNvPr id="8" name="内容占位符 7">
+            <a:extLst>
+              <a:ext uri="{FF2B5EF4-FFF2-40B4-BE49-F238E27FC236}">
+                <a16:creationId xmlns:a16="http://schemas.microsoft.com/office/drawing/2014/main" id="{DDEF9314-5160-9081-BDC5-ED886F206050}"/>
+              </a:ext>
+            </a:extLst>
+          </p:cNvPr>
+          <p:cNvSpPr>
+            <a:spLocks noGrp="1"/>
+          </p:cNvSpPr>
+          <p:nvPr>
+            <p:ph sz="quarter" idx="10" hasCustomPrompt="1"/>
+          </p:nvPr>
+        </p:nvSpPr>
+        <p:spPr>
+          <a:xfrm>
+            <a:off x="3145679" y="125774"/>
+            <a:ext cx="8803513" cy="705600"/>
+          </a:xfrm>
+          <a:prstGeom prst="rect">
+            <a:avLst/>
+          </a:prstGeom>
+        </p:spPr>
+        <p:txBody>
+          <a:bodyPr anchor="ctr" anchorCtr="0"/>
+          <a:lstStyle>
+            <a:lvl1pPr marL="0" indent="0">
+              <a:lnSpc>
+                <a:spcPct val="100000"/>
+              </a:lnSpc>
+              <a:spcBef>
+                <a:spcPts val="0"/>
+              </a:spcBef>
+              <a:buNone/>
+              <a:defRPr sz="4000" b="1" baseline="0">
+                <a:latin typeface="微软雅黑" panose="020B0503020204020204" pitchFamily="34" charset="-122"/>
+                <a:ea typeface="微软雅黑" panose="020B0503020204020204" pitchFamily="34" charset="-122"/>
+              </a:defRPr>
+            </a:lvl1pPr>
+          </a:lstStyle>
+          <a:p>
+            <a:pPr lvl="0"/>
+            <a:r>
+              <a:rPr lang="zh-CN" altLang="en-US"/>
+              <a:t>经文编号</a:t>
+            </a:r>
+          </a:p>
+        </p:txBody>
+      </p:sp>
     </p:spTree>
     <p:extLst>
       <p:ext uri="{BB962C8B-B14F-4D97-AF65-F5344CB8AC3E}">
-        <p14:creationId xmlns:p14="http://schemas.microsoft.com/office/powerpoint/2010/main" val="2512406244"/>
+        <p14:creationId xmlns:p14="http://schemas.microsoft.com/office/powerpoint/2010/main" val="1792314829"/>
       </p:ext>
     </p:extLst>
   </p:cSld>
@@ -5741,7 +6926,7 @@
 </p:sldLayout>
 </file>
 
-<file path=ppt/slideLayouts/slideLayout21.xml><?xml version="1.0" encoding="utf-8"?>
+<file path=ppt/slideLayouts/slideLayout23.xml><?xml version="1.0" encoding="utf-8"?>
 <p:sldLayout xmlns:a="http://schemas.openxmlformats.org/drawingml/2006/main" xmlns:r="http://schemas.openxmlformats.org/officeDocument/2006/relationships" xmlns:p="http://schemas.openxmlformats.org/presentationml/2006/main" preserve="1" userDrawn="1">
   <p:cSld name="证道">
     <p:spTree>
@@ -5792,16 +6977,53 @@
           </a:bodyPr>
           <a:lstStyle/>
           <a:p>
+            <a:pPr marL="0" marR="0" lvl="0" indent="0" algn="l" defTabSz="914400" rtl="0" eaLnBrk="1" fontAlgn="base" latinLnBrk="0" hangingPunct="1">
+              <a:lnSpc>
+                <a:spcPct val="100000"/>
+              </a:lnSpc>
+              <a:spcBef>
+                <a:spcPct val="0"/>
+              </a:spcBef>
+              <a:spcAft>
+                <a:spcPct val="0"/>
+              </a:spcAft>
+              <a:buClrTx/>
+              <a:buSzTx/>
+              <a:buFontTx/>
+              <a:buNone/>
+              <a:tabLst/>
+              <a:defRPr/>
+            </a:pPr>
             <a:r>
-              <a:rPr kumimoji="1" lang="zh-CN" altLang="en-US" sz="4000" b="1" dirty="0">
+              <a:rPr kumimoji="1" lang="zh-CN" altLang="en-US" sz="4000" b="1" i="0" u="none" strike="noStrike" kern="1200" cap="none" spc="0" normalizeH="0" baseline="0" noProof="0" dirty="0">
+                <a:ln>
+                  <a:noFill/>
+                </a:ln>
+                <a:solidFill>
+                  <a:prstClr val="black"/>
+                </a:solidFill>
+                <a:effectLst/>
+                <a:uLnTx/>
+                <a:uFillTx/>
                 <a:latin typeface="微软雅黑" panose="020B0503020204020204" pitchFamily="34" charset="-122"/>
                 <a:ea typeface="微软雅黑" panose="020B0503020204020204" pitchFamily="34" charset="-122"/>
+                <a:cs typeface="+mn-cs"/>
               </a:rPr>
               <a:t>证 道</a:t>
             </a:r>
-            <a:endParaRPr kumimoji="1" lang="ja-JP" altLang="en-US" sz="4000" b="1" dirty="0">
+            <a:endParaRPr kumimoji="1" lang="ja-JP" altLang="en-US" sz="4000" b="1" i="0" u="none" strike="noStrike" kern="1200" cap="none" spc="0" normalizeH="0" baseline="0" noProof="0" dirty="0">
+              <a:ln>
+                <a:noFill/>
+              </a:ln>
+              <a:solidFill>
+                <a:prstClr val="black"/>
+              </a:solidFill>
+              <a:effectLst/>
+              <a:uLnTx/>
+              <a:uFillTx/>
               <a:latin typeface="微软雅黑" panose="020B0503020204020204" pitchFamily="34" charset="-122"/>
               <a:ea typeface="微软雅黑" panose="020B0503020204020204" pitchFamily="34" charset="-122"/>
+              <a:cs typeface="+mn-cs"/>
             </a:endParaRPr>
           </a:p>
         </p:txBody>
@@ -5873,16 +7095,37 @@
             <a:bodyPr anchor="ctr"/>
             <a:lstStyle/>
             <a:p>
-              <a:pPr algn="ctr" fontAlgn="auto">
+              <a:pPr marL="0" marR="0" lvl="0" indent="0" algn="ctr" defTabSz="914400" rtl="0" eaLnBrk="1" fontAlgn="auto" latinLnBrk="0" hangingPunct="1">
+                <a:lnSpc>
+                  <a:spcPct val="100000"/>
+                </a:lnSpc>
                 <a:spcBef>
                   <a:spcPts val="0"/>
                 </a:spcBef>
                 <a:spcAft>
                   <a:spcPts val="0"/>
                 </a:spcAft>
+                <a:buClrTx/>
+                <a:buSzTx/>
+                <a:buFontTx/>
+                <a:buNone/>
+                <a:tabLst/>
                 <a:defRPr/>
               </a:pPr>
-              <a:endParaRPr lang="en-US" dirty="0"/>
+              <a:endParaRPr kumimoji="0" lang="en-US" sz="1800" b="0" i="0" u="none" strike="noStrike" kern="1200" cap="none" spc="0" normalizeH="0" baseline="0" noProof="0" dirty="0">
+                <a:ln>
+                  <a:noFill/>
+                </a:ln>
+                <a:solidFill>
+                  <a:prstClr val="white"/>
+                </a:solidFill>
+                <a:effectLst/>
+                <a:uLnTx/>
+                <a:uFillTx/>
+                <a:latin typeface="Calibri"/>
+                <a:ea typeface="+mn-ea"/>
+                <a:cs typeface="+mn-cs"/>
+              </a:endParaRPr>
             </a:p>
           </p:txBody>
         </p:sp>
@@ -6056,7 +7299,7 @@
     </p:spTree>
     <p:extLst>
       <p:ext uri="{BB962C8B-B14F-4D97-AF65-F5344CB8AC3E}">
-        <p14:creationId xmlns:p14="http://schemas.microsoft.com/office/powerpoint/2010/main" val="4180162119"/>
+        <p14:creationId xmlns:p14="http://schemas.microsoft.com/office/powerpoint/2010/main" val="690098559"/>
       </p:ext>
     </p:extLst>
   </p:cSld>
@@ -6069,9 +7312,9 @@
 </p:sldLayout>
 </file>
 
-<file path=ppt/slideLayouts/slideLayout22.xml><?xml version="1.0" encoding="utf-8"?>
+<file path=ppt/slideLayouts/slideLayout24.xml><?xml version="1.0" encoding="utf-8"?>
 <p:sldLayout xmlns:a="http://schemas.openxmlformats.org/drawingml/2006/main" xmlns:r="http://schemas.openxmlformats.org/officeDocument/2006/relationships" xmlns:p="http://schemas.openxmlformats.org/presentationml/2006/main" preserve="1" userDrawn="1">
-  <p:cSld name="固定模板-感恩奉献">
+  <p:cSld name="感恩奉献">
     <p:spTree>
       <p:nvGrpSpPr>
         <p:cNvPr id="1" name=""/>
@@ -6134,9 +7377,11 @@
               <a:buSzTx/>
               <a:buFontTx/>
               <a:buNone/>
+              <a:tabLst/>
+              <a:defRPr/>
             </a:pPr>
             <a:r>
-              <a:rPr kumimoji="1" lang="zh-CN" altLang="en-US" sz="4000" b="1" u="none" strike="noStrike" kern="1200" cap="none" spc="0" normalizeH="0" baseline="0" noProof="0" dirty="0">
+              <a:rPr kumimoji="1" lang="zh-CN" altLang="en-US" sz="4000" b="1" i="0" u="none" strike="noStrike" kern="1200" cap="none" spc="0" normalizeH="0" baseline="0" noProof="0" dirty="0">
                 <a:ln>
                   <a:noFill/>
                 </a:ln>
@@ -6148,10 +7393,11 @@
                 <a:uFillTx/>
                 <a:latin typeface="微软雅黑" panose="020B0503020204020204" pitchFamily="34" charset="-122"/>
                 <a:ea typeface="微软雅黑" panose="020B0503020204020204" pitchFamily="34" charset="-122"/>
+                <a:cs typeface="+mn-cs"/>
               </a:rPr>
               <a:t>感恩奉献</a:t>
             </a:r>
-            <a:endParaRPr kumimoji="1" lang="ja-JP" altLang="en-US" sz="4000" b="1" u="none" strike="noStrike" kern="1200" cap="none" spc="0" normalizeH="0" baseline="0" noProof="0" dirty="0">
+            <a:endParaRPr kumimoji="1" lang="ja-JP" altLang="en-US" sz="4000" b="1" i="0" u="none" strike="noStrike" kern="1200" cap="none" spc="0" normalizeH="0" baseline="0" noProof="0" dirty="0">
               <a:ln>
                 <a:noFill/>
               </a:ln>
@@ -6163,6 +7409,7 @@
               <a:uFillTx/>
               <a:latin typeface="微软雅黑" panose="020B0503020204020204" pitchFamily="34" charset="-122"/>
               <a:ea typeface="微软雅黑" panose="020B0503020204020204" pitchFamily="34" charset="-122"/>
+              <a:cs typeface="+mn-cs"/>
             </a:endParaRPr>
           </a:p>
         </p:txBody>
@@ -6234,16 +7481,37 @@
             <a:bodyPr anchor="ctr"/>
             <a:lstStyle/>
             <a:p>
-              <a:pPr algn="ctr" fontAlgn="auto">
+              <a:pPr marL="0" marR="0" lvl="0" indent="0" algn="ctr" defTabSz="914400" rtl="0" eaLnBrk="1" fontAlgn="auto" latinLnBrk="0" hangingPunct="1">
+                <a:lnSpc>
+                  <a:spcPct val="100000"/>
+                </a:lnSpc>
                 <a:spcBef>
                   <a:spcPts val="0"/>
                 </a:spcBef>
                 <a:spcAft>
                   <a:spcPts val="0"/>
                 </a:spcAft>
+                <a:buClrTx/>
+                <a:buSzTx/>
+                <a:buFontTx/>
+                <a:buNone/>
+                <a:tabLst/>
                 <a:defRPr/>
               </a:pPr>
-              <a:endParaRPr lang="en-US" dirty="0"/>
+              <a:endParaRPr kumimoji="0" lang="en-US" sz="1800" b="0" i="0" u="none" strike="noStrike" kern="1200" cap="none" spc="0" normalizeH="0" baseline="0" noProof="0" dirty="0">
+                <a:ln>
+                  <a:noFill/>
+                </a:ln>
+                <a:solidFill>
+                  <a:prstClr val="white"/>
+                </a:solidFill>
+                <a:effectLst/>
+                <a:uLnTx/>
+                <a:uFillTx/>
+                <a:latin typeface="Calibri"/>
+                <a:ea typeface="+mn-ea"/>
+                <a:cs typeface="+mn-cs"/>
+              </a:endParaRPr>
             </a:p>
           </p:txBody>
         </p:sp>
@@ -6416,9 +7684,11 @@
               <a:buSzTx/>
               <a:buFontTx/>
               <a:buNone/>
+              <a:tabLst/>
+              <a:defRPr/>
             </a:pPr>
             <a:r>
-              <a:rPr kumimoji="0" lang="en-US" altLang="zh-CN" sz="3200" b="1" u="none" strike="noStrike" kern="1200" cap="none" spc="0" normalizeH="0" baseline="0" noProof="0" dirty="0">
+              <a:rPr kumimoji="0" lang="en-US" altLang="zh-CN" sz="3200" b="1" i="0" u="none" strike="noStrike" kern="1200" cap="none" spc="0" normalizeH="0" baseline="0" noProof="0" dirty="0">
                 <a:ln>
                   <a:noFill/>
                 </a:ln>
@@ -6430,11 +7700,12 @@
                 <a:uFillTx/>
                 <a:latin typeface="微软雅黑" panose="020B0503020204020204" pitchFamily="34" charset="-122"/>
                 <a:ea typeface="微软雅黑" panose="020B0503020204020204" pitchFamily="34" charset="-122"/>
+                <a:cs typeface="+mn-cs"/>
               </a:rPr>
               <a:t>【</a:t>
             </a:r>
             <a:r>
-              <a:rPr kumimoji="0" lang="zh-CN" altLang="en-US" sz="3600" b="1" u="none" strike="noStrike" kern="1200" cap="none" spc="0" normalizeH="0" baseline="0" noProof="0" dirty="0">
+              <a:rPr kumimoji="0" lang="zh-CN" altLang="en-US" sz="3600" b="1" i="0" u="none" strike="noStrike" kern="1200" cap="none" spc="0" normalizeH="0" baseline="0" noProof="0" dirty="0">
                 <a:ln>
                   <a:noFill/>
                 </a:ln>
@@ -6446,11 +7717,12 @@
                 <a:uFillTx/>
                 <a:latin typeface="微软雅黑" panose="020B0503020204020204" pitchFamily="34" charset="-122"/>
                 <a:ea typeface="微软雅黑" panose="020B0503020204020204" pitchFamily="34" charset="-122"/>
+                <a:cs typeface="+mn-cs"/>
               </a:rPr>
               <a:t>林后 </a:t>
             </a:r>
             <a:r>
-              <a:rPr kumimoji="0" lang="en-US" altLang="zh-CN" sz="3600" b="1" u="none" strike="noStrike" kern="1200" cap="none" spc="0" normalizeH="0" baseline="0" noProof="0" dirty="0">
+              <a:rPr kumimoji="0" lang="en-US" altLang="zh-CN" sz="3600" b="1" i="0" u="none" strike="noStrike" kern="1200" cap="none" spc="0" normalizeH="0" baseline="0" noProof="0" dirty="0">
                 <a:ln>
                   <a:noFill/>
                 </a:ln>
@@ -6462,11 +7734,12 @@
                 <a:uFillTx/>
                 <a:latin typeface="微软雅黑" panose="020B0503020204020204" pitchFamily="34" charset="-122"/>
                 <a:ea typeface="微软雅黑" panose="020B0503020204020204" pitchFamily="34" charset="-122"/>
+                <a:cs typeface="+mn-cs"/>
               </a:rPr>
               <a:t>8:9】【</a:t>
             </a:r>
             <a:r>
-              <a:rPr kumimoji="0" lang="zh-CN" altLang="en-US" sz="3600" b="1" u="none" strike="noStrike" kern="1200" cap="none" spc="0" normalizeH="0" baseline="0" noProof="0" dirty="0">
+              <a:rPr kumimoji="0" lang="zh-CN" altLang="en-US" sz="3600" b="1" i="0" u="none" strike="noStrike" kern="1200" cap="none" spc="0" normalizeH="0" baseline="0" noProof="0" dirty="0">
                 <a:ln>
                   <a:noFill/>
                 </a:ln>
@@ -6478,11 +7751,12 @@
                 <a:uFillTx/>
                 <a:latin typeface="微软雅黑" panose="020B0503020204020204" pitchFamily="34" charset="-122"/>
                 <a:ea typeface="微软雅黑" panose="020B0503020204020204" pitchFamily="34" charset="-122"/>
+                <a:cs typeface="+mn-cs"/>
               </a:rPr>
               <a:t>罗 </a:t>
             </a:r>
             <a:r>
-              <a:rPr kumimoji="0" lang="en-US" altLang="zh-CN" sz="3600" b="1" u="none" strike="noStrike" kern="1200" cap="none" spc="0" normalizeH="0" baseline="0" noProof="0" dirty="0">
+              <a:rPr kumimoji="0" lang="en-US" altLang="zh-CN" sz="3600" b="1" i="0" u="none" strike="noStrike" kern="1200" cap="none" spc="0" normalizeH="0" baseline="0" noProof="0" dirty="0">
                 <a:ln>
                   <a:noFill/>
                 </a:ln>
@@ -6494,20 +7768,11 @@
                 <a:uFillTx/>
                 <a:latin typeface="微软雅黑" panose="020B0503020204020204" pitchFamily="34" charset="-122"/>
                 <a:ea typeface="微软雅黑" panose="020B0503020204020204" pitchFamily="34" charset="-122"/>
+                <a:cs typeface="+mn-cs"/>
               </a:rPr>
-              <a:t>12</a:t>
+              <a:t>12:1–2】 </a:t>
             </a:r>
-            <a:r>
-              <a:rPr lang="en-US" altLang="zh-CN" sz="3600" b="1" dirty="0">
-                <a:solidFill>
-                  <a:prstClr val="black"/>
-                </a:solidFill>
-                <a:latin typeface="微软雅黑" panose="020B0503020204020204" pitchFamily="34" charset="-122"/>
-                <a:ea typeface="微软雅黑" panose="020B0503020204020204" pitchFamily="34" charset="-122"/>
-              </a:rPr>
-              <a:t>:1–2】 </a:t>
-            </a:r>
-            <a:endParaRPr kumimoji="0" lang="en-US" altLang="zh-CN" sz="3600" b="1" u="none" strike="noStrike" kern="1200" cap="none" spc="0" normalizeH="0" baseline="0" noProof="0" dirty="0">
+            <a:endParaRPr kumimoji="0" lang="en-US" altLang="zh-CN" sz="3600" b="1" i="0" u="none" strike="noStrike" kern="1200" cap="none" spc="0" normalizeH="0" baseline="0" noProof="0" dirty="0">
               <a:ln>
                 <a:noFill/>
               </a:ln>
@@ -6519,6 +7784,7 @@
               <a:uFillTx/>
               <a:latin typeface="微软雅黑" panose="020B0503020204020204" pitchFamily="34" charset="-122"/>
               <a:ea typeface="微软雅黑" panose="020B0503020204020204" pitchFamily="34" charset="-122"/>
+              <a:cs typeface="+mn-cs"/>
               <a:sym typeface="+mn-ea"/>
             </a:endParaRPr>
           </a:p>
@@ -6565,9 +7831,11 @@
               <a:buSzTx/>
               <a:buFontTx/>
               <a:buNone/>
+              <a:tabLst/>
+              <a:defRPr/>
             </a:pPr>
             <a:r>
-              <a:rPr kumimoji="0" lang="zh-CN" altLang="en-US" sz="3200" b="1" u="none" strike="noStrike" kern="1200" cap="none" spc="0" normalizeH="0" baseline="0" noProof="0" dirty="0">
+              <a:rPr kumimoji="0" lang="zh-CN" altLang="en-US" sz="3200" b="1" i="0" u="none" strike="noStrike" kern="1200" cap="none" spc="0" normalizeH="0" baseline="0" noProof="0" dirty="0">
                 <a:ln>
                   <a:noFill/>
                 </a:ln>
@@ -6579,11 +7847,12 @@
                 <a:uFillTx/>
                 <a:latin typeface="微软雅黑" panose="020B0503020204020204" pitchFamily="34" charset="-122"/>
                 <a:ea typeface="微软雅黑" panose="020B0503020204020204" pitchFamily="34" charset="-122"/>
+                <a:cs typeface="+mn-cs"/>
               </a:rPr>
               <a:t>　　你们知道我们主耶稣基督的恩典：他本来富足，却为你们成了贫穷，叫你们因他的贫穷，可以成为富足。</a:t>
             </a:r>
             <a:r>
-              <a:rPr kumimoji="0" lang="zh-CN" altLang="en-US" sz="2400" b="1" u="none" strike="noStrike" kern="1200" cap="none" spc="0" normalizeH="0" baseline="0" noProof="0" dirty="0">
+              <a:rPr kumimoji="0" lang="zh-CN" altLang="en-US" sz="2400" b="1" i="0" u="none" strike="noStrike" kern="1200" cap="none" spc="0" normalizeH="0" baseline="0" noProof="0" dirty="0">
                 <a:ln>
                   <a:noFill/>
                 </a:ln>
@@ -6595,11 +7864,12 @@
                 <a:uFillTx/>
                 <a:latin typeface="微软雅黑" panose="020B0503020204020204" pitchFamily="34" charset="-122"/>
                 <a:ea typeface="微软雅黑" panose="020B0503020204020204" pitchFamily="34" charset="-122"/>
+                <a:cs typeface="+mn-cs"/>
               </a:rPr>
               <a:t>（林后</a:t>
             </a:r>
             <a:r>
-              <a:rPr kumimoji="0" lang="en-US" altLang="zh-CN" sz="2400" b="1" u="none" strike="noStrike" kern="1200" cap="none" spc="0" normalizeH="0" baseline="0" noProof="0" dirty="0">
+              <a:rPr kumimoji="0" lang="en-US" altLang="zh-CN" sz="2400" b="1" i="0" u="none" strike="noStrike" kern="1200" cap="none" spc="0" normalizeH="0" baseline="0" noProof="0" dirty="0">
                 <a:ln>
                   <a:noFill/>
                 </a:ln>
@@ -6611,21 +7881,12 @@
                 <a:uFillTx/>
                 <a:latin typeface="微软雅黑" panose="020B0503020204020204" pitchFamily="34" charset="-122"/>
                 <a:ea typeface="微软雅黑" panose="020B0503020204020204" pitchFamily="34" charset="-122"/>
+                <a:cs typeface="+mn-cs"/>
               </a:rPr>
-              <a:t>8</a:t>
+              <a:t>8:9</a:t>
             </a:r>
             <a:r>
-              <a:rPr lang="en-US" altLang="zh-CN" sz="2400" b="1" dirty="0">
-                <a:solidFill>
-                  <a:srgbClr val="FF0000"/>
-                </a:solidFill>
-                <a:latin typeface="微软雅黑" panose="020B0503020204020204" pitchFamily="34" charset="-122"/>
-                <a:ea typeface="微软雅黑" panose="020B0503020204020204" pitchFamily="34" charset="-122"/>
-              </a:rPr>
-              <a:t>:9</a:t>
-            </a:r>
-            <a:r>
-              <a:rPr kumimoji="0" lang="zh-CN" altLang="en-US" sz="2400" b="1" u="none" strike="noStrike" kern="1200" cap="none" spc="0" normalizeH="0" baseline="0" noProof="0" dirty="0">
+              <a:rPr kumimoji="0" lang="zh-CN" altLang="en-US" sz="2400" b="1" i="0" u="none" strike="noStrike" kern="1200" cap="none" spc="0" normalizeH="0" baseline="0" noProof="0" dirty="0">
                 <a:ln>
                   <a:noFill/>
                 </a:ln>
@@ -6637,15 +7898,23 @@
                 <a:uFillTx/>
                 <a:latin typeface="微软雅黑" panose="020B0503020204020204" pitchFamily="34" charset="-122"/>
                 <a:ea typeface="微软雅黑" panose="020B0503020204020204" pitchFamily="34" charset="-122"/>
+                <a:cs typeface="+mn-cs"/>
               </a:rPr>
               <a:t>）</a:t>
             </a:r>
-            <a:endParaRPr lang="en-US" altLang="zh-CN" sz="2400" b="1" dirty="0">
+            <a:endParaRPr kumimoji="0" lang="en-US" altLang="zh-CN" sz="2400" b="1" i="0" u="none" strike="noStrike" kern="1200" cap="none" spc="0" normalizeH="0" baseline="0" noProof="0" dirty="0">
+              <a:ln>
+                <a:noFill/>
+              </a:ln>
               <a:solidFill>
                 <a:srgbClr val="FF0000"/>
               </a:solidFill>
+              <a:effectLst/>
+              <a:uLnTx/>
+              <a:uFillTx/>
               <a:latin typeface="微软雅黑" panose="020B0503020204020204" pitchFamily="34" charset="-122"/>
               <a:ea typeface="微软雅黑" panose="020B0503020204020204" pitchFamily="34" charset="-122"/>
+              <a:cs typeface="+mn-cs"/>
             </a:endParaRPr>
           </a:p>
           <a:p>
@@ -6663,8 +7932,10 @@
               <a:buSzTx/>
               <a:buFontTx/>
               <a:buNone/>
+              <a:tabLst/>
+              <a:defRPr/>
             </a:pPr>
-            <a:endParaRPr kumimoji="0" lang="en-US" altLang="zh-CN" sz="2000" b="1" u="none" strike="noStrike" kern="1200" cap="none" spc="0" normalizeH="0" baseline="0" noProof="0" dirty="0">
+            <a:endParaRPr kumimoji="0" lang="en-US" altLang="zh-CN" sz="2000" b="1" i="0" u="none" strike="noStrike" kern="1200" cap="none" spc="0" normalizeH="0" baseline="0" noProof="0" dirty="0">
               <a:ln>
                 <a:noFill/>
               </a:ln>
@@ -6676,6 +7947,7 @@
               <a:uFillTx/>
               <a:latin typeface="微软雅黑" panose="020B0503020204020204" pitchFamily="34" charset="-122"/>
               <a:ea typeface="微软雅黑" panose="020B0503020204020204" pitchFamily="34" charset="-122"/>
+              <a:cs typeface="+mn-cs"/>
             </a:endParaRPr>
           </a:p>
           <a:p>
@@ -6693,83 +7965,141 @@
               <a:buSzTx/>
               <a:buFontTx/>
               <a:buNone/>
+              <a:tabLst/>
+              <a:defRPr/>
             </a:pPr>
             <a:r>
-              <a:rPr lang="zh-CN" altLang="en-US" sz="3200" b="1" dirty="0">
+              <a:rPr kumimoji="0" lang="zh-CN" altLang="en-US" sz="3200" b="1" i="0" u="none" strike="noStrike" kern="1200" cap="none" spc="0" normalizeH="0" baseline="0" noProof="0" dirty="0">
+                <a:ln>
+                  <a:noFill/>
+                </a:ln>
                 <a:solidFill>
                   <a:prstClr val="black"/>
                 </a:solidFill>
+                <a:effectLst/>
+                <a:uLnTx/>
+                <a:uFillTx/>
                 <a:latin typeface="微软雅黑" panose="020B0503020204020204" pitchFamily="34" charset="-122"/>
                 <a:ea typeface="微软雅黑" panose="020B0503020204020204" pitchFamily="34" charset="-122"/>
+                <a:cs typeface="+mn-cs"/>
               </a:rPr>
               <a:t>　　所以，弟兄们，我以神的慈悲劝你们，将身体献上，当作活祭，是圣洁的，是神所喜悦的；你们如此事奉乃是理所当然的。不要效法这个世界，只要心意更新而变化，叫你们察验何为神的善良、纯全、可喜悦的旨意</a:t>
             </a:r>
             <a:r>
-              <a:rPr lang="zh-CN" altLang="en-US" sz="2800" b="1" dirty="0">
+              <a:rPr kumimoji="0" lang="zh-CN" altLang="en-US" sz="2800" b="1" i="0" u="none" strike="noStrike" kern="1200" cap="none" spc="0" normalizeH="0" baseline="0" noProof="0" dirty="0">
+                <a:ln>
+                  <a:noFill/>
+                </a:ln>
                 <a:solidFill>
                   <a:prstClr val="black"/>
                 </a:solidFill>
+                <a:effectLst/>
+                <a:uLnTx/>
+                <a:uFillTx/>
                 <a:latin typeface="微软雅黑" panose="020B0503020204020204" pitchFamily="34" charset="-122"/>
                 <a:ea typeface="微软雅黑" panose="020B0503020204020204" pitchFamily="34" charset="-122"/>
+                <a:cs typeface="+mn-cs"/>
               </a:rPr>
               <a:t>。</a:t>
             </a:r>
             <a:r>
-              <a:rPr lang="en-US" altLang="zh-CN" sz="2800" b="1" dirty="0">
+              <a:rPr kumimoji="0" lang="en-US" altLang="zh-CN" sz="2800" b="1" i="0" u="none" strike="noStrike" kern="1200" cap="none" spc="0" normalizeH="0" baseline="0" noProof="0" dirty="0">
+                <a:ln>
+                  <a:noFill/>
+                </a:ln>
                 <a:solidFill>
                   <a:prstClr val="black"/>
                 </a:solidFill>
+                <a:effectLst/>
+                <a:uLnTx/>
+                <a:uFillTx/>
                 <a:latin typeface="微软雅黑" panose="020B0503020204020204" pitchFamily="34" charset="-122"/>
                 <a:ea typeface="微软雅黑" panose="020B0503020204020204" pitchFamily="34" charset="-122"/>
+                <a:cs typeface="+mn-cs"/>
               </a:rPr>
               <a:t> </a:t>
             </a:r>
             <a:r>
-              <a:rPr lang="en-US" altLang="zh-CN" sz="2400" b="1" dirty="0">
+              <a:rPr kumimoji="0" lang="en-US" altLang="zh-CN" sz="2400" b="1" i="0" u="none" strike="noStrike" kern="1200" cap="none" spc="0" normalizeH="0" baseline="0" noProof="0" dirty="0">
+                <a:ln>
+                  <a:noFill/>
+                </a:ln>
                 <a:solidFill>
                   <a:srgbClr val="FF0000"/>
                 </a:solidFill>
+                <a:effectLst/>
+                <a:uLnTx/>
+                <a:uFillTx/>
                 <a:latin typeface="微软雅黑" panose="020B0503020204020204" pitchFamily="34" charset="-122"/>
                 <a:ea typeface="微软雅黑" panose="020B0503020204020204" pitchFamily="34" charset="-122"/>
+                <a:cs typeface="+mn-cs"/>
               </a:rPr>
               <a:t>(</a:t>
             </a:r>
             <a:r>
-              <a:rPr lang="zh-CN" altLang="en-US" sz="2400" b="1" dirty="0">
+              <a:rPr kumimoji="0" lang="zh-CN" altLang="en-US" sz="2400" b="1" i="0" u="none" strike="noStrike" kern="1200" cap="none" spc="0" normalizeH="0" baseline="0" noProof="0" dirty="0">
+                <a:ln>
+                  <a:noFill/>
+                </a:ln>
                 <a:solidFill>
                   <a:srgbClr val="FF0000"/>
                 </a:solidFill>
+                <a:effectLst/>
+                <a:uLnTx/>
+                <a:uFillTx/>
                 <a:latin typeface="微软雅黑" panose="020B0503020204020204" pitchFamily="34" charset="-122"/>
                 <a:ea typeface="微软雅黑" panose="020B0503020204020204" pitchFamily="34" charset="-122"/>
+                <a:cs typeface="+mn-cs"/>
               </a:rPr>
               <a:t>罗</a:t>
             </a:r>
             <a:r>
-              <a:rPr lang="en-US" altLang="zh-CN" sz="2400" b="1" dirty="0">
+              <a:rPr kumimoji="0" lang="en-US" altLang="zh-CN" sz="2400" b="1" i="0" u="none" strike="noStrike" kern="1200" cap="none" spc="0" normalizeH="0" baseline="0" noProof="0" dirty="0">
+                <a:ln>
+                  <a:noFill/>
+                </a:ln>
                 <a:solidFill>
                   <a:srgbClr val="FF0000"/>
                 </a:solidFill>
+                <a:effectLst/>
+                <a:uLnTx/>
+                <a:uFillTx/>
                 <a:latin typeface="微软雅黑" panose="020B0503020204020204" pitchFamily="34" charset="-122"/>
                 <a:ea typeface="微软雅黑" panose="020B0503020204020204" pitchFamily="34" charset="-122"/>
+                <a:cs typeface="+mn-cs"/>
               </a:rPr>
               <a:t>12:1–2</a:t>
             </a:r>
             <a:r>
-              <a:rPr lang="zh-CN" altLang="en-US" sz="2400" b="1" dirty="0">
+              <a:rPr kumimoji="0" lang="zh-CN" altLang="en-US" sz="2400" b="1" i="0" u="none" strike="noStrike" kern="1200" cap="none" spc="0" normalizeH="0" baseline="0" noProof="0" dirty="0">
+                <a:ln>
+                  <a:noFill/>
+                </a:ln>
                 <a:solidFill>
                   <a:srgbClr val="FF0000"/>
                 </a:solidFill>
+                <a:effectLst/>
+                <a:uLnTx/>
+                <a:uFillTx/>
                 <a:latin typeface="微软雅黑" panose="020B0503020204020204" pitchFamily="34" charset="-122"/>
                 <a:ea typeface="微软雅黑" panose="020B0503020204020204" pitchFamily="34" charset="-122"/>
+                <a:cs typeface="+mn-cs"/>
               </a:rPr>
               <a:t>）</a:t>
             </a:r>
-            <a:endParaRPr lang="en-US" altLang="zh-CN" sz="2800" b="1" dirty="0">
+            <a:endParaRPr kumimoji="0" lang="en-US" altLang="zh-CN" sz="2800" b="1" i="0" u="none" strike="noStrike" kern="1200" cap="none" spc="0" normalizeH="0" baseline="0" noProof="0" dirty="0">
+              <a:ln>
+                <a:noFill/>
+              </a:ln>
               <a:solidFill>
                 <a:srgbClr val="FF0000"/>
               </a:solidFill>
+              <a:effectLst/>
+              <a:uLnTx/>
+              <a:uFillTx/>
               <a:latin typeface="微软雅黑" panose="020B0503020204020204" pitchFamily="34" charset="-122"/>
               <a:ea typeface="微软雅黑" panose="020B0503020204020204" pitchFamily="34" charset="-122"/>
+              <a:cs typeface="+mn-cs"/>
             </a:endParaRPr>
           </a:p>
         </p:txBody>
@@ -6777,7 +8107,7 @@
     </p:spTree>
     <p:extLst>
       <p:ext uri="{BB962C8B-B14F-4D97-AF65-F5344CB8AC3E}">
-        <p14:creationId xmlns:p14="http://schemas.microsoft.com/office/powerpoint/2010/main" val="1598898925"/>
+        <p14:creationId xmlns:p14="http://schemas.microsoft.com/office/powerpoint/2010/main" val="653303753"/>
       </p:ext>
     </p:extLst>
   </p:cSld>
@@ -6790,9 +8120,9 @@
 </p:sldLayout>
 </file>
 
-<file path=ppt/slideLayouts/slideLayout23.xml><?xml version="1.0" encoding="utf-8"?>
+<file path=ppt/slideLayouts/slideLayout25.xml><?xml version="1.0" encoding="utf-8"?>
 <p:sldLayout xmlns:a="http://schemas.openxmlformats.org/drawingml/2006/main" xmlns:r="http://schemas.openxmlformats.org/officeDocument/2006/relationships" xmlns:p="http://schemas.openxmlformats.org/presentationml/2006/main" preserve="1" userDrawn="1">
-  <p:cSld name="固定模板-会毕祝福">
+  <p:cSld name="会毕祝福">
     <p:spTree>
       <p:nvGrpSpPr>
         <p:cNvPr id="1" name=""/>
@@ -6912,16 +8242,37 @@
             <a:bodyPr anchor="ctr"/>
             <a:lstStyle/>
             <a:p>
-              <a:pPr algn="ctr" fontAlgn="auto">
+              <a:pPr marL="0" marR="0" lvl="0" indent="0" algn="ctr" defTabSz="914400" rtl="0" eaLnBrk="1" fontAlgn="auto" latinLnBrk="0" hangingPunct="1">
+                <a:lnSpc>
+                  <a:spcPct val="100000"/>
+                </a:lnSpc>
                 <a:spcBef>
                   <a:spcPts val="0"/>
                 </a:spcBef>
                 <a:spcAft>
                   <a:spcPts val="0"/>
                 </a:spcAft>
+                <a:buClrTx/>
+                <a:buSzTx/>
+                <a:buFontTx/>
+                <a:buNone/>
+                <a:tabLst/>
                 <a:defRPr/>
               </a:pPr>
-              <a:endParaRPr lang="en-US" dirty="0"/>
+              <a:endParaRPr kumimoji="0" lang="en-US" sz="1800" b="0" i="0" u="none" strike="noStrike" kern="1200" cap="none" spc="0" normalizeH="0" baseline="0" noProof="0" dirty="0">
+                <a:ln>
+                  <a:noFill/>
+                </a:ln>
+                <a:solidFill>
+                  <a:prstClr val="white"/>
+                </a:solidFill>
+                <a:effectLst/>
+                <a:uLnTx/>
+                <a:uFillTx/>
+                <a:latin typeface="Calibri"/>
+                <a:ea typeface="+mn-ea"/>
+                <a:cs typeface="+mn-cs"/>
+              </a:endParaRPr>
             </a:p>
           </p:txBody>
         </p:sp>
@@ -7056,6 +8407,7 @@
               <a:buSzTx/>
               <a:buFontTx/>
               <a:buNone/>
+              <a:tabLst/>
               <a:defRPr/>
             </a:pPr>
             <a:r>
@@ -7124,33 +8476,73 @@
           <a:bodyPr lIns="45720" rIns="45720"/>
           <a:lstStyle/>
           <a:p>
-            <a:pPr algn="ctr">
+            <a:pPr marL="0" marR="0" lvl="0" indent="0" algn="ctr" defTabSz="914400" rtl="0" eaLnBrk="1" fontAlgn="base" latinLnBrk="0" hangingPunct="1">
               <a:lnSpc>
                 <a:spcPct val="150000"/>
               </a:lnSpc>
+              <a:spcBef>
+                <a:spcPct val="0"/>
+              </a:spcBef>
+              <a:spcAft>
+                <a:spcPct val="0"/>
+              </a:spcAft>
+              <a:buClrTx/>
+              <a:buSzTx/>
               <a:buFont typeface="Arial" panose="020B0604020202020204" pitchFamily="34" charset="0"/>
               <a:buNone/>
+              <a:tabLst/>
+              <a:defRPr/>
             </a:pPr>
             <a:r>
-              <a:rPr lang="en-US" altLang="zh-CN" sz="3600" b="1" dirty="0">
+              <a:rPr kumimoji="0" lang="en-US" altLang="zh-CN" sz="3600" b="1" i="0" u="none" strike="noStrike" kern="1200" cap="none" spc="0" normalizeH="0" baseline="0" noProof="0" dirty="0">
+                <a:ln>
+                  <a:noFill/>
+                </a:ln>
+                <a:solidFill>
+                  <a:prstClr val="black"/>
+                </a:solidFill>
+                <a:effectLst/>
+                <a:uLnTx/>
+                <a:uFillTx/>
                 <a:latin typeface="微软雅黑" panose="020B0503020204020204" pitchFamily="34" charset="-122"/>
                 <a:ea typeface="微软雅黑" panose="020B0503020204020204" pitchFamily="34" charset="-122"/>
+                <a:cs typeface="+mn-cs"/>
               </a:rPr>
               <a:t> </a:t>
             </a:r>
           </a:p>
           <a:p>
-            <a:pPr algn="ctr">
+            <a:pPr marL="0" marR="0" lvl="0" indent="0" algn="ctr" defTabSz="914400" rtl="0" eaLnBrk="1" fontAlgn="base" latinLnBrk="0" hangingPunct="1">
               <a:lnSpc>
                 <a:spcPct val="150000"/>
               </a:lnSpc>
+              <a:spcBef>
+                <a:spcPct val="0"/>
+              </a:spcBef>
+              <a:spcAft>
+                <a:spcPct val="0"/>
+              </a:spcAft>
+              <a:buClrTx/>
+              <a:buSzTx/>
               <a:buFont typeface="Arial" panose="020B0604020202020204" pitchFamily="34" charset="0"/>
               <a:buNone/>
+              <a:tabLst/>
+              <a:defRPr/>
             </a:pPr>
             <a:r>
-              <a:rPr lang="zh-CN" altLang="en-US" sz="4400" b="1" dirty="0">
+              <a:rPr kumimoji="0" lang="zh-CN" altLang="en-US" sz="4400" b="1" i="0" u="none" strike="noStrike" kern="1200" cap="none" spc="0" normalizeH="0" baseline="0" noProof="0" dirty="0">
+                <a:ln>
+                  <a:noFill/>
+                </a:ln>
+                <a:solidFill>
+                  <a:prstClr val="black"/>
+                </a:solidFill>
+                <a:effectLst/>
+                <a:uLnTx/>
+                <a:uFillTx/>
                 <a:latin typeface="微软雅黑" panose="020B0503020204020204" pitchFamily="34" charset="-122"/>
                 <a:ea typeface="微软雅黑" panose="020B0503020204020204" pitchFamily="34" charset="-122"/>
+                <a:cs typeface="+mn-cs"/>
               </a:rPr>
               <a:t>会毕祝福</a:t>
             </a:r>
@@ -7160,7 +8552,7 @@
     </p:spTree>
     <p:extLst>
       <p:ext uri="{BB962C8B-B14F-4D97-AF65-F5344CB8AC3E}">
-        <p14:creationId xmlns:p14="http://schemas.microsoft.com/office/powerpoint/2010/main" val="2391955617"/>
+        <p14:creationId xmlns:p14="http://schemas.microsoft.com/office/powerpoint/2010/main" val="112626259"/>
       </p:ext>
     </p:extLst>
   </p:cSld>
@@ -7173,9 +8565,9 @@
 </p:sldLayout>
 </file>
 
-<file path=ppt/slideLayouts/slideLayout24.xml><?xml version="1.0" encoding="utf-8"?>
+<file path=ppt/slideLayouts/slideLayout26.xml><?xml version="1.0" encoding="utf-8"?>
 <p:sldLayout xmlns:a="http://schemas.openxmlformats.org/drawingml/2006/main" xmlns:r="http://schemas.openxmlformats.org/officeDocument/2006/relationships" xmlns:p="http://schemas.openxmlformats.org/presentationml/2006/main" preserve="1" userDrawn="1">
-  <p:cSld name="固定模板-祝祷">
+  <p:cSld name="祝祷">
     <p:spTree>
       <p:nvGrpSpPr>
         <p:cNvPr id="1" name=""/>
@@ -7295,16 +8687,37 @@
             <a:bodyPr anchor="ctr"/>
             <a:lstStyle/>
             <a:p>
-              <a:pPr algn="ctr" fontAlgn="auto">
+              <a:pPr marL="0" marR="0" lvl="0" indent="0" algn="ctr" defTabSz="914400" rtl="0" eaLnBrk="1" fontAlgn="auto" latinLnBrk="0" hangingPunct="1">
+                <a:lnSpc>
+                  <a:spcPct val="100000"/>
+                </a:lnSpc>
                 <a:spcBef>
                   <a:spcPts val="0"/>
                 </a:spcBef>
                 <a:spcAft>
                   <a:spcPts val="0"/>
                 </a:spcAft>
+                <a:buClrTx/>
+                <a:buSzTx/>
+                <a:buFontTx/>
+                <a:buNone/>
+                <a:tabLst/>
                 <a:defRPr/>
               </a:pPr>
-              <a:endParaRPr lang="en-US" dirty="0"/>
+              <a:endParaRPr kumimoji="0" lang="en-US" sz="1800" b="0" i="0" u="none" strike="noStrike" kern="1200" cap="none" spc="0" normalizeH="0" baseline="0" noProof="0" dirty="0">
+                <a:ln>
+                  <a:noFill/>
+                </a:ln>
+                <a:solidFill>
+                  <a:prstClr val="white"/>
+                </a:solidFill>
+                <a:effectLst/>
+                <a:uLnTx/>
+                <a:uFillTx/>
+                <a:latin typeface="Calibri"/>
+                <a:ea typeface="+mn-ea"/>
+                <a:cs typeface="+mn-cs"/>
+              </a:endParaRPr>
             </a:p>
           </p:txBody>
         </p:sp>
@@ -7439,6 +8852,7 @@
               <a:buSzTx/>
               <a:buFontTx/>
               <a:buNone/>
+              <a:tabLst/>
               <a:defRPr/>
             </a:pPr>
             <a:r>
@@ -7503,6 +8917,23 @@
           </a:bodyPr>
           <a:lstStyle/>
           <a:p>
+            <a:pPr marL="0" marR="0" lvl="0" indent="0" algn="l" defTabSz="914400" rtl="0" eaLnBrk="1" fontAlgn="base" latinLnBrk="0" hangingPunct="1">
+              <a:lnSpc>
+                <a:spcPct val="100000"/>
+              </a:lnSpc>
+              <a:spcBef>
+                <a:spcPct val="0"/>
+              </a:spcBef>
+              <a:spcAft>
+                <a:spcPct val="0"/>
+              </a:spcAft>
+              <a:buClrTx/>
+              <a:buSzTx/>
+              <a:buFontTx/>
+              <a:buNone/>
+              <a:tabLst/>
+              <a:defRPr/>
+            </a:pPr>
             <a:r>
               <a:rPr kumimoji="0" lang="en-US" altLang="zh-CN" sz="4000" b="1" i="0" u="none" strike="noStrike" kern="1200" cap="none" spc="0" normalizeH="0" baseline="0" noProof="0" dirty="0">
                 <a:ln>
@@ -7605,7 +9036,20 @@
               </a:rPr>
               <a:t>28:19–20】</a:t>
             </a:r>
-            <a:endParaRPr lang="zh-CN" altLang="en-US" dirty="0"/>
+            <a:endParaRPr kumimoji="0" lang="zh-CN" altLang="en-US" sz="1800" b="0" i="0" u="none" strike="noStrike" kern="1200" cap="none" spc="0" normalizeH="0" baseline="0" noProof="0" dirty="0">
+              <a:ln>
+                <a:noFill/>
+              </a:ln>
+              <a:solidFill>
+                <a:prstClr val="black"/>
+              </a:solidFill>
+              <a:effectLst/>
+              <a:uLnTx/>
+              <a:uFillTx/>
+              <a:latin typeface="Arial" panose="020B0604020202090204" pitchFamily="34" charset="0"/>
+              <a:ea typeface="宋体" panose="02010600030101010101" pitchFamily="2" charset="-122"/>
+              <a:cs typeface="+mn-cs"/>
+            </a:endParaRPr>
           </a:p>
         </p:txBody>
       </p:sp>
@@ -7641,39 +9085,103 @@
           <a:bodyPr lIns="45720" rIns="45720"/>
           <a:lstStyle/>
           <a:p>
-            <a:pPr>
+            <a:pPr marL="0" marR="0" lvl="0" indent="0" algn="l" defTabSz="914400" rtl="0" eaLnBrk="1" fontAlgn="base" latinLnBrk="0" hangingPunct="1">
               <a:lnSpc>
                 <a:spcPct val="150000"/>
               </a:lnSpc>
+              <a:spcBef>
+                <a:spcPct val="0"/>
+              </a:spcBef>
+              <a:spcAft>
+                <a:spcPct val="0"/>
+              </a:spcAft>
+              <a:buClrTx/>
+              <a:buSzTx/>
+              <a:buFontTx/>
+              <a:buNone/>
+              <a:tabLst/>
+              <a:defRPr/>
             </a:pPr>
             <a:r>
-              <a:rPr lang="zh-CN" altLang="en-US" sz="2800" b="1" dirty="0">
+              <a:rPr kumimoji="0" lang="zh-CN" altLang="en-US" sz="2800" b="1" i="0" u="none" strike="noStrike" kern="1200" cap="none" spc="0" normalizeH="0" baseline="0" noProof="0" dirty="0">
+                <a:ln>
+                  <a:noFill/>
+                </a:ln>
+                <a:solidFill>
+                  <a:prstClr val="black"/>
+                </a:solidFill>
+                <a:effectLst/>
+                <a:uLnTx/>
+                <a:uFillTx/>
                 <a:latin typeface="微软雅黑" panose="020B0503020204020204" pitchFamily="34" charset="-122"/>
                 <a:ea typeface="微软雅黑" panose="020B0503020204020204" pitchFamily="34" charset="-122"/>
+                <a:cs typeface="+mn-cs"/>
               </a:rPr>
               <a:t>　　愿耶和华赐福给你，保护你。愿耶和华使他的脸光照你，赐恩给你。愿耶和华向你仰脸，赐你平安。</a:t>
             </a:r>
-            <a:endParaRPr lang="en-US" altLang="zh-CN" sz="2800" b="1" dirty="0">
+            <a:endParaRPr kumimoji="0" lang="en-US" altLang="zh-CN" sz="2800" b="1" i="0" u="none" strike="noStrike" kern="1200" cap="none" spc="0" normalizeH="0" baseline="0" noProof="0" dirty="0">
+              <a:ln>
+                <a:noFill/>
+              </a:ln>
+              <a:solidFill>
+                <a:prstClr val="black"/>
+              </a:solidFill>
+              <a:effectLst/>
+              <a:uLnTx/>
+              <a:uFillTx/>
               <a:latin typeface="微软雅黑" panose="020B0503020204020204" pitchFamily="34" charset="-122"/>
               <a:ea typeface="微软雅黑" panose="020B0503020204020204" pitchFamily="34" charset="-122"/>
+              <a:cs typeface="+mn-cs"/>
             </a:endParaRPr>
           </a:p>
           <a:p>
-            <a:pPr>
+            <a:pPr marL="0" marR="0" lvl="0" indent="0" algn="l" defTabSz="914400" rtl="0" eaLnBrk="1" fontAlgn="base" latinLnBrk="0" hangingPunct="1">
               <a:lnSpc>
                 <a:spcPct val="150000"/>
               </a:lnSpc>
+              <a:spcBef>
+                <a:spcPct val="0"/>
+              </a:spcBef>
+              <a:spcAft>
+                <a:spcPct val="0"/>
+              </a:spcAft>
+              <a:buClrTx/>
+              <a:buSzTx/>
+              <a:buFontTx/>
+              <a:buNone/>
+              <a:tabLst/>
+              <a:defRPr/>
             </a:pPr>
             <a:r>
-              <a:rPr lang="zh-CN" altLang="en-US" sz="2800" b="1" dirty="0">
+              <a:rPr kumimoji="0" lang="zh-CN" altLang="en-US" sz="2800" b="1" i="0" u="none" strike="noStrike" kern="1200" cap="none" spc="0" normalizeH="0" baseline="0" noProof="0" dirty="0">
+                <a:ln>
+                  <a:noFill/>
+                </a:ln>
+                <a:solidFill>
+                  <a:prstClr val="black"/>
+                </a:solidFill>
+                <a:effectLst/>
+                <a:uLnTx/>
+                <a:uFillTx/>
                 <a:latin typeface="微软雅黑" panose="020B0503020204020204" pitchFamily="34" charset="-122"/>
                 <a:ea typeface="微软雅黑" panose="020B0503020204020204" pitchFamily="34" charset="-122"/>
+                <a:cs typeface="+mn-cs"/>
               </a:rPr>
               <a:t>　　所以，你们要去，使万民作我的门徒，奉父、子、圣灵的名给他们施洗。凡我所吩咐你们的，都教训他们遵守，我就常与你们同在，直到世界的末了。（阿们！）</a:t>
             </a:r>
-            <a:endParaRPr sz="2800" b="1" dirty="0">
+            <a:endParaRPr kumimoji="0" sz="2800" b="1" i="0" u="none" strike="noStrike" kern="1200" cap="none" spc="0" normalizeH="0" baseline="0" noProof="0" dirty="0">
+              <a:ln>
+                <a:noFill/>
+              </a:ln>
+              <a:solidFill>
+                <a:prstClr val="black"/>
+              </a:solidFill>
+              <a:effectLst/>
+              <a:uLnTx/>
+              <a:uFillTx/>
               <a:latin typeface="微软雅黑" panose="020B0503020204020204" pitchFamily="34" charset="-122"/>
               <a:ea typeface="微软雅黑" panose="020B0503020204020204" pitchFamily="34" charset="-122"/>
+              <a:cs typeface="+mn-cs"/>
             </a:endParaRPr>
           </a:p>
         </p:txBody>
@@ -7681,7 +9189,7 @@
     </p:spTree>
     <p:extLst>
       <p:ext uri="{BB962C8B-B14F-4D97-AF65-F5344CB8AC3E}">
-        <p14:creationId xmlns:p14="http://schemas.microsoft.com/office/powerpoint/2010/main" val="3361556580"/>
+        <p14:creationId xmlns:p14="http://schemas.microsoft.com/office/powerpoint/2010/main" val="351587966"/>
       </p:ext>
     </p:extLst>
   </p:cSld>
@@ -7694,9 +9202,9 @@
 </p:sldLayout>
 </file>
 
-<file path=ppt/slideLayouts/slideLayout25.xml><?xml version="1.0" encoding="utf-8"?>
+<file path=ppt/slideLayouts/slideLayout27.xml><?xml version="1.0" encoding="utf-8"?>
 <p:sldLayout xmlns:a="http://schemas.openxmlformats.org/drawingml/2006/main" xmlns:r="http://schemas.openxmlformats.org/officeDocument/2006/relationships" xmlns:p="http://schemas.openxmlformats.org/presentationml/2006/main" preserve="1" userDrawn="1">
-  <p:cSld name="固定模板-阿们二叠颂">
+  <p:cSld name="阿们二叠颂">
     <p:spTree>
       <p:nvGrpSpPr>
         <p:cNvPr id="1" name=""/>
@@ -7816,16 +9324,37 @@
             <a:bodyPr anchor="ctr"/>
             <a:lstStyle/>
             <a:p>
-              <a:pPr algn="ctr" fontAlgn="auto">
+              <a:pPr marL="0" marR="0" lvl="0" indent="0" algn="ctr" defTabSz="914400" rtl="0" eaLnBrk="1" fontAlgn="auto" latinLnBrk="0" hangingPunct="1">
+                <a:lnSpc>
+                  <a:spcPct val="100000"/>
+                </a:lnSpc>
                 <a:spcBef>
                   <a:spcPts val="0"/>
                 </a:spcBef>
                 <a:spcAft>
                   <a:spcPts val="0"/>
                 </a:spcAft>
+                <a:buClrTx/>
+                <a:buSzTx/>
+                <a:buFontTx/>
+                <a:buNone/>
+                <a:tabLst/>
                 <a:defRPr/>
               </a:pPr>
-              <a:endParaRPr lang="en-US" dirty="0"/>
+              <a:endParaRPr kumimoji="0" lang="en-US" sz="1800" b="0" i="0" u="none" strike="noStrike" kern="1200" cap="none" spc="0" normalizeH="0" baseline="0" noProof="0" dirty="0">
+                <a:ln>
+                  <a:noFill/>
+                </a:ln>
+                <a:solidFill>
+                  <a:prstClr val="white"/>
+                </a:solidFill>
+                <a:effectLst/>
+                <a:uLnTx/>
+                <a:uFillTx/>
+                <a:latin typeface="Calibri"/>
+                <a:ea typeface="+mn-ea"/>
+                <a:cs typeface="+mn-cs"/>
+              </a:endParaRPr>
             </a:p>
           </p:txBody>
         </p:sp>
@@ -7996,6 +9525,7 @@
               <a:buSzTx/>
               <a:buFontTx/>
               <a:buNone/>
+              <a:tabLst/>
               <a:defRPr/>
             </a:pPr>
             <a:r>
@@ -8035,7 +9565,7 @@
     </p:spTree>
     <p:extLst>
       <p:ext uri="{BB962C8B-B14F-4D97-AF65-F5344CB8AC3E}">
-        <p14:creationId xmlns:p14="http://schemas.microsoft.com/office/powerpoint/2010/main" val="1114005103"/>
+        <p14:creationId xmlns:p14="http://schemas.microsoft.com/office/powerpoint/2010/main" val="2415591006"/>
       </p:ext>
     </p:extLst>
   </p:cSld>
@@ -8048,9 +9578,9 @@
 </p:sldLayout>
 </file>
 
-<file path=ppt/slideLayouts/slideLayout26.xml><?xml version="1.0" encoding="utf-8"?>
+<file path=ppt/slideLayouts/slideLayout28.xml><?xml version="1.0" encoding="utf-8"?>
 <p:sldLayout xmlns:a="http://schemas.openxmlformats.org/drawingml/2006/main" xmlns:r="http://schemas.openxmlformats.org/officeDocument/2006/relationships" xmlns:p="http://schemas.openxmlformats.org/presentationml/2006/main" preserve="1" userDrawn="1">
-  <p:cSld name="固定模板-主祷文">
+  <p:cSld name="主祷文">
     <p:spTree>
       <p:nvGrpSpPr>
         <p:cNvPr id="1" name=""/>
@@ -8170,16 +9700,37 @@
             <a:bodyPr anchor="ctr"/>
             <a:lstStyle/>
             <a:p>
-              <a:pPr algn="ctr" fontAlgn="auto">
+              <a:pPr marL="0" marR="0" lvl="0" indent="0" algn="ctr" defTabSz="914400" rtl="0" eaLnBrk="1" fontAlgn="auto" latinLnBrk="0" hangingPunct="1">
+                <a:lnSpc>
+                  <a:spcPct val="100000"/>
+                </a:lnSpc>
                 <a:spcBef>
                   <a:spcPts val="0"/>
                 </a:spcBef>
                 <a:spcAft>
                   <a:spcPts val="0"/>
                 </a:spcAft>
+                <a:buClrTx/>
+                <a:buSzTx/>
+                <a:buFontTx/>
+                <a:buNone/>
+                <a:tabLst/>
                 <a:defRPr/>
               </a:pPr>
-              <a:endParaRPr lang="en-US" dirty="0"/>
+              <a:endParaRPr kumimoji="0" lang="en-US" sz="1800" b="0" i="0" u="none" strike="noStrike" kern="1200" cap="none" spc="0" normalizeH="0" baseline="0" noProof="0" dirty="0">
+                <a:ln>
+                  <a:noFill/>
+                </a:ln>
+                <a:solidFill>
+                  <a:prstClr val="white"/>
+                </a:solidFill>
+                <a:effectLst/>
+                <a:uLnTx/>
+                <a:uFillTx/>
+                <a:latin typeface="Calibri"/>
+                <a:ea typeface="+mn-ea"/>
+                <a:cs typeface="+mn-cs"/>
+              </a:endParaRPr>
             </a:p>
           </p:txBody>
         </p:sp>
@@ -8849,16 +10400,37 @@
             <a:bodyPr anchor="ctr"/>
             <a:lstStyle/>
             <a:p>
-              <a:pPr algn="ctr" fontAlgn="auto">
+              <a:pPr marL="0" marR="0" lvl="0" indent="0" algn="ctr" defTabSz="914400" rtl="0" eaLnBrk="1" fontAlgn="auto" latinLnBrk="0" hangingPunct="1">
+                <a:lnSpc>
+                  <a:spcPct val="100000"/>
+                </a:lnSpc>
                 <a:spcBef>
                   <a:spcPts val="0"/>
                 </a:spcBef>
                 <a:spcAft>
                   <a:spcPts val="0"/>
                 </a:spcAft>
+                <a:buClrTx/>
+                <a:buSzTx/>
+                <a:buFontTx/>
+                <a:buNone/>
+                <a:tabLst/>
                 <a:defRPr/>
               </a:pPr>
-              <a:endParaRPr lang="en-US" dirty="0"/>
+              <a:endParaRPr kumimoji="0" lang="en-US" sz="1800" b="0" i="0" u="none" strike="noStrike" kern="1200" cap="none" spc="0" normalizeH="0" baseline="0" noProof="0" dirty="0">
+                <a:ln>
+                  <a:noFill/>
+                </a:ln>
+                <a:solidFill>
+                  <a:prstClr val="white"/>
+                </a:solidFill>
+                <a:effectLst/>
+                <a:uLnTx/>
+                <a:uFillTx/>
+                <a:latin typeface="Calibri"/>
+                <a:ea typeface="+mn-ea"/>
+                <a:cs typeface="+mn-cs"/>
+              </a:endParaRPr>
             </a:p>
           </p:txBody>
         </p:sp>
@@ -8948,7 +10520,7 @@
     </p:spTree>
     <p:extLst>
       <p:ext uri="{BB962C8B-B14F-4D97-AF65-F5344CB8AC3E}">
-        <p14:creationId xmlns:p14="http://schemas.microsoft.com/office/powerpoint/2010/main" val="3118728145"/>
+        <p14:creationId xmlns:p14="http://schemas.microsoft.com/office/powerpoint/2010/main" val="1509580372"/>
       </p:ext>
     </p:extLst>
   </p:cSld>
@@ -8961,9 +10533,9 @@
 </p:sldLayout>
 </file>
 
-<file path=ppt/slideLayouts/slideLayout27.xml><?xml version="1.0" encoding="utf-8"?>
+<file path=ppt/slideLayouts/slideLayout29.xml><?xml version="1.0" encoding="utf-8"?>
 <p:sldLayout xmlns:a="http://schemas.openxmlformats.org/drawingml/2006/main" xmlns:r="http://schemas.openxmlformats.org/officeDocument/2006/relationships" xmlns:p="http://schemas.openxmlformats.org/presentationml/2006/main" preserve="1" userDrawn="1">
-  <p:cSld name="固定模板-新朋友">
+  <p:cSld name="新朋友">
     <p:spTree>
       <p:nvGrpSpPr>
         <p:cNvPr id="1" name=""/>
@@ -9083,16 +10655,37 @@
             <a:bodyPr anchor="ctr"/>
             <a:lstStyle/>
             <a:p>
-              <a:pPr algn="ctr" fontAlgn="auto">
+              <a:pPr marL="0" marR="0" lvl="0" indent="0" algn="ctr" defTabSz="914400" rtl="0" eaLnBrk="1" fontAlgn="auto" latinLnBrk="0" hangingPunct="1">
+                <a:lnSpc>
+                  <a:spcPct val="100000"/>
+                </a:lnSpc>
                 <a:spcBef>
                   <a:spcPts val="0"/>
                 </a:spcBef>
                 <a:spcAft>
                   <a:spcPts val="0"/>
                 </a:spcAft>
+                <a:buClrTx/>
+                <a:buSzTx/>
+                <a:buFontTx/>
+                <a:buNone/>
+                <a:tabLst/>
                 <a:defRPr/>
               </a:pPr>
-              <a:endParaRPr lang="en-US" dirty="0"/>
+              <a:endParaRPr kumimoji="0" lang="en-US" sz="1800" b="0" i="0" u="none" strike="noStrike" kern="1200" cap="none" spc="0" normalizeH="0" baseline="0" noProof="0" dirty="0">
+                <a:ln>
+                  <a:noFill/>
+                </a:ln>
+                <a:solidFill>
+                  <a:prstClr val="white"/>
+                </a:solidFill>
+                <a:effectLst/>
+                <a:uLnTx/>
+                <a:uFillTx/>
+                <a:latin typeface="Calibri"/>
+                <a:ea typeface="+mn-ea"/>
+                <a:cs typeface="+mn-cs"/>
+              </a:endParaRPr>
             </a:p>
           </p:txBody>
         </p:sp>
@@ -9213,16 +10806,53 @@
           </a:bodyPr>
           <a:lstStyle/>
           <a:p>
+            <a:pPr marL="0" marR="0" lvl="0" indent="0" algn="l" defTabSz="914400" rtl="0" eaLnBrk="1" fontAlgn="base" latinLnBrk="0" hangingPunct="1">
+              <a:lnSpc>
+                <a:spcPct val="100000"/>
+              </a:lnSpc>
+              <a:spcBef>
+                <a:spcPct val="0"/>
+              </a:spcBef>
+              <a:spcAft>
+                <a:spcPct val="0"/>
+              </a:spcAft>
+              <a:buClrTx/>
+              <a:buSzTx/>
+              <a:buFontTx/>
+              <a:buNone/>
+              <a:tabLst/>
+              <a:defRPr/>
+            </a:pPr>
             <a:r>
-              <a:rPr kumimoji="1" lang="zh-CN" altLang="en-US" sz="4000" b="1" dirty="0">
+              <a:rPr kumimoji="1" lang="zh-CN" altLang="en-US" sz="4000" b="1" i="0" u="none" strike="noStrike" kern="1200" cap="none" spc="0" normalizeH="0" baseline="0" noProof="0" dirty="0">
+                <a:ln>
+                  <a:noFill/>
+                </a:ln>
+                <a:solidFill>
+                  <a:prstClr val="black"/>
+                </a:solidFill>
+                <a:effectLst/>
+                <a:uLnTx/>
+                <a:uFillTx/>
                 <a:latin typeface="微软雅黑" panose="020B0503020204020204" pitchFamily="34" charset="-122"/>
                 <a:ea typeface="微软雅黑" panose="020B0503020204020204" pitchFamily="34" charset="-122"/>
+                <a:cs typeface="+mn-cs"/>
               </a:rPr>
               <a:t>团契相交敬拜神</a:t>
             </a:r>
-            <a:endParaRPr kumimoji="1" lang="ja-JP" altLang="en-US" sz="4000" b="1" dirty="0">
+            <a:endParaRPr kumimoji="1" lang="ja-JP" altLang="en-US" sz="4000" b="1" i="0" u="none" strike="noStrike" kern="1200" cap="none" spc="0" normalizeH="0" baseline="0" noProof="0" dirty="0">
+              <a:ln>
+                <a:noFill/>
+              </a:ln>
+              <a:solidFill>
+                <a:prstClr val="black"/>
+              </a:solidFill>
+              <a:effectLst/>
+              <a:uLnTx/>
+              <a:uFillTx/>
               <a:latin typeface="微软雅黑" panose="020B0503020204020204" pitchFamily="34" charset="-122"/>
               <a:ea typeface="微软雅黑" panose="020B0503020204020204" pitchFamily="34" charset="-122"/>
+              <a:cs typeface="+mn-cs"/>
             </a:endParaRPr>
           </a:p>
         </p:txBody>
@@ -9259,60 +10889,142 @@
           <a:bodyPr lIns="45720" rIns="45720"/>
           <a:lstStyle/>
           <a:p>
-            <a:pPr algn="ctr">
+            <a:pPr marL="0" marR="0" lvl="0" indent="0" algn="ctr" defTabSz="914400" rtl="0" eaLnBrk="1" fontAlgn="base" latinLnBrk="0" hangingPunct="1">
               <a:lnSpc>
                 <a:spcPct val="150000"/>
               </a:lnSpc>
+              <a:spcBef>
+                <a:spcPct val="0"/>
+              </a:spcBef>
+              <a:spcAft>
+                <a:spcPct val="0"/>
+              </a:spcAft>
+              <a:buClrTx/>
+              <a:buSzTx/>
               <a:buFont typeface="Arial" panose="020B0604020202090204" pitchFamily="34" charset="0"/>
               <a:buNone/>
+              <a:tabLst/>
+              <a:defRPr/>
             </a:pPr>
             <a:r>
-              <a:rPr lang="zh-CN" altLang="en-US" sz="3600" b="1" dirty="0">
+              <a:rPr kumimoji="0" lang="zh-CN" altLang="en-US" sz="3600" b="1" i="0" u="none" strike="noStrike" kern="1200" cap="none" spc="0" normalizeH="0" baseline="0" noProof="0" dirty="0">
+                <a:ln>
+                  <a:noFill/>
+                </a:ln>
+                <a:solidFill>
+                  <a:prstClr val="black"/>
+                </a:solidFill>
+                <a:effectLst/>
+                <a:uLnTx/>
+                <a:uFillTx/>
                 <a:latin typeface="微软雅黑" panose="020B0503020204020204" pitchFamily="34" charset="-122"/>
                 <a:ea typeface="微软雅黑" panose="020B0503020204020204" pitchFamily="34" charset="-122"/>
+                <a:cs typeface="+mn-cs"/>
               </a:rPr>
               <a:t>家事分享</a:t>
             </a:r>
           </a:p>
           <a:p>
-            <a:pPr>
+            <a:pPr marL="0" marR="0" lvl="0" indent="0" algn="l" defTabSz="914400" rtl="0" eaLnBrk="1" fontAlgn="base" latinLnBrk="0" hangingPunct="1">
               <a:lnSpc>
                 <a:spcPct val="150000"/>
               </a:lnSpc>
+              <a:spcBef>
+                <a:spcPct val="0"/>
+              </a:spcBef>
+              <a:spcAft>
+                <a:spcPct val="0"/>
+              </a:spcAft>
+              <a:buClrTx/>
+              <a:buSzTx/>
               <a:buFont typeface="Arial" panose="020B0604020202090204" pitchFamily="34" charset="0"/>
               <a:buAutoNum type="arabicPeriod"/>
+              <a:tabLst/>
+              <a:defRPr/>
             </a:pPr>
             <a:r>
-              <a:rPr lang="zh-CN" altLang="en-US" sz="2800" b="1" dirty="0">
+              <a:rPr kumimoji="0" lang="zh-CN" altLang="en-US" sz="2800" b="1" i="0" u="none" strike="noStrike" kern="1200" cap="none" spc="0" normalizeH="0" baseline="0" noProof="0" dirty="0">
+                <a:ln>
+                  <a:noFill/>
+                </a:ln>
+                <a:solidFill>
+                  <a:prstClr val="black"/>
+                </a:solidFill>
+                <a:effectLst/>
+                <a:uLnTx/>
+                <a:uFillTx/>
                 <a:latin typeface="微软雅黑" panose="020B0503020204020204" pitchFamily="34" charset="-122"/>
                 <a:ea typeface="微软雅黑" panose="020B0503020204020204" pitchFamily="34" charset="-122"/>
+                <a:cs typeface="+mn-cs"/>
               </a:rPr>
               <a:t>欢迎新朋友</a:t>
             </a:r>
           </a:p>
           <a:p>
-            <a:pPr>
+            <a:pPr marL="0" marR="0" lvl="0" indent="0" algn="l" defTabSz="914400" rtl="0" eaLnBrk="1" fontAlgn="base" latinLnBrk="0" hangingPunct="1">
               <a:lnSpc>
                 <a:spcPct val="150000"/>
               </a:lnSpc>
+              <a:spcBef>
+                <a:spcPct val="0"/>
+              </a:spcBef>
+              <a:spcAft>
+                <a:spcPct val="0"/>
+              </a:spcAft>
+              <a:buClrTx/>
+              <a:buSzTx/>
+              <a:buFontTx/>
+              <a:buNone/>
+              <a:tabLst/>
+              <a:defRPr/>
             </a:pPr>
             <a:r>
-              <a:rPr lang="zh-CN" altLang="en-US" sz="2800" dirty="0">
+              <a:rPr kumimoji="0" lang="zh-CN" altLang="en-US" sz="2800" b="0" i="0" u="none" strike="noStrike" kern="1200" cap="none" spc="0" normalizeH="0" baseline="0" noProof="0" dirty="0">
+                <a:ln>
+                  <a:noFill/>
+                </a:ln>
+                <a:solidFill>
+                  <a:prstClr val="black"/>
+                </a:solidFill>
+                <a:effectLst/>
+                <a:uLnTx/>
+                <a:uFillTx/>
                 <a:latin typeface="微软雅黑" panose="020B0503020204020204" pitchFamily="34" charset="-122"/>
                 <a:ea typeface="微软雅黑" panose="020B0503020204020204" pitchFamily="34" charset="-122"/>
+                <a:cs typeface="+mn-cs"/>
               </a:rPr>
               <a:t>　　</a:t>
             </a:r>
             <a:r>
-              <a:rPr lang="zh-CN" altLang="en-US" sz="3200" b="1" dirty="0">
+              <a:rPr kumimoji="0" lang="zh-CN" altLang="en-US" sz="3200" b="1" i="0" u="none" strike="noStrike" kern="1200" cap="none" spc="0" normalizeH="0" baseline="0" noProof="0" dirty="0">
+                <a:ln>
+                  <a:noFill/>
+                </a:ln>
+                <a:solidFill>
+                  <a:prstClr val="black"/>
+                </a:solidFill>
+                <a:effectLst/>
+                <a:uLnTx/>
+                <a:uFillTx/>
                 <a:latin typeface="微软雅黑" panose="020B0503020204020204" pitchFamily="34" charset="-122"/>
                 <a:ea typeface="微软雅黑" panose="020B0503020204020204" pitchFamily="34" charset="-122"/>
+                <a:cs typeface="+mn-cs"/>
               </a:rPr>
               <a:t>请简单介绍您的姓名、谁介绍的、是否已信主、现居住在哪？</a:t>
             </a:r>
-            <a:endParaRPr lang="en-US" altLang="zh-CN" sz="3200" b="1" dirty="0">
+            <a:endParaRPr kumimoji="0" lang="en-US" altLang="zh-CN" sz="3200" b="1" i="0" u="none" strike="noStrike" kern="1200" cap="none" spc="0" normalizeH="0" baseline="0" noProof="0" dirty="0">
+              <a:ln>
+                <a:noFill/>
+              </a:ln>
+              <a:solidFill>
+                <a:prstClr val="black"/>
+              </a:solidFill>
+              <a:effectLst/>
+              <a:uLnTx/>
+              <a:uFillTx/>
               <a:latin typeface="微软雅黑" panose="020B0503020204020204" pitchFamily="34" charset="-122"/>
               <a:ea typeface="微软雅黑" panose="020B0503020204020204" pitchFamily="34" charset="-122"/>
+              <a:cs typeface="+mn-cs"/>
             </a:endParaRPr>
           </a:p>
         </p:txBody>
@@ -9320,7 +11032,7 @@
     </p:spTree>
     <p:extLst>
       <p:ext uri="{BB962C8B-B14F-4D97-AF65-F5344CB8AC3E}">
-        <p14:creationId xmlns:p14="http://schemas.microsoft.com/office/powerpoint/2010/main" val="1012244584"/>
+        <p14:creationId xmlns:p14="http://schemas.microsoft.com/office/powerpoint/2010/main" val="4038239118"/>
       </p:ext>
     </p:extLst>
   </p:cSld>
@@ -9333,7 +11045,583 @@
 </p:sldLayout>
 </file>
 
-<file path=ppt/slideLayouts/slideLayout28.xml><?xml version="1.0" encoding="utf-8"?>
+<file path=ppt/slideLayouts/slideLayout3.xml><?xml version="1.0" encoding="utf-8"?>
+<p:sldLayout xmlns:a="http://schemas.openxmlformats.org/drawingml/2006/main" xmlns:r="http://schemas.openxmlformats.org/officeDocument/2006/relationships" xmlns:p="http://schemas.openxmlformats.org/presentationml/2006/main" preserve="1" userDrawn="1">
+  <p:cSld name="封面">
+    <p:spTree>
+      <p:nvGrpSpPr>
+        <p:cNvPr id="1" name=""/>
+        <p:cNvGrpSpPr/>
+        <p:nvPr/>
+      </p:nvGrpSpPr>
+      <p:grpSpPr>
+        <a:xfrm>
+          <a:off x="0" y="0"/>
+          <a:ext cx="0" cy="0"/>
+          <a:chOff x="0" y="0"/>
+          <a:chExt cx="0" cy="0"/>
+        </a:xfrm>
+      </p:grpSpPr>
+      <p:pic>
+        <p:nvPicPr>
+          <p:cNvPr id="2" name="Picture 4" descr="http://pic.shenshi777.com/uploads/allimg/150707/1-150FH10Z1.jpg"/>
+          <p:cNvPicPr>
+            <a:picLocks noChangeAspect="1" noChangeArrowheads="1"/>
+          </p:cNvPicPr>
+          <p:nvPr userDrawn="1"/>
+        </p:nvPicPr>
+        <p:blipFill>
+          <a:blip r:embed="rId2" cstate="print"/>
+          <a:srcRect l="54259" r="17752" b="781"/>
+          <a:stretch>
+            <a:fillRect/>
+          </a:stretch>
+        </p:blipFill>
+        <p:spPr bwMode="auto">
+          <a:xfrm>
+            <a:off x="8753475" y="0"/>
+            <a:ext cx="3438525" cy="6858000"/>
+          </a:xfrm>
+          <a:prstGeom prst="rect">
+            <a:avLst/>
+          </a:prstGeom>
+          <a:noFill/>
+          <a:ln w="9525">
+            <a:noFill/>
+            <a:miter lim="800000"/>
+            <a:headEnd/>
+            <a:tailEnd/>
+          </a:ln>
+        </p:spPr>
+      </p:pic>
+      <p:grpSp>
+        <p:nvGrpSpPr>
+          <p:cNvPr id="3" name="组合 25"/>
+          <p:cNvGrpSpPr/>
+          <p:nvPr userDrawn="1"/>
+        </p:nvGrpSpPr>
+        <p:grpSpPr bwMode="auto">
+          <a:xfrm>
+            <a:off x="0" y="2892425"/>
+            <a:ext cx="152400" cy="400050"/>
+            <a:chOff x="0" y="2891636"/>
+            <a:chExt cx="152400" cy="400050"/>
+          </a:xfrm>
+        </p:grpSpPr>
+        <p:sp>
+          <p:nvSpPr>
+            <p:cNvPr id="4" name="Rectangle 7"/>
+            <p:cNvSpPr/>
+            <p:nvPr/>
+          </p:nvSpPr>
+          <p:spPr>
+            <a:xfrm>
+              <a:off x="0" y="2891636"/>
+              <a:ext cx="152400" cy="400050"/>
+            </a:xfrm>
+            <a:prstGeom prst="rect">
+              <a:avLst/>
+            </a:prstGeom>
+            <a:solidFill>
+              <a:srgbClr val="C00000"/>
+            </a:solidFill>
+            <a:ln>
+              <a:noFill/>
+            </a:ln>
+          </p:spPr>
+          <p:style>
+            <a:lnRef idx="2">
+              <a:schemeClr val="accent1">
+                <a:shade val="50000"/>
+              </a:schemeClr>
+            </a:lnRef>
+            <a:fillRef idx="1">
+              <a:schemeClr val="accent1"/>
+            </a:fillRef>
+            <a:effectRef idx="0">
+              <a:schemeClr val="accent1"/>
+            </a:effectRef>
+            <a:fontRef idx="minor">
+              <a:schemeClr val="lt1"/>
+            </a:fontRef>
+          </p:style>
+          <p:txBody>
+            <a:bodyPr anchor="ctr"/>
+            <a:lstStyle/>
+            <a:p>
+              <a:pPr marL="0" marR="0" lvl="0" indent="0" algn="ctr" defTabSz="914400" rtl="0" eaLnBrk="1" fontAlgn="auto" latinLnBrk="0" hangingPunct="1">
+                <a:lnSpc>
+                  <a:spcPct val="100000"/>
+                </a:lnSpc>
+                <a:spcBef>
+                  <a:spcPts val="0"/>
+                </a:spcBef>
+                <a:spcAft>
+                  <a:spcPts val="0"/>
+                </a:spcAft>
+                <a:buClrTx/>
+                <a:buSzTx/>
+                <a:buFontTx/>
+                <a:buNone/>
+                <a:tabLst/>
+                <a:defRPr/>
+              </a:pPr>
+              <a:endParaRPr kumimoji="0" lang="en-US" sz="1800" b="0" i="0" u="none" strike="noStrike" kern="1200" cap="none" spc="0" normalizeH="0" baseline="0" noProof="0" dirty="0">
+                <a:ln>
+                  <a:noFill/>
+                </a:ln>
+                <a:solidFill>
+                  <a:prstClr val="white"/>
+                </a:solidFill>
+                <a:effectLst/>
+                <a:uLnTx/>
+                <a:uFillTx/>
+                <a:latin typeface="Calibri"/>
+                <a:ea typeface="+mn-ea"/>
+                <a:cs typeface="+mn-cs"/>
+              </a:endParaRPr>
+            </a:p>
+          </p:txBody>
+        </p:sp>
+        <p:cxnSp>
+          <p:nvCxnSpPr>
+            <p:cNvPr id="5" name="Straight Connector 15"/>
+            <p:cNvCxnSpPr/>
+            <p:nvPr/>
+          </p:nvCxnSpPr>
+          <p:spPr bwMode="auto">
+            <a:xfrm>
+              <a:off x="0" y="3074199"/>
+              <a:ext cx="101600" cy="0"/>
+            </a:xfrm>
+            <a:prstGeom prst="line">
+              <a:avLst/>
+            </a:prstGeom>
+            <a:ln w="19050">
+              <a:solidFill>
+                <a:schemeClr val="bg1"/>
+              </a:solidFill>
+            </a:ln>
+          </p:spPr>
+          <p:style>
+            <a:lnRef idx="1">
+              <a:schemeClr val="accent1"/>
+            </a:lnRef>
+            <a:fillRef idx="0">
+              <a:schemeClr val="accent1"/>
+            </a:fillRef>
+            <a:effectRef idx="0">
+              <a:schemeClr val="accent1"/>
+            </a:effectRef>
+            <a:fontRef idx="minor">
+              <a:schemeClr val="tx1"/>
+            </a:fontRef>
+          </p:style>
+        </p:cxnSp>
+        <p:cxnSp>
+          <p:nvCxnSpPr>
+            <p:cNvPr id="6" name="Straight Connector 16"/>
+            <p:cNvCxnSpPr/>
+            <p:nvPr/>
+          </p:nvCxnSpPr>
+          <p:spPr bwMode="auto">
+            <a:xfrm>
+              <a:off x="0" y="3120236"/>
+              <a:ext cx="101600" cy="0"/>
+            </a:xfrm>
+            <a:prstGeom prst="line">
+              <a:avLst/>
+            </a:prstGeom>
+            <a:ln w="19050">
+              <a:solidFill>
+                <a:schemeClr val="bg1"/>
+              </a:solidFill>
+            </a:ln>
+          </p:spPr>
+          <p:style>
+            <a:lnRef idx="1">
+              <a:schemeClr val="accent1"/>
+            </a:lnRef>
+            <a:fillRef idx="0">
+              <a:schemeClr val="accent1"/>
+            </a:fillRef>
+            <a:effectRef idx="0">
+              <a:schemeClr val="accent1"/>
+            </a:effectRef>
+            <a:fontRef idx="minor">
+              <a:schemeClr val="tx1"/>
+            </a:fontRef>
+          </p:style>
+        </p:cxnSp>
+      </p:grpSp>
+      <p:grpSp>
+        <p:nvGrpSpPr>
+          <p:cNvPr id="7" name="组合 26"/>
+          <p:cNvGrpSpPr/>
+          <p:nvPr userDrawn="1"/>
+        </p:nvGrpSpPr>
+        <p:grpSpPr bwMode="auto">
+          <a:xfrm>
+            <a:off x="8616950" y="2892425"/>
+            <a:ext cx="152400" cy="400050"/>
+            <a:chOff x="8616287" y="2891636"/>
+            <a:chExt cx="152400" cy="400050"/>
+          </a:xfrm>
+        </p:grpSpPr>
+        <p:sp>
+          <p:nvSpPr>
+            <p:cNvPr id="8" name="Rectangle 7"/>
+            <p:cNvSpPr/>
+            <p:nvPr/>
+          </p:nvSpPr>
+          <p:spPr>
+            <a:xfrm rot="10800000">
+              <a:off x="8616287" y="2891636"/>
+              <a:ext cx="152400" cy="400050"/>
+            </a:xfrm>
+            <a:prstGeom prst="rect">
+              <a:avLst/>
+            </a:prstGeom>
+            <a:solidFill>
+              <a:srgbClr val="C00000"/>
+            </a:solidFill>
+            <a:ln>
+              <a:noFill/>
+            </a:ln>
+          </p:spPr>
+          <p:style>
+            <a:lnRef idx="2">
+              <a:schemeClr val="accent1">
+                <a:shade val="50000"/>
+              </a:schemeClr>
+            </a:lnRef>
+            <a:fillRef idx="1">
+              <a:schemeClr val="accent1"/>
+            </a:fillRef>
+            <a:effectRef idx="0">
+              <a:schemeClr val="accent1"/>
+            </a:effectRef>
+            <a:fontRef idx="minor">
+              <a:schemeClr val="lt1"/>
+            </a:fontRef>
+          </p:style>
+          <p:txBody>
+            <a:bodyPr anchor="ctr"/>
+            <a:lstStyle/>
+            <a:p>
+              <a:pPr marL="0" marR="0" lvl="0" indent="0" algn="ctr" defTabSz="914400" rtl="0" eaLnBrk="1" fontAlgn="auto" latinLnBrk="0" hangingPunct="1">
+                <a:lnSpc>
+                  <a:spcPct val="100000"/>
+                </a:lnSpc>
+                <a:spcBef>
+                  <a:spcPts val="0"/>
+                </a:spcBef>
+                <a:spcAft>
+                  <a:spcPts val="0"/>
+                </a:spcAft>
+                <a:buClrTx/>
+                <a:buSzTx/>
+                <a:buFontTx/>
+                <a:buNone/>
+                <a:tabLst/>
+                <a:defRPr/>
+              </a:pPr>
+              <a:endParaRPr kumimoji="0" lang="en-US" sz="1800" b="0" i="0" u="none" strike="noStrike" kern="1200" cap="none" spc="0" normalizeH="0" baseline="0" noProof="0" dirty="0">
+                <a:ln>
+                  <a:noFill/>
+                </a:ln>
+                <a:solidFill>
+                  <a:prstClr val="white"/>
+                </a:solidFill>
+                <a:effectLst/>
+                <a:uLnTx/>
+                <a:uFillTx/>
+                <a:latin typeface="Calibri"/>
+                <a:ea typeface="+mn-ea"/>
+                <a:cs typeface="+mn-cs"/>
+              </a:endParaRPr>
+            </a:p>
+          </p:txBody>
+        </p:sp>
+        <p:cxnSp>
+          <p:nvCxnSpPr>
+            <p:cNvPr id="9" name="Straight Connector 15"/>
+            <p:cNvCxnSpPr/>
+            <p:nvPr/>
+          </p:nvCxnSpPr>
+          <p:spPr bwMode="auto">
+            <a:xfrm rot="10800000">
+              <a:off x="8667087" y="3109124"/>
+              <a:ext cx="101600" cy="0"/>
+            </a:xfrm>
+            <a:prstGeom prst="line">
+              <a:avLst/>
+            </a:prstGeom>
+            <a:ln w="19050">
+              <a:solidFill>
+                <a:schemeClr val="bg1"/>
+              </a:solidFill>
+            </a:ln>
+          </p:spPr>
+          <p:style>
+            <a:lnRef idx="1">
+              <a:schemeClr val="accent1"/>
+            </a:lnRef>
+            <a:fillRef idx="0">
+              <a:schemeClr val="accent1"/>
+            </a:fillRef>
+            <a:effectRef idx="0">
+              <a:schemeClr val="accent1"/>
+            </a:effectRef>
+            <a:fontRef idx="minor">
+              <a:schemeClr val="tx1"/>
+            </a:fontRef>
+          </p:style>
+        </p:cxnSp>
+        <p:cxnSp>
+          <p:nvCxnSpPr>
+            <p:cNvPr id="10" name="Straight Connector 16"/>
+            <p:cNvCxnSpPr/>
+            <p:nvPr/>
+          </p:nvCxnSpPr>
+          <p:spPr bwMode="auto">
+            <a:xfrm rot="10800000">
+              <a:off x="8667087" y="3063086"/>
+              <a:ext cx="101600" cy="0"/>
+            </a:xfrm>
+            <a:prstGeom prst="line">
+              <a:avLst/>
+            </a:prstGeom>
+            <a:ln w="19050">
+              <a:solidFill>
+                <a:schemeClr val="bg1"/>
+              </a:solidFill>
+            </a:ln>
+          </p:spPr>
+          <p:style>
+            <a:lnRef idx="1">
+              <a:schemeClr val="accent1"/>
+            </a:lnRef>
+            <a:fillRef idx="0">
+              <a:schemeClr val="accent1"/>
+            </a:fillRef>
+            <a:effectRef idx="0">
+              <a:schemeClr val="accent1"/>
+            </a:effectRef>
+            <a:fontRef idx="minor">
+              <a:schemeClr val="tx1"/>
+            </a:fontRef>
+          </p:style>
+        </p:cxnSp>
+      </p:grpSp>
+      <p:sp>
+        <p:nvSpPr>
+          <p:cNvPr id="14" name="文本框 30" descr="e7d195523061f1c021b92b3d25e54ab5e788c0576048880950C3AFFA1066A7153250F1349197BA8C5246BA9D557EC0274B8DA272D2431748978789E76D2CD7D1F11E7447C1D163F5D9CA1CD35DC7B6F0FFA3D66467BAE7C14FE869A837C1E39FB23BF3059C959301C16FA617AB6F15A687D6E703783DD4D83CCE8CB0A27A0D15A4A6B80C6EB515DF9C8660C3E3F8A3AC">
+            <a:extLst>
+              <a:ext uri="{FF2B5EF4-FFF2-40B4-BE49-F238E27FC236}">
+                <a16:creationId xmlns:a16="http://schemas.microsoft.com/office/drawing/2014/main" id="{11CE8E8E-513C-38EB-593F-584122ABC6C1}"/>
+              </a:ext>
+            </a:extLst>
+          </p:cNvPr>
+          <p:cNvSpPr txBox="1"/>
+          <p:nvPr userDrawn="1"/>
+        </p:nvSpPr>
+        <p:spPr>
+          <a:xfrm>
+            <a:off x="2434500" y="960438"/>
+            <a:ext cx="3886200" cy="1016000"/>
+          </a:xfrm>
+          <a:prstGeom prst="rect">
+            <a:avLst/>
+          </a:prstGeom>
+          <a:noFill/>
+        </p:spPr>
+        <p:txBody>
+          <a:bodyPr anchor="ctr" anchorCtr="0">
+            <a:spAutoFit/>
+          </a:bodyPr>
+          <a:lstStyle/>
+          <a:p>
+            <a:pPr marL="0" marR="0" lvl="0" indent="0" algn="dist" defTabSz="914400" rtl="0" eaLnBrk="1" fontAlgn="auto" latinLnBrk="0" hangingPunct="1">
+              <a:lnSpc>
+                <a:spcPct val="100000"/>
+              </a:lnSpc>
+              <a:spcBef>
+                <a:spcPts val="0"/>
+              </a:spcBef>
+              <a:spcAft>
+                <a:spcPts val="0"/>
+              </a:spcAft>
+              <a:buClrTx/>
+              <a:buSzTx/>
+              <a:buFontTx/>
+              <a:buNone/>
+              <a:tabLst/>
+              <a:defRPr/>
+            </a:pPr>
+            <a:r>
+              <a:rPr kumimoji="0" lang="zh-CN" altLang="en-US" sz="6000" b="1" i="0" u="none" strike="noStrike" kern="1200" cap="none" spc="0" normalizeH="0" baseline="0" noProof="0" dirty="0">
+                <a:ln>
+                  <a:noFill/>
+                </a:ln>
+                <a:solidFill>
+                  <a:prstClr val="black">
+                    <a:lumMod val="65000"/>
+                    <a:lumOff val="35000"/>
+                  </a:prstClr>
+                </a:solidFill>
+                <a:effectLst/>
+                <a:uLnTx/>
+                <a:uFillTx/>
+                <a:latin typeface="微软雅黑" panose="020B0503020204020204" pitchFamily="34" charset="-122"/>
+                <a:ea typeface="微软雅黑" panose="020B0503020204020204" pitchFamily="34" charset="-122"/>
+                <a:cs typeface="+mn-ea"/>
+                <a:sym typeface="+mn-lt"/>
+              </a:rPr>
+              <a:t>主日崇拜</a:t>
+            </a:r>
+          </a:p>
+        </p:txBody>
+      </p:sp>
+      <p:sp>
+        <p:nvSpPr>
+          <p:cNvPr id="17" name="内容占位符 16">
+            <a:extLst>
+              <a:ext uri="{FF2B5EF4-FFF2-40B4-BE49-F238E27FC236}">
+                <a16:creationId xmlns:a16="http://schemas.microsoft.com/office/drawing/2014/main" id="{CA077988-B4EE-2EAC-9269-3D1FB9DA2F36}"/>
+              </a:ext>
+            </a:extLst>
+          </p:cNvPr>
+          <p:cNvSpPr>
+            <a:spLocks noGrp="1"/>
+          </p:cNvSpPr>
+          <p:nvPr>
+            <p:ph sz="quarter" idx="10" hasCustomPrompt="1"/>
+          </p:nvPr>
+        </p:nvSpPr>
+        <p:spPr>
+          <a:xfrm>
+            <a:off x="1935000" y="2086038"/>
+            <a:ext cx="4885200" cy="644400"/>
+          </a:xfrm>
+          <a:prstGeom prst="rect">
+            <a:avLst/>
+          </a:prstGeom>
+        </p:spPr>
+        <p:txBody>
+          <a:bodyPr anchor="ctr" anchorCtr="0"/>
+          <a:lstStyle>
+            <a:lvl1pPr marL="0" indent="0" algn="ctr" rtl="0" fontAlgn="base">
+              <a:lnSpc>
+                <a:spcPct val="100000"/>
+              </a:lnSpc>
+              <a:spcBef>
+                <a:spcPct val="0"/>
+              </a:spcBef>
+              <a:spcAft>
+                <a:spcPct val="0"/>
+              </a:spcAft>
+              <a:buNone/>
+              <a:defRPr lang="zh-CN" altLang="en-US" sz="3600" b="1" kern="1200" baseline="0" dirty="0">
+                <a:solidFill>
+                  <a:srgbClr val="0000CC"/>
+                </a:solidFill>
+                <a:latin typeface="微软雅黑" panose="020B0503020204020204" pitchFamily="34" charset="-122"/>
+                <a:ea typeface="微软雅黑" panose="020B0503020204020204" pitchFamily="34" charset="-122"/>
+                <a:cs typeface="+mn-cs"/>
+              </a:defRPr>
+            </a:lvl1pPr>
+          </a:lstStyle>
+          <a:p>
+            <a:pPr lvl="0"/>
+            <a:r>
+              <a:rPr kumimoji="1" lang="zh-CN" altLang="en-US" dirty="0"/>
+              <a:t>主后某年某月某日</a:t>
+            </a:r>
+          </a:p>
+        </p:txBody>
+      </p:sp>
+      <p:sp>
+        <p:nvSpPr>
+          <p:cNvPr id="12" name="内容占位符 11">
+            <a:extLst>
+              <a:ext uri="{FF2B5EF4-FFF2-40B4-BE49-F238E27FC236}">
+                <a16:creationId xmlns:a16="http://schemas.microsoft.com/office/drawing/2014/main" id="{10A8557C-E165-8BC5-9B24-E98003963DB0}"/>
+              </a:ext>
+            </a:extLst>
+          </p:cNvPr>
+          <p:cNvSpPr>
+            <a:spLocks noGrp="1"/>
+          </p:cNvSpPr>
+          <p:nvPr>
+            <p:ph sz="quarter" idx="11" hasCustomPrompt="1"/>
+          </p:nvPr>
+        </p:nvSpPr>
+        <p:spPr>
+          <a:xfrm>
+            <a:off x="1440000" y="2840400"/>
+            <a:ext cx="5875200" cy="522000"/>
+          </a:xfrm>
+          <a:prstGeom prst="rect">
+            <a:avLst/>
+          </a:prstGeom>
+        </p:spPr>
+        <p:txBody>
+          <a:bodyPr wrap="square" anchor="ctr" anchorCtr="0">
+            <a:spAutoFit/>
+          </a:bodyPr>
+          <a:lstStyle>
+            <a:lvl1pPr marL="0" indent="0" algn="ctr" fontAlgn="ctr">
+              <a:lnSpc>
+                <a:spcPct val="100000"/>
+              </a:lnSpc>
+              <a:buNone/>
+              <a:defRPr lang="zh-CN" altLang="en-US" b="1">
+                <a:solidFill>
+                  <a:schemeClr val="tx1">
+                    <a:lumMod val="75000"/>
+                    <a:lumOff val="25000"/>
+                  </a:schemeClr>
+                </a:solidFill>
+                <a:latin typeface="微软雅黑" panose="020B0503020204020204" pitchFamily="34" charset="-122"/>
+                <a:ea typeface="微软雅黑" panose="020B0503020204020204" pitchFamily="34" charset="-122"/>
+                <a:cs typeface="+mn-ea"/>
+              </a:defRPr>
+            </a:lvl1pPr>
+          </a:lstStyle>
+          <a:p>
+            <a:pPr lvl="0" algn="ctr" fontAlgn="auto">
+              <a:spcBef>
+                <a:spcPts val="0"/>
+              </a:spcBef>
+              <a:spcAft>
+                <a:spcPts val="0"/>
+              </a:spcAft>
+            </a:pPr>
+            <a:r>
+              <a:rPr lang="zh-CN" altLang="en-US"/>
+              <a:t>单击编辑教会名称</a:t>
+            </a:r>
+          </a:p>
+        </p:txBody>
+      </p:sp>
+    </p:spTree>
+    <p:extLst>
+      <p:ext uri="{BB962C8B-B14F-4D97-AF65-F5344CB8AC3E}">
+        <p14:creationId xmlns:p14="http://schemas.microsoft.com/office/powerpoint/2010/main" val="2803353819"/>
+      </p:ext>
+    </p:extLst>
+  </p:cSld>
+  <p:clrMapOvr>
+    <a:masterClrMapping/>
+  </p:clrMapOvr>
+  <p:transition spd="med">
+    <p:fade/>
+  </p:transition>
+</p:sldLayout>
+</file>
+
+<file path=ppt/slideLayouts/slideLayout30.xml><?xml version="1.0" encoding="utf-8"?>
 <p:sldLayout xmlns:a="http://schemas.openxmlformats.org/drawingml/2006/main" xmlns:r="http://schemas.openxmlformats.org/officeDocument/2006/relationships" xmlns:p="http://schemas.openxmlformats.org/presentationml/2006/main" preserve="1" userDrawn="1">
   <p:cSld name="家事报告">
     <p:spTree>
@@ -9384,16 +11672,53 @@
           </a:bodyPr>
           <a:lstStyle/>
           <a:p>
+            <a:pPr marL="0" marR="0" lvl="0" indent="0" algn="l" defTabSz="914400" rtl="0" eaLnBrk="1" fontAlgn="base" latinLnBrk="0" hangingPunct="1">
+              <a:lnSpc>
+                <a:spcPct val="100000"/>
+              </a:lnSpc>
+              <a:spcBef>
+                <a:spcPct val="0"/>
+              </a:spcBef>
+              <a:spcAft>
+                <a:spcPct val="0"/>
+              </a:spcAft>
+              <a:buClrTx/>
+              <a:buSzTx/>
+              <a:buFontTx/>
+              <a:buNone/>
+              <a:tabLst/>
+              <a:defRPr/>
+            </a:pPr>
             <a:r>
-              <a:rPr kumimoji="1" lang="zh-CN" altLang="en-US" sz="4000" b="1" dirty="0">
+              <a:rPr kumimoji="1" lang="zh-CN" altLang="en-US" sz="4000" b="1" i="0" u="none" strike="noStrike" kern="1200" cap="none" spc="0" normalizeH="0" baseline="0" noProof="0" dirty="0">
+                <a:ln>
+                  <a:noFill/>
+                </a:ln>
+                <a:solidFill>
+                  <a:prstClr val="black"/>
+                </a:solidFill>
+                <a:effectLst/>
+                <a:uLnTx/>
+                <a:uFillTx/>
                 <a:latin typeface="微软雅黑" panose="020B0503020204020204" pitchFamily="34" charset="-122"/>
                 <a:ea typeface="微软雅黑" panose="020B0503020204020204" pitchFamily="34" charset="-122"/>
+                <a:cs typeface="+mn-cs"/>
               </a:rPr>
               <a:t>团契相交敬拜神 家事分享    </a:t>
             </a:r>
-            <a:endParaRPr kumimoji="1" lang="ja-JP" altLang="en-US" sz="4000" b="1" dirty="0">
+            <a:endParaRPr kumimoji="1" lang="ja-JP" altLang="en-US" sz="4000" b="1" i="0" u="none" strike="noStrike" kern="1200" cap="none" spc="0" normalizeH="0" baseline="0" noProof="0" dirty="0">
+              <a:ln>
+                <a:noFill/>
+              </a:ln>
+              <a:solidFill>
+                <a:prstClr val="black"/>
+              </a:solidFill>
+              <a:effectLst/>
+              <a:uLnTx/>
+              <a:uFillTx/>
               <a:latin typeface="微软雅黑" panose="020B0503020204020204" pitchFamily="34" charset="-122"/>
               <a:ea typeface="微软雅黑" panose="020B0503020204020204" pitchFamily="34" charset="-122"/>
+              <a:cs typeface="+mn-cs"/>
             </a:endParaRPr>
           </a:p>
         </p:txBody>
@@ -9503,16 +11828,37 @@
             <a:bodyPr anchor="ctr"/>
             <a:lstStyle/>
             <a:p>
-              <a:pPr algn="ctr" fontAlgn="auto">
+              <a:pPr marL="0" marR="0" lvl="0" indent="0" algn="ctr" defTabSz="914400" rtl="0" eaLnBrk="1" fontAlgn="auto" latinLnBrk="0" hangingPunct="1">
+                <a:lnSpc>
+                  <a:spcPct val="100000"/>
+                </a:lnSpc>
                 <a:spcBef>
                   <a:spcPts val="0"/>
                 </a:spcBef>
                 <a:spcAft>
                   <a:spcPts val="0"/>
                 </a:spcAft>
+                <a:buClrTx/>
+                <a:buSzTx/>
+                <a:buFontTx/>
+                <a:buNone/>
+                <a:tabLst/>
                 <a:defRPr/>
               </a:pPr>
-              <a:endParaRPr lang="en-US" dirty="0"/>
+              <a:endParaRPr kumimoji="0" lang="en-US" sz="1800" b="0" i="0" u="none" strike="noStrike" kern="1200" cap="none" spc="0" normalizeH="0" baseline="0" noProof="0" dirty="0">
+                <a:ln>
+                  <a:noFill/>
+                </a:ln>
+                <a:solidFill>
+                  <a:prstClr val="white"/>
+                </a:solidFill>
+                <a:effectLst/>
+                <a:uLnTx/>
+                <a:uFillTx/>
+                <a:latin typeface="Calibri"/>
+                <a:ea typeface="+mn-ea"/>
+                <a:cs typeface="+mn-cs"/>
+              </a:endParaRPr>
             </a:p>
           </p:txBody>
         </p:sp>
@@ -9662,39 +12008,21 @@
           <a:p>
             <a:pPr lvl="0"/>
             <a:r>
-              <a:rPr lang="zh-CN" altLang="en-US" dirty="0"/>
-              <a:t>单击编辑家事报告</a:t>
+              <a:rPr lang="en-US" altLang="zh-CN"/>
+              <a:t>1.</a:t>
+            </a:r>
+            <a:r>
+              <a:rPr lang="zh-CN" altLang="en-US"/>
+              <a:t>周间聚会</a:t>
             </a:r>
             <a:endParaRPr lang="en-US" altLang="zh-CN" dirty="0"/>
-          </a:p>
-          <a:p>
-            <a:pPr lvl="0"/>
-            <a:r>
-              <a:rPr lang="en-US" altLang="zh-CN" dirty="0"/>
-              <a:t>1.</a:t>
-            </a:r>
-          </a:p>
-          <a:p>
-            <a:pPr lvl="0"/>
-            <a:r>
-              <a:rPr lang="en-US" altLang="zh-CN" dirty="0"/>
-              <a:t>2.</a:t>
-            </a:r>
-          </a:p>
-          <a:p>
-            <a:pPr lvl="0"/>
-            <a:r>
-              <a:rPr lang="en-US" altLang="zh-CN" dirty="0"/>
-              <a:t>3.</a:t>
-            </a:r>
-            <a:endParaRPr lang="zh-CN" altLang="en-US" dirty="0"/>
           </a:p>
         </p:txBody>
       </p:sp>
     </p:spTree>
     <p:extLst>
       <p:ext uri="{BB962C8B-B14F-4D97-AF65-F5344CB8AC3E}">
-        <p14:creationId xmlns:p14="http://schemas.microsoft.com/office/powerpoint/2010/main" val="131208018"/>
+        <p14:creationId xmlns:p14="http://schemas.microsoft.com/office/powerpoint/2010/main" val="1621361012"/>
       </p:ext>
     </p:extLst>
   </p:cSld>
@@ -9707,9 +12035,9 @@
 </p:sldLayout>
 </file>
 
-<file path=ppt/slideLayouts/slideLayout29.xml><?xml version="1.0" encoding="utf-8"?>
+<file path=ppt/slideLayouts/slideLayout31.xml><?xml version="1.0" encoding="utf-8"?>
 <p:sldLayout xmlns:a="http://schemas.openxmlformats.org/drawingml/2006/main" xmlns:r="http://schemas.openxmlformats.org/officeDocument/2006/relationships" xmlns:p="http://schemas.openxmlformats.org/presentationml/2006/main" preserve="1" userDrawn="1">
-  <p:cSld name="固定模板-团契学习">
+  <p:cSld name="团契学习">
     <p:spTree>
       <p:nvGrpSpPr>
         <p:cNvPr id="1" name=""/>
@@ -9829,16 +12157,37 @@
             <a:bodyPr anchor="ctr"/>
             <a:lstStyle/>
             <a:p>
-              <a:pPr algn="ctr" fontAlgn="auto">
+              <a:pPr marL="0" marR="0" lvl="0" indent="0" algn="ctr" defTabSz="914400" rtl="0" eaLnBrk="1" fontAlgn="auto" latinLnBrk="0" hangingPunct="1">
+                <a:lnSpc>
+                  <a:spcPct val="100000"/>
+                </a:lnSpc>
                 <a:spcBef>
                   <a:spcPts val="0"/>
                 </a:spcBef>
                 <a:spcAft>
                   <a:spcPts val="0"/>
                 </a:spcAft>
+                <a:buClrTx/>
+                <a:buSzTx/>
+                <a:buFontTx/>
+                <a:buNone/>
+                <a:tabLst/>
                 <a:defRPr/>
               </a:pPr>
-              <a:endParaRPr lang="en-US" dirty="0"/>
+              <a:endParaRPr kumimoji="0" lang="en-US" sz="1800" b="0" i="0" u="none" strike="noStrike" kern="1200" cap="none" spc="0" normalizeH="0" baseline="0" noProof="0" dirty="0">
+                <a:ln>
+                  <a:noFill/>
+                </a:ln>
+                <a:solidFill>
+                  <a:prstClr val="white"/>
+                </a:solidFill>
+                <a:effectLst/>
+                <a:uLnTx/>
+                <a:uFillTx/>
+                <a:latin typeface="Calibri"/>
+                <a:ea typeface="+mn-ea"/>
+                <a:cs typeface="+mn-cs"/>
+              </a:endParaRPr>
             </a:p>
           </p:txBody>
         </p:sp>
@@ -9959,16 +12308,53 @@
           </a:bodyPr>
           <a:lstStyle/>
           <a:p>
+            <a:pPr marL="0" marR="0" lvl="0" indent="0" algn="l" defTabSz="914400" rtl="0" eaLnBrk="1" fontAlgn="base" latinLnBrk="0" hangingPunct="1">
+              <a:lnSpc>
+                <a:spcPct val="100000"/>
+              </a:lnSpc>
+              <a:spcBef>
+                <a:spcPct val="0"/>
+              </a:spcBef>
+              <a:spcAft>
+                <a:spcPct val="0"/>
+              </a:spcAft>
+              <a:buClrTx/>
+              <a:buSzTx/>
+              <a:buFontTx/>
+              <a:buNone/>
+              <a:tabLst/>
+              <a:defRPr/>
+            </a:pPr>
             <a:r>
-              <a:rPr kumimoji="1" lang="zh-CN" altLang="en-US" sz="4000" b="1" dirty="0">
+              <a:rPr kumimoji="1" lang="zh-CN" altLang="en-US" sz="4000" b="1" i="0" u="none" strike="noStrike" kern="1200" cap="none" spc="0" normalizeH="0" baseline="0" noProof="0" dirty="0">
+                <a:ln>
+                  <a:noFill/>
+                </a:ln>
+                <a:solidFill>
+                  <a:prstClr val="black"/>
+                </a:solidFill>
+                <a:effectLst/>
+                <a:uLnTx/>
+                <a:uFillTx/>
                 <a:latin typeface="微软雅黑" panose="020B0503020204020204" pitchFamily="34" charset="-122"/>
                 <a:ea typeface="微软雅黑" panose="020B0503020204020204" pitchFamily="34" charset="-122"/>
+                <a:cs typeface="+mn-cs"/>
               </a:rPr>
               <a:t>团契学习敬拜神</a:t>
             </a:r>
-            <a:endParaRPr kumimoji="1" lang="ja-JP" altLang="en-US" sz="4000" b="1" dirty="0">
+            <a:endParaRPr kumimoji="1" lang="ja-JP" altLang="en-US" sz="4000" b="1" i="0" u="none" strike="noStrike" kern="1200" cap="none" spc="0" normalizeH="0" baseline="0" noProof="0" dirty="0">
+              <a:ln>
+                <a:noFill/>
+              </a:ln>
+              <a:solidFill>
+                <a:prstClr val="black"/>
+              </a:solidFill>
+              <a:effectLst/>
+              <a:uLnTx/>
+              <a:uFillTx/>
               <a:latin typeface="微软雅黑" panose="020B0503020204020204" pitchFamily="34" charset="-122"/>
               <a:ea typeface="微软雅黑" panose="020B0503020204020204" pitchFamily="34" charset="-122"/>
+              <a:cs typeface="+mn-cs"/>
             </a:endParaRPr>
           </a:p>
         </p:txBody>
@@ -10005,120 +12391,262 @@
           <a:bodyPr lIns="45720" rIns="45720"/>
           <a:lstStyle/>
           <a:p>
-            <a:pPr algn="ctr">
+            <a:pPr marL="0" marR="0" lvl="0" indent="0" algn="ctr" defTabSz="914400" rtl="0" eaLnBrk="1" fontAlgn="base" latinLnBrk="0" hangingPunct="1">
               <a:lnSpc>
                 <a:spcPct val="150000"/>
               </a:lnSpc>
+              <a:spcBef>
+                <a:spcPct val="0"/>
+              </a:spcBef>
+              <a:spcAft>
+                <a:spcPct val="0"/>
+              </a:spcAft>
+              <a:buClrTx/>
+              <a:buSzTx/>
+              <a:buFontTx/>
+              <a:buNone/>
+              <a:tabLst/>
+              <a:defRPr/>
             </a:pPr>
             <a:r>
-              <a:rPr lang="zh-CN" altLang="en-US" sz="2800" b="1" dirty="0">
+              <a:rPr kumimoji="0" lang="zh-CN" altLang="en-US" sz="2800" b="1" i="0" u="none" strike="noStrike" kern="1200" cap="none" spc="0" normalizeH="0" baseline="0" noProof="0" dirty="0">
+                <a:ln>
+                  <a:noFill/>
+                </a:ln>
+                <a:solidFill>
+                  <a:prstClr val="black"/>
+                </a:solidFill>
+                <a:effectLst/>
+                <a:uLnTx/>
+                <a:uFillTx/>
                 <a:latin typeface="微软雅黑" panose="020B0503020204020204" pitchFamily="34" charset="-122"/>
                 <a:ea typeface="微软雅黑" panose="020B0503020204020204" pitchFamily="34" charset="-122"/>
+                <a:cs typeface="+mn-cs"/>
                 <a:sym typeface="+mn-ea"/>
               </a:rPr>
               <a:t>西</a:t>
             </a:r>
             <a:r>
-              <a:rPr lang="en-US" altLang="zh-CN" sz="2800" b="1" dirty="0">
+              <a:rPr kumimoji="0" lang="en-US" altLang="zh-CN" sz="2800" b="1" i="0" u="none" strike="noStrike" kern="1200" cap="none" spc="0" normalizeH="0" baseline="0" noProof="0" dirty="0">
+                <a:ln>
+                  <a:noFill/>
+                </a:ln>
+                <a:solidFill>
+                  <a:prstClr val="black"/>
+                </a:solidFill>
+                <a:effectLst/>
+                <a:uLnTx/>
+                <a:uFillTx/>
                 <a:latin typeface="微软雅黑" panose="020B0503020204020204" pitchFamily="34" charset="-122"/>
                 <a:ea typeface="微软雅黑" panose="020B0503020204020204" pitchFamily="34" charset="-122"/>
+                <a:cs typeface="+mn-cs"/>
                 <a:sym typeface="+mn-ea"/>
               </a:rPr>
               <a:t>4:16</a:t>
             </a:r>
             <a:r>
-              <a:rPr lang="zh-CN" altLang="en-US" sz="2800" b="1" dirty="0">
+              <a:rPr kumimoji="0" lang="zh-CN" altLang="en-US" sz="2800" b="1" i="0" u="none" strike="noStrike" kern="1200" cap="none" spc="0" normalizeH="0" baseline="0" noProof="0" dirty="0">
+                <a:ln>
+                  <a:noFill/>
+                </a:ln>
+                <a:solidFill>
+                  <a:prstClr val="black"/>
+                </a:solidFill>
+                <a:effectLst/>
+                <a:uLnTx/>
+                <a:uFillTx/>
                 <a:latin typeface="微软雅黑" panose="020B0503020204020204" pitchFamily="34" charset="-122"/>
                 <a:ea typeface="微软雅黑" panose="020B0503020204020204" pitchFamily="34" charset="-122"/>
+                <a:cs typeface="+mn-cs"/>
                 <a:sym typeface="+mn-ea"/>
               </a:rPr>
               <a:t>（新译本）</a:t>
             </a:r>
-            <a:endParaRPr lang="en-US" altLang="zh-CN" sz="2800" b="1" dirty="0">
+            <a:endParaRPr kumimoji="0" lang="en-US" altLang="zh-CN" sz="2800" b="1" i="0" u="none" strike="noStrike" kern="1200" cap="none" spc="0" normalizeH="0" baseline="0" noProof="0" dirty="0">
+              <a:ln>
+                <a:noFill/>
+              </a:ln>
+              <a:solidFill>
+                <a:prstClr val="black"/>
+              </a:solidFill>
+              <a:effectLst/>
+              <a:uLnTx/>
+              <a:uFillTx/>
               <a:latin typeface="微软雅黑" panose="020B0503020204020204" pitchFamily="34" charset="-122"/>
               <a:ea typeface="微软雅黑" panose="020B0503020204020204" pitchFamily="34" charset="-122"/>
+              <a:cs typeface="+mn-cs"/>
             </a:endParaRPr>
           </a:p>
           <a:p>
-            <a:pPr algn="ctr">
+            <a:pPr marL="0" marR="0" lvl="0" indent="0" algn="ctr" defTabSz="914400" rtl="0" eaLnBrk="1" fontAlgn="base" latinLnBrk="0" hangingPunct="1">
               <a:lnSpc>
                 <a:spcPct val="150000"/>
               </a:lnSpc>
+              <a:spcBef>
+                <a:spcPct val="0"/>
+              </a:spcBef>
+              <a:spcAft>
+                <a:spcPct val="0"/>
+              </a:spcAft>
+              <a:buClrTx/>
+              <a:buSzTx/>
+              <a:buFontTx/>
+              <a:buNone/>
+              <a:tabLst/>
+              <a:defRPr/>
             </a:pPr>
             <a:r>
-              <a:rPr lang="zh-CN" altLang="en-US" sz="3200" b="1" dirty="0">
+              <a:rPr kumimoji="0" lang="zh-CN" altLang="en-US" sz="3200" b="1" i="0" u="none" strike="noStrike" kern="1200" cap="none" spc="0" normalizeH="0" baseline="0" noProof="0" dirty="0">
+                <a:ln>
+                  <a:noFill/>
+                </a:ln>
                 <a:solidFill>
                   <a:srgbClr val="000000"/>
                 </a:solidFill>
+                <a:effectLst/>
+                <a:uLnTx/>
+                <a:uFillTx/>
                 <a:latin typeface="微软雅黑" panose="020B0503020204020204" pitchFamily="34" charset="-122"/>
                 <a:ea typeface="微软雅黑" panose="020B0503020204020204" pitchFamily="34" charset="-122"/>
+                <a:cs typeface="+mn-cs"/>
               </a:rPr>
               <a:t>你们要让基督的道丰丰富富地住在你们的</a:t>
             </a:r>
-            <a:endParaRPr lang="en-US" altLang="zh-CN" sz="3200" b="1" dirty="0">
+            <a:endParaRPr kumimoji="0" lang="en-US" altLang="zh-CN" sz="3200" b="1" i="0" u="none" strike="noStrike" kern="1200" cap="none" spc="0" normalizeH="0" baseline="0" noProof="0" dirty="0">
+              <a:ln>
+                <a:noFill/>
+              </a:ln>
               <a:solidFill>
                 <a:srgbClr val="000000"/>
               </a:solidFill>
+              <a:effectLst/>
+              <a:uLnTx/>
+              <a:uFillTx/>
               <a:latin typeface="微软雅黑" panose="020B0503020204020204" pitchFamily="34" charset="-122"/>
               <a:ea typeface="微软雅黑" panose="020B0503020204020204" pitchFamily="34" charset="-122"/>
+              <a:cs typeface="+mn-cs"/>
             </a:endParaRPr>
           </a:p>
           <a:p>
-            <a:pPr algn="ctr">
+            <a:pPr marL="0" marR="0" lvl="0" indent="0" algn="ctr" defTabSz="914400" rtl="0" eaLnBrk="1" fontAlgn="base" latinLnBrk="0" hangingPunct="1">
               <a:lnSpc>
                 <a:spcPct val="150000"/>
               </a:lnSpc>
+              <a:spcBef>
+                <a:spcPct val="0"/>
+              </a:spcBef>
+              <a:spcAft>
+                <a:spcPct val="0"/>
+              </a:spcAft>
+              <a:buClrTx/>
+              <a:buSzTx/>
+              <a:buFontTx/>
+              <a:buNone/>
+              <a:tabLst/>
+              <a:defRPr/>
             </a:pPr>
             <a:r>
-              <a:rPr lang="zh-CN" altLang="en-US" sz="3200" b="1" dirty="0">
+              <a:rPr kumimoji="0" lang="zh-CN" altLang="en-US" sz="3200" b="1" i="0" u="none" strike="noStrike" kern="1200" cap="none" spc="0" normalizeH="0" baseline="0" noProof="0" dirty="0">
+                <a:ln>
+                  <a:noFill/>
+                </a:ln>
                 <a:solidFill>
                   <a:srgbClr val="000000"/>
                 </a:solidFill>
+                <a:effectLst/>
+                <a:uLnTx/>
+                <a:uFillTx/>
                 <a:latin typeface="微软雅黑" panose="020B0503020204020204" pitchFamily="34" charset="-122"/>
                 <a:ea typeface="微软雅黑" panose="020B0503020204020204" pitchFamily="34" charset="-122"/>
+                <a:cs typeface="+mn-cs"/>
               </a:rPr>
               <a:t>心里，以各样的智慧，彼此教导，互相劝诫，</a:t>
             </a:r>
           </a:p>
           <a:p>
-            <a:pPr algn="ctr">
+            <a:pPr marL="0" marR="0" lvl="0" indent="0" algn="ctr" defTabSz="914400" rtl="0" eaLnBrk="1" fontAlgn="base" latinLnBrk="0" hangingPunct="1">
               <a:lnSpc>
                 <a:spcPct val="150000"/>
               </a:lnSpc>
+              <a:spcBef>
+                <a:spcPct val="0"/>
+              </a:spcBef>
+              <a:spcAft>
+                <a:spcPct val="0"/>
+              </a:spcAft>
+              <a:buClrTx/>
+              <a:buSzTx/>
+              <a:buFontTx/>
+              <a:buNone/>
+              <a:tabLst/>
+              <a:defRPr/>
             </a:pPr>
             <a:r>
-              <a:rPr lang="zh-CN" altLang="en-US" sz="3200" b="1" dirty="0">
+              <a:rPr kumimoji="0" lang="zh-CN" altLang="en-US" sz="3200" b="1" i="0" u="none" strike="noStrike" kern="1200" cap="none" spc="0" normalizeH="0" baseline="0" noProof="0" dirty="0">
+                <a:ln>
+                  <a:noFill/>
+                </a:ln>
                 <a:solidFill>
                   <a:srgbClr val="000000"/>
                 </a:solidFill>
+                <a:effectLst/>
+                <a:uLnTx/>
+                <a:uFillTx/>
                 <a:latin typeface="微软雅黑" panose="020B0503020204020204" pitchFamily="34" charset="-122"/>
                 <a:ea typeface="微软雅黑" panose="020B0503020204020204" pitchFamily="34" charset="-122"/>
+                <a:cs typeface="+mn-cs"/>
               </a:rPr>
               <a:t>用诗章、圣诗、灵歌，</a:t>
             </a:r>
           </a:p>
           <a:p>
-            <a:pPr algn="ctr">
+            <a:pPr marL="0" marR="0" lvl="0" indent="0" algn="ctr" defTabSz="914400" rtl="0" eaLnBrk="1" fontAlgn="base" latinLnBrk="0" hangingPunct="1">
               <a:lnSpc>
                 <a:spcPct val="150000"/>
               </a:lnSpc>
+              <a:spcBef>
+                <a:spcPct val="0"/>
+              </a:spcBef>
+              <a:spcAft>
+                <a:spcPct val="0"/>
+              </a:spcAft>
+              <a:buClrTx/>
+              <a:buSzTx/>
+              <a:buFontTx/>
+              <a:buNone/>
+              <a:tabLst/>
+              <a:defRPr/>
             </a:pPr>
             <a:r>
-              <a:rPr lang="zh-CN" altLang="en-US" sz="3200" b="1" dirty="0">
+              <a:rPr kumimoji="0" lang="zh-CN" altLang="en-US" sz="3200" b="1" i="0" u="none" strike="noStrike" kern="1200" cap="none" spc="0" normalizeH="0" baseline="0" noProof="0" dirty="0">
+                <a:ln>
+                  <a:noFill/>
+                </a:ln>
                 <a:solidFill>
                   <a:srgbClr val="000000"/>
                 </a:solidFill>
+                <a:effectLst/>
+                <a:uLnTx/>
+                <a:uFillTx/>
                 <a:latin typeface="微软雅黑" panose="020B0503020204020204" pitchFamily="34" charset="-122"/>
                 <a:ea typeface="微软雅黑" panose="020B0503020204020204" pitchFamily="34" charset="-122"/>
+                <a:cs typeface="+mn-cs"/>
               </a:rPr>
               <a:t>怀着感恩的心歌颂神。</a:t>
             </a:r>
-            <a:endParaRPr lang="en-US" altLang="zh-CN" sz="3200" b="1" dirty="0">
+            <a:endParaRPr kumimoji="0" lang="en-US" altLang="zh-CN" sz="3200" b="1" i="0" u="none" strike="noStrike" kern="1200" cap="none" spc="0" normalizeH="0" baseline="0" noProof="0" dirty="0">
+              <a:ln>
+                <a:noFill/>
+              </a:ln>
               <a:solidFill>
                 <a:srgbClr val="000000"/>
               </a:solidFill>
+              <a:effectLst/>
+              <a:uLnTx/>
+              <a:uFillTx/>
               <a:latin typeface="微软雅黑" panose="020B0503020204020204" pitchFamily="34" charset="-122"/>
               <a:ea typeface="微软雅黑" panose="020B0503020204020204" pitchFamily="34" charset="-122"/>
+              <a:cs typeface="+mn-cs"/>
             </a:endParaRPr>
           </a:p>
         </p:txBody>
@@ -10126,7 +12654,7 @@
     </p:spTree>
     <p:extLst>
       <p:ext uri="{BB962C8B-B14F-4D97-AF65-F5344CB8AC3E}">
-        <p14:creationId xmlns:p14="http://schemas.microsoft.com/office/powerpoint/2010/main" val="1101350586"/>
+        <p14:creationId xmlns:p14="http://schemas.microsoft.com/office/powerpoint/2010/main" val="3794140108"/>
       </p:ext>
     </p:extLst>
   </p:cSld>
@@ -10139,521 +12667,9 @@
 </p:sldLayout>
 </file>
 
-<file path=ppt/slideLayouts/slideLayout3.xml><?xml version="1.0" encoding="utf-8"?>
+<file path=ppt/slideLayouts/slideLayout32.xml><?xml version="1.0" encoding="utf-8"?>
 <p:sldLayout xmlns:a="http://schemas.openxmlformats.org/drawingml/2006/main" xmlns:r="http://schemas.openxmlformats.org/officeDocument/2006/relationships" xmlns:p="http://schemas.openxmlformats.org/presentationml/2006/main" preserve="1" userDrawn="1">
-  <p:cSld name="封面">
-    <p:spTree>
-      <p:nvGrpSpPr>
-        <p:cNvPr id="1" name=""/>
-        <p:cNvGrpSpPr/>
-        <p:nvPr/>
-      </p:nvGrpSpPr>
-      <p:grpSpPr>
-        <a:xfrm>
-          <a:off x="0" y="0"/>
-          <a:ext cx="0" cy="0"/>
-          <a:chOff x="0" y="0"/>
-          <a:chExt cx="0" cy="0"/>
-        </a:xfrm>
-      </p:grpSpPr>
-      <p:pic>
-        <p:nvPicPr>
-          <p:cNvPr id="2" name="Picture 4" descr="http://pic.shenshi777.com/uploads/allimg/150707/1-150FH10Z1.jpg"/>
-          <p:cNvPicPr>
-            <a:picLocks noChangeAspect="1" noChangeArrowheads="1"/>
-          </p:cNvPicPr>
-          <p:nvPr userDrawn="1"/>
-        </p:nvPicPr>
-        <p:blipFill>
-          <a:blip r:embed="rId2" cstate="print"/>
-          <a:srcRect l="54259" r="17752" b="781"/>
-          <a:stretch>
-            <a:fillRect/>
-          </a:stretch>
-        </p:blipFill>
-        <p:spPr bwMode="auto">
-          <a:xfrm>
-            <a:off x="8753475" y="0"/>
-            <a:ext cx="3438525" cy="6858000"/>
-          </a:xfrm>
-          <a:prstGeom prst="rect">
-            <a:avLst/>
-          </a:prstGeom>
-          <a:noFill/>
-          <a:ln w="9525">
-            <a:noFill/>
-            <a:miter lim="800000"/>
-            <a:headEnd/>
-            <a:tailEnd/>
-          </a:ln>
-        </p:spPr>
-      </p:pic>
-      <p:grpSp>
-        <p:nvGrpSpPr>
-          <p:cNvPr id="3" name="组合 25"/>
-          <p:cNvGrpSpPr/>
-          <p:nvPr userDrawn="1"/>
-        </p:nvGrpSpPr>
-        <p:grpSpPr bwMode="auto">
-          <a:xfrm>
-            <a:off x="0" y="2892425"/>
-            <a:ext cx="152400" cy="400050"/>
-            <a:chOff x="0" y="2891636"/>
-            <a:chExt cx="152400" cy="400050"/>
-          </a:xfrm>
-        </p:grpSpPr>
-        <p:sp>
-          <p:nvSpPr>
-            <p:cNvPr id="4" name="Rectangle 7"/>
-            <p:cNvSpPr/>
-            <p:nvPr/>
-          </p:nvSpPr>
-          <p:spPr>
-            <a:xfrm>
-              <a:off x="0" y="2891636"/>
-              <a:ext cx="152400" cy="400050"/>
-            </a:xfrm>
-            <a:prstGeom prst="rect">
-              <a:avLst/>
-            </a:prstGeom>
-            <a:solidFill>
-              <a:srgbClr val="C00000"/>
-            </a:solidFill>
-            <a:ln>
-              <a:noFill/>
-            </a:ln>
-          </p:spPr>
-          <p:style>
-            <a:lnRef idx="2">
-              <a:schemeClr val="accent1">
-                <a:shade val="50000"/>
-              </a:schemeClr>
-            </a:lnRef>
-            <a:fillRef idx="1">
-              <a:schemeClr val="accent1"/>
-            </a:fillRef>
-            <a:effectRef idx="0">
-              <a:schemeClr val="accent1"/>
-            </a:effectRef>
-            <a:fontRef idx="minor">
-              <a:schemeClr val="lt1"/>
-            </a:fontRef>
-          </p:style>
-          <p:txBody>
-            <a:bodyPr anchor="ctr"/>
-            <a:lstStyle/>
-            <a:p>
-              <a:pPr algn="ctr" fontAlgn="auto">
-                <a:spcBef>
-                  <a:spcPts val="0"/>
-                </a:spcBef>
-                <a:spcAft>
-                  <a:spcPts val="0"/>
-                </a:spcAft>
-                <a:defRPr/>
-              </a:pPr>
-              <a:endParaRPr lang="en-US" dirty="0"/>
-            </a:p>
-          </p:txBody>
-        </p:sp>
-        <p:cxnSp>
-          <p:nvCxnSpPr>
-            <p:cNvPr id="5" name="Straight Connector 15"/>
-            <p:cNvCxnSpPr/>
-            <p:nvPr/>
-          </p:nvCxnSpPr>
-          <p:spPr bwMode="auto">
-            <a:xfrm>
-              <a:off x="0" y="3074199"/>
-              <a:ext cx="101600" cy="0"/>
-            </a:xfrm>
-            <a:prstGeom prst="line">
-              <a:avLst/>
-            </a:prstGeom>
-            <a:ln w="19050">
-              <a:solidFill>
-                <a:schemeClr val="bg1"/>
-              </a:solidFill>
-            </a:ln>
-          </p:spPr>
-          <p:style>
-            <a:lnRef idx="1">
-              <a:schemeClr val="accent1"/>
-            </a:lnRef>
-            <a:fillRef idx="0">
-              <a:schemeClr val="accent1"/>
-            </a:fillRef>
-            <a:effectRef idx="0">
-              <a:schemeClr val="accent1"/>
-            </a:effectRef>
-            <a:fontRef idx="minor">
-              <a:schemeClr val="tx1"/>
-            </a:fontRef>
-          </p:style>
-        </p:cxnSp>
-        <p:cxnSp>
-          <p:nvCxnSpPr>
-            <p:cNvPr id="6" name="Straight Connector 16"/>
-            <p:cNvCxnSpPr/>
-            <p:nvPr/>
-          </p:nvCxnSpPr>
-          <p:spPr bwMode="auto">
-            <a:xfrm>
-              <a:off x="0" y="3120236"/>
-              <a:ext cx="101600" cy="0"/>
-            </a:xfrm>
-            <a:prstGeom prst="line">
-              <a:avLst/>
-            </a:prstGeom>
-            <a:ln w="19050">
-              <a:solidFill>
-                <a:schemeClr val="bg1"/>
-              </a:solidFill>
-            </a:ln>
-          </p:spPr>
-          <p:style>
-            <a:lnRef idx="1">
-              <a:schemeClr val="accent1"/>
-            </a:lnRef>
-            <a:fillRef idx="0">
-              <a:schemeClr val="accent1"/>
-            </a:fillRef>
-            <a:effectRef idx="0">
-              <a:schemeClr val="accent1"/>
-            </a:effectRef>
-            <a:fontRef idx="minor">
-              <a:schemeClr val="tx1"/>
-            </a:fontRef>
-          </p:style>
-        </p:cxnSp>
-      </p:grpSp>
-      <p:grpSp>
-        <p:nvGrpSpPr>
-          <p:cNvPr id="7" name="组合 26"/>
-          <p:cNvGrpSpPr/>
-          <p:nvPr userDrawn="1"/>
-        </p:nvGrpSpPr>
-        <p:grpSpPr bwMode="auto">
-          <a:xfrm>
-            <a:off x="8616950" y="2892425"/>
-            <a:ext cx="152400" cy="400050"/>
-            <a:chOff x="8616287" y="2891636"/>
-            <a:chExt cx="152400" cy="400050"/>
-          </a:xfrm>
-        </p:grpSpPr>
-        <p:sp>
-          <p:nvSpPr>
-            <p:cNvPr id="8" name="Rectangle 7"/>
-            <p:cNvSpPr/>
-            <p:nvPr/>
-          </p:nvSpPr>
-          <p:spPr>
-            <a:xfrm rot="10800000">
-              <a:off x="8616287" y="2891636"/>
-              <a:ext cx="152400" cy="400050"/>
-            </a:xfrm>
-            <a:prstGeom prst="rect">
-              <a:avLst/>
-            </a:prstGeom>
-            <a:solidFill>
-              <a:srgbClr val="C00000"/>
-            </a:solidFill>
-            <a:ln>
-              <a:noFill/>
-            </a:ln>
-          </p:spPr>
-          <p:style>
-            <a:lnRef idx="2">
-              <a:schemeClr val="accent1">
-                <a:shade val="50000"/>
-              </a:schemeClr>
-            </a:lnRef>
-            <a:fillRef idx="1">
-              <a:schemeClr val="accent1"/>
-            </a:fillRef>
-            <a:effectRef idx="0">
-              <a:schemeClr val="accent1"/>
-            </a:effectRef>
-            <a:fontRef idx="minor">
-              <a:schemeClr val="lt1"/>
-            </a:fontRef>
-          </p:style>
-          <p:txBody>
-            <a:bodyPr anchor="ctr"/>
-            <a:lstStyle/>
-            <a:p>
-              <a:pPr algn="ctr" fontAlgn="auto">
-                <a:spcBef>
-                  <a:spcPts val="0"/>
-                </a:spcBef>
-                <a:spcAft>
-                  <a:spcPts val="0"/>
-                </a:spcAft>
-                <a:defRPr/>
-              </a:pPr>
-              <a:endParaRPr lang="en-US" dirty="0"/>
-            </a:p>
-          </p:txBody>
-        </p:sp>
-        <p:cxnSp>
-          <p:nvCxnSpPr>
-            <p:cNvPr id="9" name="Straight Connector 15"/>
-            <p:cNvCxnSpPr/>
-            <p:nvPr/>
-          </p:nvCxnSpPr>
-          <p:spPr bwMode="auto">
-            <a:xfrm rot="10800000">
-              <a:off x="8667087" y="3109124"/>
-              <a:ext cx="101600" cy="0"/>
-            </a:xfrm>
-            <a:prstGeom prst="line">
-              <a:avLst/>
-            </a:prstGeom>
-            <a:ln w="19050">
-              <a:solidFill>
-                <a:schemeClr val="bg1"/>
-              </a:solidFill>
-            </a:ln>
-          </p:spPr>
-          <p:style>
-            <a:lnRef idx="1">
-              <a:schemeClr val="accent1"/>
-            </a:lnRef>
-            <a:fillRef idx="0">
-              <a:schemeClr val="accent1"/>
-            </a:fillRef>
-            <a:effectRef idx="0">
-              <a:schemeClr val="accent1"/>
-            </a:effectRef>
-            <a:fontRef idx="minor">
-              <a:schemeClr val="tx1"/>
-            </a:fontRef>
-          </p:style>
-        </p:cxnSp>
-        <p:cxnSp>
-          <p:nvCxnSpPr>
-            <p:cNvPr id="10" name="Straight Connector 16"/>
-            <p:cNvCxnSpPr/>
-            <p:nvPr/>
-          </p:nvCxnSpPr>
-          <p:spPr bwMode="auto">
-            <a:xfrm rot="10800000">
-              <a:off x="8667087" y="3063086"/>
-              <a:ext cx="101600" cy="0"/>
-            </a:xfrm>
-            <a:prstGeom prst="line">
-              <a:avLst/>
-            </a:prstGeom>
-            <a:ln w="19050">
-              <a:solidFill>
-                <a:schemeClr val="bg1"/>
-              </a:solidFill>
-            </a:ln>
-          </p:spPr>
-          <p:style>
-            <a:lnRef idx="1">
-              <a:schemeClr val="accent1"/>
-            </a:lnRef>
-            <a:fillRef idx="0">
-              <a:schemeClr val="accent1"/>
-            </a:fillRef>
-            <a:effectRef idx="0">
-              <a:schemeClr val="accent1"/>
-            </a:effectRef>
-            <a:fontRef idx="minor">
-              <a:schemeClr val="tx1"/>
-            </a:fontRef>
-          </p:style>
-        </p:cxnSp>
-      </p:grpSp>
-      <p:sp>
-        <p:nvSpPr>
-          <p:cNvPr id="14" name="文本框 30" descr="e7d195523061f1c021b92b3d25e54ab5e788c0576048880950C3AFFA1066A7153250F1349197BA8C5246BA9D557EC0274B8DA272D2431748978789E76D2CD7D1F11E7447C1D163F5D9CA1CD35DC7B6F0FFA3D66467BAE7C14FE869A837C1E39FB23BF3059C959301C16FA617AB6F15A687D6E703783DD4D83CCE8CB0A27A0D15A4A6B80C6EB515DF9C8660C3E3F8A3AC">
-            <a:extLst>
-              <a:ext uri="{FF2B5EF4-FFF2-40B4-BE49-F238E27FC236}">
-                <a16:creationId xmlns:a16="http://schemas.microsoft.com/office/drawing/2014/main" id="{11CE8E8E-513C-38EB-593F-584122ABC6C1}"/>
-              </a:ext>
-            </a:extLst>
-          </p:cNvPr>
-          <p:cNvSpPr txBox="1"/>
-          <p:nvPr userDrawn="1"/>
-        </p:nvSpPr>
-        <p:spPr>
-          <a:xfrm>
-            <a:off x="2434500" y="960438"/>
-            <a:ext cx="3886200" cy="1016000"/>
-          </a:xfrm>
-          <a:prstGeom prst="rect">
-            <a:avLst/>
-          </a:prstGeom>
-          <a:noFill/>
-        </p:spPr>
-        <p:txBody>
-          <a:bodyPr anchor="ctr" anchorCtr="0">
-            <a:spAutoFit/>
-          </a:bodyPr>
-          <a:lstStyle/>
-          <a:p>
-            <a:pPr algn="dist" fontAlgn="auto">
-              <a:spcBef>
-                <a:spcPts val="0"/>
-              </a:spcBef>
-              <a:spcAft>
-                <a:spcPts val="0"/>
-              </a:spcAft>
-              <a:defRPr/>
-            </a:pPr>
-            <a:r>
-              <a:rPr lang="zh-CN" altLang="en-US" sz="6000" b="1" dirty="0">
-                <a:solidFill>
-                  <a:schemeClr val="tx1">
-                    <a:lumMod val="65000"/>
-                    <a:lumOff val="35000"/>
-                  </a:schemeClr>
-                </a:solidFill>
-                <a:latin typeface="微软雅黑" panose="020B0503020204020204" pitchFamily="34" charset="-122"/>
-                <a:ea typeface="微软雅黑" panose="020B0503020204020204" pitchFamily="34" charset="-122"/>
-                <a:cs typeface="+mn-ea"/>
-                <a:sym typeface="+mn-lt"/>
-              </a:rPr>
-              <a:t>主日崇拜</a:t>
-            </a:r>
-          </a:p>
-        </p:txBody>
-      </p:sp>
-      <p:sp>
-        <p:nvSpPr>
-          <p:cNvPr id="17" name="内容占位符 16">
-            <a:extLst>
-              <a:ext uri="{FF2B5EF4-FFF2-40B4-BE49-F238E27FC236}">
-                <a16:creationId xmlns:a16="http://schemas.microsoft.com/office/drawing/2014/main" id="{CA077988-B4EE-2EAC-9269-3D1FB9DA2F36}"/>
-              </a:ext>
-            </a:extLst>
-          </p:cNvPr>
-          <p:cNvSpPr>
-            <a:spLocks noGrp="1"/>
-          </p:cNvSpPr>
-          <p:nvPr>
-            <p:ph sz="quarter" idx="10" hasCustomPrompt="1"/>
-          </p:nvPr>
-        </p:nvSpPr>
-        <p:spPr>
-          <a:xfrm>
-            <a:off x="1935000" y="2086038"/>
-            <a:ext cx="4885200" cy="644400"/>
-          </a:xfrm>
-          <a:prstGeom prst="rect">
-            <a:avLst/>
-          </a:prstGeom>
-        </p:spPr>
-        <p:txBody>
-          <a:bodyPr anchor="ctr" anchorCtr="0"/>
-          <a:lstStyle>
-            <a:lvl1pPr marL="0" indent="0" algn="ctr" rtl="0" fontAlgn="base">
-              <a:lnSpc>
-                <a:spcPct val="100000"/>
-              </a:lnSpc>
-              <a:spcBef>
-                <a:spcPct val="0"/>
-              </a:spcBef>
-              <a:spcAft>
-                <a:spcPct val="0"/>
-              </a:spcAft>
-              <a:buNone/>
-              <a:defRPr lang="zh-CN" altLang="en-US" sz="3600" b="1" kern="1200" baseline="0" dirty="0">
-                <a:solidFill>
-                  <a:srgbClr val="0000CC"/>
-                </a:solidFill>
-                <a:latin typeface="微软雅黑" panose="020B0503020204020204" pitchFamily="34" charset="-122"/>
-                <a:ea typeface="微软雅黑" panose="020B0503020204020204" pitchFamily="34" charset="-122"/>
-                <a:cs typeface="+mn-cs"/>
-              </a:defRPr>
-            </a:lvl1pPr>
-          </a:lstStyle>
-          <a:p>
-            <a:pPr lvl="0"/>
-            <a:r>
-              <a:rPr kumimoji="1" lang="zh-CN" altLang="en-US" dirty="0"/>
-              <a:t>主后某年某月某日</a:t>
-            </a:r>
-          </a:p>
-        </p:txBody>
-      </p:sp>
-      <p:sp>
-        <p:nvSpPr>
-          <p:cNvPr id="12" name="内容占位符 11">
-            <a:extLst>
-              <a:ext uri="{FF2B5EF4-FFF2-40B4-BE49-F238E27FC236}">
-                <a16:creationId xmlns:a16="http://schemas.microsoft.com/office/drawing/2014/main" id="{10A8557C-E165-8BC5-9B24-E98003963DB0}"/>
-              </a:ext>
-            </a:extLst>
-          </p:cNvPr>
-          <p:cNvSpPr>
-            <a:spLocks noGrp="1"/>
-          </p:cNvSpPr>
-          <p:nvPr>
-            <p:ph sz="quarter" idx="11" hasCustomPrompt="1"/>
-          </p:nvPr>
-        </p:nvSpPr>
-        <p:spPr>
-          <a:xfrm>
-            <a:off x="1440000" y="2840400"/>
-            <a:ext cx="5875200" cy="522000"/>
-          </a:xfrm>
-          <a:prstGeom prst="rect">
-            <a:avLst/>
-          </a:prstGeom>
-        </p:spPr>
-        <p:txBody>
-          <a:bodyPr wrap="square" anchor="ctr" anchorCtr="0">
-            <a:spAutoFit/>
-          </a:bodyPr>
-          <a:lstStyle>
-            <a:lvl1pPr marL="0" indent="0">
-              <a:buNone/>
-              <a:defRPr lang="zh-CN" altLang="en-US" b="1">
-                <a:solidFill>
-                  <a:schemeClr val="tx1">
-                    <a:lumMod val="75000"/>
-                    <a:lumOff val="25000"/>
-                  </a:schemeClr>
-                </a:solidFill>
-                <a:latin typeface="微软雅黑" panose="020B0503020204020204" pitchFamily="34" charset="-122"/>
-                <a:ea typeface="微软雅黑" panose="020B0503020204020204" pitchFamily="34" charset="-122"/>
-                <a:cs typeface="+mn-ea"/>
-              </a:defRPr>
-            </a:lvl1pPr>
-          </a:lstStyle>
-          <a:p>
-            <a:pPr lvl="0" algn="ctr" fontAlgn="auto">
-              <a:spcBef>
-                <a:spcPts val="0"/>
-              </a:spcBef>
-              <a:spcAft>
-                <a:spcPts val="0"/>
-              </a:spcAft>
-            </a:pPr>
-            <a:r>
-              <a:rPr lang="zh-CN" altLang="en-US"/>
-              <a:t>单击编辑教会名称</a:t>
-            </a:r>
-          </a:p>
-        </p:txBody>
-      </p:sp>
-    </p:spTree>
-  </p:cSld>
-  <p:clrMapOvr>
-    <a:masterClrMapping/>
-  </p:clrMapOvr>
-  <p:transition spd="med">
-    <p:fade/>
-  </p:transition>
-</p:sldLayout>
-</file>
-
-<file path=ppt/slideLayouts/slideLayout30.xml><?xml version="1.0" encoding="utf-8"?>
-<p:sldLayout xmlns:a="http://schemas.openxmlformats.org/drawingml/2006/main" xmlns:r="http://schemas.openxmlformats.org/officeDocument/2006/relationships" xmlns:p="http://schemas.openxmlformats.org/presentationml/2006/main" preserve="1" userDrawn="1">
-  <p:cSld name="固定模板-圣餐-开始">
+  <p:cSld name="圣餐-开始">
     <p:spTree>
       <p:nvGrpSpPr>
         <p:cNvPr id="1" name=""/>
@@ -10949,9 +12965,9 @@
 </p:sldLayout>
 </file>
 
-<file path=ppt/slideLayouts/slideLayout31.xml><?xml version="1.0" encoding="utf-8"?>
+<file path=ppt/slideLayouts/slideLayout33.xml><?xml version="1.0" encoding="utf-8"?>
 <p:sldLayout xmlns:a="http://schemas.openxmlformats.org/drawingml/2006/main" xmlns:r="http://schemas.openxmlformats.org/officeDocument/2006/relationships" xmlns:p="http://schemas.openxmlformats.org/presentationml/2006/main" preserve="1" userDrawn="1">
-  <p:cSld name="固定模板-圣餐-提醒">
+  <p:cSld name="圣餐-提醒">
     <p:spTree>
       <p:nvGrpSpPr>
         <p:cNvPr id="1" name=""/>
@@ -11483,7 +13499,7 @@
 </p:sldLayout>
 </file>
 
-<file path=ppt/slideLayouts/slideLayout32.xml><?xml version="1.0" encoding="utf-8"?>
+<file path=ppt/slideLayouts/slideLayout34.xml><?xml version="1.0" encoding="utf-8"?>
 <p:sldLayout xmlns:a="http://schemas.openxmlformats.org/drawingml/2006/main" xmlns:r="http://schemas.openxmlformats.org/officeDocument/2006/relationships" xmlns:p="http://schemas.openxmlformats.org/presentationml/2006/main" preserve="1" userDrawn="1">
   <p:cSld name="圣餐-名单">
     <p:spTree>
@@ -11809,9 +13825,9 @@
 </p:sldLayout>
 </file>
 
-<file path=ppt/slideLayouts/slideLayout33.xml><?xml version="1.0" encoding="utf-8"?>
+<file path=ppt/slideLayouts/slideLayout35.xml><?xml version="1.0" encoding="utf-8"?>
 <p:sldLayout xmlns:a="http://schemas.openxmlformats.org/drawingml/2006/main" xmlns:r="http://schemas.openxmlformats.org/officeDocument/2006/relationships" xmlns:p="http://schemas.openxmlformats.org/presentationml/2006/main" preserve="1" userDrawn="1">
-  <p:cSld name="固定模板-圣餐-小要理问答91问">
+  <p:cSld name="圣餐-小要理问答91问">
     <p:spTree>
       <p:nvGrpSpPr>
         <p:cNvPr id="1" name=""/>
@@ -12193,9 +14209,9 @@
 </p:sldLayout>
 </file>
 
-<file path=ppt/slideLayouts/slideLayout34.xml><?xml version="1.0" encoding="utf-8"?>
+<file path=ppt/slideLayouts/slideLayout36.xml><?xml version="1.0" encoding="utf-8"?>
 <p:sldLayout xmlns:a="http://schemas.openxmlformats.org/drawingml/2006/main" xmlns:r="http://schemas.openxmlformats.org/officeDocument/2006/relationships" xmlns:p="http://schemas.openxmlformats.org/presentationml/2006/main" preserve="1" userDrawn="1">
-  <p:cSld name="固定模板-圣餐-经文1">
+  <p:cSld name="圣餐-经文1">
     <p:spTree>
       <p:nvGrpSpPr>
         <p:cNvPr id="1" name=""/>
@@ -12562,9 +14578,9 @@
 </p:sldLayout>
 </file>
 
-<file path=ppt/slideLayouts/slideLayout35.xml><?xml version="1.0" encoding="utf-8"?>
+<file path=ppt/slideLayouts/slideLayout37.xml><?xml version="1.0" encoding="utf-8"?>
 <p:sldLayout xmlns:a="http://schemas.openxmlformats.org/drawingml/2006/main" xmlns:r="http://schemas.openxmlformats.org/officeDocument/2006/relationships" xmlns:p="http://schemas.openxmlformats.org/presentationml/2006/main" preserve="1" userDrawn="1">
-  <p:cSld name="固定模板-圣餐-经文2">
+  <p:cSld name="圣餐-经文2">
     <p:spTree>
       <p:nvGrpSpPr>
         <p:cNvPr id="1" name=""/>
@@ -12941,7 +14957,7 @@
 </p:sldLayout>
 </file>
 
-<file path=ppt/slideLayouts/slideLayout36.xml><?xml version="1.0" encoding="utf-8"?>
+<file path=ppt/slideLayouts/slideLayout38.xml><?xml version="1.0" encoding="utf-8"?>
 <p:sldLayout xmlns:a="http://schemas.openxmlformats.org/drawingml/2006/main" xmlns:r="http://schemas.openxmlformats.org/officeDocument/2006/relationships" xmlns:p="http://schemas.openxmlformats.org/presentationml/2006/main" preserve="1" userDrawn="1">
   <p:cSld name="圣餐-诗歌标题">
     <p:spTree>
@@ -13291,7 +15307,7 @@
 </p:sldLayout>
 </file>
 
-<file path=ppt/slideLayouts/slideLayout37.xml><?xml version="1.0" encoding="utf-8"?>
+<file path=ppt/slideLayouts/slideLayout39.xml><?xml version="1.0" encoding="utf-8"?>
 <p:sldLayout xmlns:a="http://schemas.openxmlformats.org/drawingml/2006/main" xmlns:r="http://schemas.openxmlformats.org/officeDocument/2006/relationships" xmlns:p="http://schemas.openxmlformats.org/presentationml/2006/main" preserve="1" userDrawn="1">
   <p:cSld name="圣餐-诗歌">
     <p:spTree>
@@ -13621,9 +15637,467 @@
 </p:sldLayout>
 </file>
 
-<file path=ppt/slideLayouts/slideLayout38.xml><?xml version="1.0" encoding="utf-8"?>
+<file path=ppt/slideLayouts/slideLayout4.xml><?xml version="1.0" encoding="utf-8"?>
 <p:sldLayout xmlns:a="http://schemas.openxmlformats.org/drawingml/2006/main" xmlns:r="http://schemas.openxmlformats.org/officeDocument/2006/relationships" xmlns:p="http://schemas.openxmlformats.org/presentationml/2006/main" preserve="1" userDrawn="1">
-  <p:cSld name="固定模板-圣餐-举饼祝谢">
+  <p:cSld name="诗歌清单">
+    <p:spTree>
+      <p:nvGrpSpPr>
+        <p:cNvPr id="1" name=""/>
+        <p:cNvGrpSpPr/>
+        <p:nvPr/>
+      </p:nvGrpSpPr>
+      <p:grpSpPr>
+        <a:xfrm>
+          <a:off x="0" y="0"/>
+          <a:ext cx="0" cy="0"/>
+          <a:chOff x="0" y="0"/>
+          <a:chExt cx="0" cy="0"/>
+        </a:xfrm>
+      </p:grpSpPr>
+      <p:pic>
+        <p:nvPicPr>
+          <p:cNvPr id="2" name="Picture 4" descr="http://pic.shenshi777.com/uploads/allimg/150707/1-150FH10Z1.jpg"/>
+          <p:cNvPicPr>
+            <a:picLocks noChangeAspect="1" noChangeArrowheads="1"/>
+          </p:cNvPicPr>
+          <p:nvPr userDrawn="1"/>
+        </p:nvPicPr>
+        <p:blipFill>
+          <a:blip r:embed="rId2" cstate="print"/>
+          <a:srcRect l="54259" r="17752" b="781"/>
+          <a:stretch>
+            <a:fillRect/>
+          </a:stretch>
+        </p:blipFill>
+        <p:spPr bwMode="auto">
+          <a:xfrm>
+            <a:off x="8747999" y="0"/>
+            <a:ext cx="3438525" cy="6858000"/>
+          </a:xfrm>
+          <a:prstGeom prst="rect">
+            <a:avLst/>
+          </a:prstGeom>
+          <a:noFill/>
+          <a:ln w="9525">
+            <a:noFill/>
+            <a:miter lim="800000"/>
+            <a:headEnd/>
+            <a:tailEnd/>
+          </a:ln>
+        </p:spPr>
+      </p:pic>
+      <p:grpSp>
+        <p:nvGrpSpPr>
+          <p:cNvPr id="3" name="组合 9"/>
+          <p:cNvGrpSpPr/>
+          <p:nvPr userDrawn="1"/>
+        </p:nvGrpSpPr>
+        <p:grpSpPr bwMode="auto">
+          <a:xfrm>
+            <a:off x="0" y="230188"/>
+            <a:ext cx="152400" cy="400050"/>
+            <a:chOff x="0" y="2891636"/>
+            <a:chExt cx="152400" cy="400050"/>
+          </a:xfrm>
+        </p:grpSpPr>
+        <p:sp>
+          <p:nvSpPr>
+            <p:cNvPr id="4" name="Rectangle 7"/>
+            <p:cNvSpPr/>
+            <p:nvPr/>
+          </p:nvSpPr>
+          <p:spPr>
+            <a:xfrm>
+              <a:off x="0" y="2891636"/>
+              <a:ext cx="152400" cy="400050"/>
+            </a:xfrm>
+            <a:prstGeom prst="rect">
+              <a:avLst/>
+            </a:prstGeom>
+            <a:solidFill>
+              <a:srgbClr val="C00000"/>
+            </a:solidFill>
+            <a:ln>
+              <a:noFill/>
+            </a:ln>
+          </p:spPr>
+          <p:style>
+            <a:lnRef idx="2">
+              <a:schemeClr val="accent1">
+                <a:shade val="50000"/>
+              </a:schemeClr>
+            </a:lnRef>
+            <a:fillRef idx="1">
+              <a:schemeClr val="accent1"/>
+            </a:fillRef>
+            <a:effectRef idx="0">
+              <a:schemeClr val="accent1"/>
+            </a:effectRef>
+            <a:fontRef idx="minor">
+              <a:schemeClr val="lt1"/>
+            </a:fontRef>
+          </p:style>
+          <p:txBody>
+            <a:bodyPr anchor="ctr"/>
+            <a:lstStyle/>
+            <a:p>
+              <a:pPr marL="0" marR="0" lvl="0" indent="0" algn="ctr" defTabSz="914400" rtl="0" eaLnBrk="1" fontAlgn="auto" latinLnBrk="0" hangingPunct="1">
+                <a:lnSpc>
+                  <a:spcPct val="100000"/>
+                </a:lnSpc>
+                <a:spcBef>
+                  <a:spcPts val="0"/>
+                </a:spcBef>
+                <a:spcAft>
+                  <a:spcPts val="0"/>
+                </a:spcAft>
+                <a:buClrTx/>
+                <a:buSzTx/>
+                <a:buFontTx/>
+                <a:buNone/>
+                <a:tabLst/>
+                <a:defRPr/>
+              </a:pPr>
+              <a:endParaRPr kumimoji="0" lang="en-US" sz="1800" b="0" i="0" u="none" strike="noStrike" kern="1200" cap="none" spc="0" normalizeH="0" baseline="0" noProof="0" dirty="0">
+                <a:ln>
+                  <a:noFill/>
+                </a:ln>
+                <a:solidFill>
+                  <a:prstClr val="white"/>
+                </a:solidFill>
+                <a:effectLst/>
+                <a:uLnTx/>
+                <a:uFillTx/>
+                <a:latin typeface="Calibri"/>
+                <a:ea typeface="+mn-ea"/>
+                <a:cs typeface="+mn-cs"/>
+              </a:endParaRPr>
+            </a:p>
+          </p:txBody>
+        </p:sp>
+        <p:cxnSp>
+          <p:nvCxnSpPr>
+            <p:cNvPr id="5" name="Straight Connector 15"/>
+            <p:cNvCxnSpPr/>
+            <p:nvPr/>
+          </p:nvCxnSpPr>
+          <p:spPr bwMode="auto">
+            <a:xfrm>
+              <a:off x="0" y="3074198"/>
+              <a:ext cx="101600" cy="0"/>
+            </a:xfrm>
+            <a:prstGeom prst="line">
+              <a:avLst/>
+            </a:prstGeom>
+            <a:ln w="19050">
+              <a:solidFill>
+                <a:schemeClr val="bg1"/>
+              </a:solidFill>
+            </a:ln>
+          </p:spPr>
+          <p:style>
+            <a:lnRef idx="1">
+              <a:schemeClr val="accent1"/>
+            </a:lnRef>
+            <a:fillRef idx="0">
+              <a:schemeClr val="accent1"/>
+            </a:fillRef>
+            <a:effectRef idx="0">
+              <a:schemeClr val="accent1"/>
+            </a:effectRef>
+            <a:fontRef idx="minor">
+              <a:schemeClr val="tx1"/>
+            </a:fontRef>
+          </p:style>
+        </p:cxnSp>
+        <p:cxnSp>
+          <p:nvCxnSpPr>
+            <p:cNvPr id="6" name="Straight Connector 16"/>
+            <p:cNvCxnSpPr/>
+            <p:nvPr/>
+          </p:nvCxnSpPr>
+          <p:spPr bwMode="auto">
+            <a:xfrm>
+              <a:off x="0" y="3120236"/>
+              <a:ext cx="101600" cy="0"/>
+            </a:xfrm>
+            <a:prstGeom prst="line">
+              <a:avLst/>
+            </a:prstGeom>
+            <a:ln w="19050">
+              <a:solidFill>
+                <a:schemeClr val="bg1"/>
+              </a:solidFill>
+            </a:ln>
+          </p:spPr>
+          <p:style>
+            <a:lnRef idx="1">
+              <a:schemeClr val="accent1"/>
+            </a:lnRef>
+            <a:fillRef idx="0">
+              <a:schemeClr val="accent1"/>
+            </a:fillRef>
+            <a:effectRef idx="0">
+              <a:schemeClr val="accent1"/>
+            </a:effectRef>
+            <a:fontRef idx="minor">
+              <a:schemeClr val="tx1"/>
+            </a:fontRef>
+          </p:style>
+        </p:cxnSp>
+      </p:grpSp>
+      <p:sp>
+        <p:nvSpPr>
+          <p:cNvPr id="10" name="标题 1">
+            <a:extLst>
+              <a:ext uri="{FF2B5EF4-FFF2-40B4-BE49-F238E27FC236}">
+                <a16:creationId xmlns:a16="http://schemas.microsoft.com/office/drawing/2014/main" id="{06ABABA2-079C-3EFB-CC62-EB01C14581E2}"/>
+              </a:ext>
+            </a:extLst>
+          </p:cNvPr>
+          <p:cNvSpPr txBox="1"/>
+          <p:nvPr userDrawn="1"/>
+        </p:nvSpPr>
+        <p:spPr bwMode="auto">
+          <a:xfrm>
+            <a:off x="0" y="0"/>
+            <a:ext cx="8748000" cy="942109"/>
+          </a:xfrm>
+          <a:prstGeom prst="rect">
+            <a:avLst/>
+          </a:prstGeom>
+          <a:noFill/>
+          <a:ln w="9525">
+            <a:noFill/>
+            <a:miter lim="800000"/>
+          </a:ln>
+        </p:spPr>
+        <p:txBody>
+          <a:bodyPr vert="horz" wrap="square" lIns="68400" tIns="34290" rIns="68580" bIns="34290" numCol="1" rtlCol="0" anchor="ctr" anchorCtr="0" compatLnSpc="1">
+            <a:normAutofit/>
+          </a:bodyPr>
+          <a:lstStyle>
+            <a:lvl1pPr algn="l" rtl="0" eaLnBrk="0" fontAlgn="base" hangingPunct="0">
+              <a:lnSpc>
+                <a:spcPct val="90000"/>
+              </a:lnSpc>
+              <a:spcBef>
+                <a:spcPct val="0"/>
+              </a:spcBef>
+              <a:spcAft>
+                <a:spcPct val="0"/>
+              </a:spcAft>
+              <a:defRPr sz="4400" kern="1200">
+                <a:solidFill>
+                  <a:schemeClr val="tx1"/>
+                </a:solidFill>
+                <a:latin typeface="+mj-lt"/>
+                <a:ea typeface="+mj-ea"/>
+                <a:cs typeface="+mj-cs"/>
+              </a:defRPr>
+            </a:lvl1pPr>
+            <a:lvl2pPr algn="l" rtl="0" eaLnBrk="0" fontAlgn="base" hangingPunct="0">
+              <a:lnSpc>
+                <a:spcPct val="90000"/>
+              </a:lnSpc>
+              <a:spcBef>
+                <a:spcPct val="0"/>
+              </a:spcBef>
+              <a:spcAft>
+                <a:spcPct val="0"/>
+              </a:spcAft>
+              <a:defRPr sz="4400">
+                <a:solidFill>
+                  <a:schemeClr val="tx1"/>
+                </a:solidFill>
+                <a:latin typeface="Calibri Light" panose="020F0302020204030204" pitchFamily="34" charset="0"/>
+                <a:ea typeface="宋体" panose="02010600030101010101" pitchFamily="2" charset="-122"/>
+              </a:defRPr>
+            </a:lvl2pPr>
+            <a:lvl3pPr algn="l" rtl="0" eaLnBrk="0" fontAlgn="base" hangingPunct="0">
+              <a:lnSpc>
+                <a:spcPct val="90000"/>
+              </a:lnSpc>
+              <a:spcBef>
+                <a:spcPct val="0"/>
+              </a:spcBef>
+              <a:spcAft>
+                <a:spcPct val="0"/>
+              </a:spcAft>
+              <a:defRPr sz="4400">
+                <a:solidFill>
+                  <a:schemeClr val="tx1"/>
+                </a:solidFill>
+                <a:latin typeface="Calibri Light" panose="020F0302020204030204" pitchFamily="34" charset="0"/>
+                <a:ea typeface="宋体" panose="02010600030101010101" pitchFamily="2" charset="-122"/>
+              </a:defRPr>
+            </a:lvl3pPr>
+            <a:lvl4pPr algn="l" rtl="0" eaLnBrk="0" fontAlgn="base" hangingPunct="0">
+              <a:lnSpc>
+                <a:spcPct val="90000"/>
+              </a:lnSpc>
+              <a:spcBef>
+                <a:spcPct val="0"/>
+              </a:spcBef>
+              <a:spcAft>
+                <a:spcPct val="0"/>
+              </a:spcAft>
+              <a:defRPr sz="4400">
+                <a:solidFill>
+                  <a:schemeClr val="tx1"/>
+                </a:solidFill>
+                <a:latin typeface="Calibri Light" panose="020F0302020204030204" pitchFamily="34" charset="0"/>
+                <a:ea typeface="宋体" panose="02010600030101010101" pitchFamily="2" charset="-122"/>
+              </a:defRPr>
+            </a:lvl4pPr>
+            <a:lvl5pPr algn="l" rtl="0" eaLnBrk="0" fontAlgn="base" hangingPunct="0">
+              <a:lnSpc>
+                <a:spcPct val="90000"/>
+              </a:lnSpc>
+              <a:spcBef>
+                <a:spcPct val="0"/>
+              </a:spcBef>
+              <a:spcAft>
+                <a:spcPct val="0"/>
+              </a:spcAft>
+              <a:defRPr sz="4400">
+                <a:solidFill>
+                  <a:schemeClr val="tx1"/>
+                </a:solidFill>
+                <a:latin typeface="Calibri Light" panose="020F0302020204030204" pitchFamily="34" charset="0"/>
+                <a:ea typeface="宋体" panose="02010600030101010101" pitchFamily="2" charset="-122"/>
+              </a:defRPr>
+            </a:lvl5pPr>
+            <a:lvl6pPr marL="457200" algn="l" rtl="0" fontAlgn="base">
+              <a:lnSpc>
+                <a:spcPct val="90000"/>
+              </a:lnSpc>
+              <a:spcBef>
+                <a:spcPct val="0"/>
+              </a:spcBef>
+              <a:spcAft>
+                <a:spcPct val="0"/>
+              </a:spcAft>
+              <a:defRPr sz="4400">
+                <a:solidFill>
+                  <a:schemeClr val="tx1"/>
+                </a:solidFill>
+                <a:latin typeface="Calibri Light" panose="020F0302020204030204" pitchFamily="34" charset="0"/>
+                <a:ea typeface="宋体" panose="02010600030101010101" pitchFamily="2" charset="-122"/>
+              </a:defRPr>
+            </a:lvl6pPr>
+            <a:lvl7pPr marL="914400" algn="l" rtl="0" fontAlgn="base">
+              <a:lnSpc>
+                <a:spcPct val="90000"/>
+              </a:lnSpc>
+              <a:spcBef>
+                <a:spcPct val="0"/>
+              </a:spcBef>
+              <a:spcAft>
+                <a:spcPct val="0"/>
+              </a:spcAft>
+              <a:defRPr sz="4400">
+                <a:solidFill>
+                  <a:schemeClr val="tx1"/>
+                </a:solidFill>
+                <a:latin typeface="Calibri Light" panose="020F0302020204030204" pitchFamily="34" charset="0"/>
+                <a:ea typeface="宋体" panose="02010600030101010101" pitchFamily="2" charset="-122"/>
+              </a:defRPr>
+            </a:lvl7pPr>
+            <a:lvl8pPr marL="1371600" algn="l" rtl="0" fontAlgn="base">
+              <a:lnSpc>
+                <a:spcPct val="90000"/>
+              </a:lnSpc>
+              <a:spcBef>
+                <a:spcPct val="0"/>
+              </a:spcBef>
+              <a:spcAft>
+                <a:spcPct val="0"/>
+              </a:spcAft>
+              <a:defRPr sz="4400">
+                <a:solidFill>
+                  <a:schemeClr val="tx1"/>
+                </a:solidFill>
+                <a:latin typeface="Calibri Light" panose="020F0302020204030204" pitchFamily="34" charset="0"/>
+                <a:ea typeface="宋体" panose="02010600030101010101" pitchFamily="2" charset="-122"/>
+              </a:defRPr>
+            </a:lvl8pPr>
+            <a:lvl9pPr marL="1828800" algn="l" rtl="0" fontAlgn="base">
+              <a:lnSpc>
+                <a:spcPct val="90000"/>
+              </a:lnSpc>
+              <a:spcBef>
+                <a:spcPct val="0"/>
+              </a:spcBef>
+              <a:spcAft>
+                <a:spcPct val="0"/>
+              </a:spcAft>
+              <a:defRPr sz="4400">
+                <a:solidFill>
+                  <a:schemeClr val="tx1"/>
+                </a:solidFill>
+                <a:latin typeface="Calibri Light" panose="020F0302020204030204" pitchFamily="34" charset="0"/>
+                <a:ea typeface="宋体" panose="02010600030101010101" pitchFamily="2" charset="-122"/>
+              </a:defRPr>
+            </a:lvl9pPr>
+          </a:lstStyle>
+          <a:p>
+            <a:pPr marL="0" marR="0" lvl="0" indent="0" algn="ctr" defTabSz="914400" rtl="0" eaLnBrk="1" fontAlgn="auto" latinLnBrk="0" hangingPunct="1">
+              <a:lnSpc>
+                <a:spcPct val="100000"/>
+              </a:lnSpc>
+              <a:spcBef>
+                <a:spcPct val="0"/>
+              </a:spcBef>
+              <a:spcAft>
+                <a:spcPts val="0"/>
+              </a:spcAft>
+              <a:buClrTx/>
+              <a:buSzTx/>
+              <a:buFontTx/>
+              <a:buNone/>
+              <a:tabLst/>
+              <a:defRPr/>
+            </a:pPr>
+            <a:r>
+              <a:rPr kumimoji="0" lang="zh-CN" altLang="en-US" sz="4000" b="1" i="0" u="none" strike="noStrike" kern="1200" cap="none" spc="0" normalizeH="0" baseline="0" noProof="0" dirty="0">
+                <a:ln>
+                  <a:noFill/>
+                </a:ln>
+                <a:solidFill>
+                  <a:prstClr val="black"/>
+                </a:solidFill>
+                <a:effectLst/>
+                <a:uLnTx/>
+                <a:uFillTx/>
+                <a:latin typeface="微软雅黑" panose="020B0503020204020204" pitchFamily="34" charset="-122"/>
+                <a:ea typeface="微软雅黑" panose="020B0503020204020204" pitchFamily="34" charset="-122"/>
+                <a:cs typeface="+mj-cs"/>
+              </a:rPr>
+              <a:t> 以诗歌颂扬敬拜神</a:t>
+            </a:r>
+          </a:p>
+        </p:txBody>
+      </p:sp>
+    </p:spTree>
+    <p:extLst>
+      <p:ext uri="{BB962C8B-B14F-4D97-AF65-F5344CB8AC3E}">
+        <p14:creationId xmlns:p14="http://schemas.microsoft.com/office/powerpoint/2010/main" val="1370861625"/>
+      </p:ext>
+    </p:extLst>
+  </p:cSld>
+  <p:clrMapOvr>
+    <a:masterClrMapping/>
+  </p:clrMapOvr>
+  <p:transition spd="med">
+    <p:fade/>
+  </p:transition>
+</p:sldLayout>
+</file>
+
+<file path=ppt/slideLayouts/slideLayout40.xml><?xml version="1.0" encoding="utf-8"?>
+<p:sldLayout xmlns:a="http://schemas.openxmlformats.org/drawingml/2006/main" xmlns:r="http://schemas.openxmlformats.org/officeDocument/2006/relationships" xmlns:p="http://schemas.openxmlformats.org/presentationml/2006/main" preserve="1" userDrawn="1">
+  <p:cSld name="圣餐-举饼祝谢">
     <p:spTree>
       <p:nvGrpSpPr>
         <p:cNvPr id="1" name=""/>
@@ -13951,9 +16425,9 @@
 </p:sldLayout>
 </file>
 
-<file path=ppt/slideLayouts/slideLayout39.xml><?xml version="1.0" encoding="utf-8"?>
+<file path=ppt/slideLayouts/slideLayout41.xml><?xml version="1.0" encoding="utf-8"?>
 <p:sldLayout xmlns:a="http://schemas.openxmlformats.org/drawingml/2006/main" xmlns:r="http://schemas.openxmlformats.org/officeDocument/2006/relationships" xmlns:p="http://schemas.openxmlformats.org/presentationml/2006/main" preserve="1" userDrawn="1">
-  <p:cSld name="固定模板-圣餐-自我省察">
+  <p:cSld name="圣餐-自我省察">
     <p:spTree>
       <p:nvGrpSpPr>
         <p:cNvPr id="1" name=""/>
@@ -14513,423 +16987,9 @@
 </p:sldLayout>
 </file>
 
-<file path=ppt/slideLayouts/slideLayout4.xml><?xml version="1.0" encoding="utf-8"?>
+<file path=ppt/slideLayouts/slideLayout42.xml><?xml version="1.0" encoding="utf-8"?>
 <p:sldLayout xmlns:a="http://schemas.openxmlformats.org/drawingml/2006/main" xmlns:r="http://schemas.openxmlformats.org/officeDocument/2006/relationships" xmlns:p="http://schemas.openxmlformats.org/presentationml/2006/main" preserve="1" userDrawn="1">
-  <p:cSld name="诗歌清单">
-    <p:spTree>
-      <p:nvGrpSpPr>
-        <p:cNvPr id="1" name=""/>
-        <p:cNvGrpSpPr/>
-        <p:nvPr/>
-      </p:nvGrpSpPr>
-      <p:grpSpPr>
-        <a:xfrm>
-          <a:off x="0" y="0"/>
-          <a:ext cx="0" cy="0"/>
-          <a:chOff x="0" y="0"/>
-          <a:chExt cx="0" cy="0"/>
-        </a:xfrm>
-      </p:grpSpPr>
-      <p:pic>
-        <p:nvPicPr>
-          <p:cNvPr id="2" name="Picture 4" descr="http://pic.shenshi777.com/uploads/allimg/150707/1-150FH10Z1.jpg"/>
-          <p:cNvPicPr>
-            <a:picLocks noChangeAspect="1" noChangeArrowheads="1"/>
-          </p:cNvPicPr>
-          <p:nvPr userDrawn="1"/>
-        </p:nvPicPr>
-        <p:blipFill>
-          <a:blip r:embed="rId2" cstate="print"/>
-          <a:srcRect l="54259" r="17752" b="781"/>
-          <a:stretch>
-            <a:fillRect/>
-          </a:stretch>
-        </p:blipFill>
-        <p:spPr bwMode="auto">
-          <a:xfrm>
-            <a:off x="8747999" y="0"/>
-            <a:ext cx="3438525" cy="6858000"/>
-          </a:xfrm>
-          <a:prstGeom prst="rect">
-            <a:avLst/>
-          </a:prstGeom>
-          <a:noFill/>
-          <a:ln w="9525">
-            <a:noFill/>
-            <a:miter lim="800000"/>
-            <a:headEnd/>
-            <a:tailEnd/>
-          </a:ln>
-        </p:spPr>
-      </p:pic>
-      <p:grpSp>
-        <p:nvGrpSpPr>
-          <p:cNvPr id="3" name="组合 9"/>
-          <p:cNvGrpSpPr/>
-          <p:nvPr userDrawn="1"/>
-        </p:nvGrpSpPr>
-        <p:grpSpPr bwMode="auto">
-          <a:xfrm>
-            <a:off x="0" y="230188"/>
-            <a:ext cx="152400" cy="400050"/>
-            <a:chOff x="0" y="2891636"/>
-            <a:chExt cx="152400" cy="400050"/>
-          </a:xfrm>
-        </p:grpSpPr>
-        <p:sp>
-          <p:nvSpPr>
-            <p:cNvPr id="4" name="Rectangle 7"/>
-            <p:cNvSpPr/>
-            <p:nvPr/>
-          </p:nvSpPr>
-          <p:spPr>
-            <a:xfrm>
-              <a:off x="0" y="2891636"/>
-              <a:ext cx="152400" cy="400050"/>
-            </a:xfrm>
-            <a:prstGeom prst="rect">
-              <a:avLst/>
-            </a:prstGeom>
-            <a:solidFill>
-              <a:srgbClr val="C00000"/>
-            </a:solidFill>
-            <a:ln>
-              <a:noFill/>
-            </a:ln>
-          </p:spPr>
-          <p:style>
-            <a:lnRef idx="2">
-              <a:schemeClr val="accent1">
-                <a:shade val="50000"/>
-              </a:schemeClr>
-            </a:lnRef>
-            <a:fillRef idx="1">
-              <a:schemeClr val="accent1"/>
-            </a:fillRef>
-            <a:effectRef idx="0">
-              <a:schemeClr val="accent1"/>
-            </a:effectRef>
-            <a:fontRef idx="minor">
-              <a:schemeClr val="lt1"/>
-            </a:fontRef>
-          </p:style>
-          <p:txBody>
-            <a:bodyPr anchor="ctr"/>
-            <a:lstStyle/>
-            <a:p>
-              <a:pPr algn="ctr" fontAlgn="auto">
-                <a:spcBef>
-                  <a:spcPts val="0"/>
-                </a:spcBef>
-                <a:spcAft>
-                  <a:spcPts val="0"/>
-                </a:spcAft>
-                <a:defRPr/>
-              </a:pPr>
-              <a:endParaRPr lang="en-US" dirty="0"/>
-            </a:p>
-          </p:txBody>
-        </p:sp>
-        <p:cxnSp>
-          <p:nvCxnSpPr>
-            <p:cNvPr id="5" name="Straight Connector 15"/>
-            <p:cNvCxnSpPr/>
-            <p:nvPr/>
-          </p:nvCxnSpPr>
-          <p:spPr bwMode="auto">
-            <a:xfrm>
-              <a:off x="0" y="3074198"/>
-              <a:ext cx="101600" cy="0"/>
-            </a:xfrm>
-            <a:prstGeom prst="line">
-              <a:avLst/>
-            </a:prstGeom>
-            <a:ln w="19050">
-              <a:solidFill>
-                <a:schemeClr val="bg1"/>
-              </a:solidFill>
-            </a:ln>
-          </p:spPr>
-          <p:style>
-            <a:lnRef idx="1">
-              <a:schemeClr val="accent1"/>
-            </a:lnRef>
-            <a:fillRef idx="0">
-              <a:schemeClr val="accent1"/>
-            </a:fillRef>
-            <a:effectRef idx="0">
-              <a:schemeClr val="accent1"/>
-            </a:effectRef>
-            <a:fontRef idx="minor">
-              <a:schemeClr val="tx1"/>
-            </a:fontRef>
-          </p:style>
-        </p:cxnSp>
-        <p:cxnSp>
-          <p:nvCxnSpPr>
-            <p:cNvPr id="6" name="Straight Connector 16"/>
-            <p:cNvCxnSpPr/>
-            <p:nvPr/>
-          </p:nvCxnSpPr>
-          <p:spPr bwMode="auto">
-            <a:xfrm>
-              <a:off x="0" y="3120236"/>
-              <a:ext cx="101600" cy="0"/>
-            </a:xfrm>
-            <a:prstGeom prst="line">
-              <a:avLst/>
-            </a:prstGeom>
-            <a:ln w="19050">
-              <a:solidFill>
-                <a:schemeClr val="bg1"/>
-              </a:solidFill>
-            </a:ln>
-          </p:spPr>
-          <p:style>
-            <a:lnRef idx="1">
-              <a:schemeClr val="accent1"/>
-            </a:lnRef>
-            <a:fillRef idx="0">
-              <a:schemeClr val="accent1"/>
-            </a:fillRef>
-            <a:effectRef idx="0">
-              <a:schemeClr val="accent1"/>
-            </a:effectRef>
-            <a:fontRef idx="minor">
-              <a:schemeClr val="tx1"/>
-            </a:fontRef>
-          </p:style>
-        </p:cxnSp>
-      </p:grpSp>
-      <p:sp>
-        <p:nvSpPr>
-          <p:cNvPr id="10" name="标题 1">
-            <a:extLst>
-              <a:ext uri="{FF2B5EF4-FFF2-40B4-BE49-F238E27FC236}">
-                <a16:creationId xmlns:a16="http://schemas.microsoft.com/office/drawing/2014/main" id="{06ABABA2-079C-3EFB-CC62-EB01C14581E2}"/>
-              </a:ext>
-            </a:extLst>
-          </p:cNvPr>
-          <p:cNvSpPr txBox="1"/>
-          <p:nvPr userDrawn="1"/>
-        </p:nvSpPr>
-        <p:spPr bwMode="auto">
-          <a:xfrm>
-            <a:off x="0" y="0"/>
-            <a:ext cx="8748000" cy="942109"/>
-          </a:xfrm>
-          <a:prstGeom prst="rect">
-            <a:avLst/>
-          </a:prstGeom>
-          <a:noFill/>
-          <a:ln w="9525">
-            <a:noFill/>
-            <a:miter lim="800000"/>
-          </a:ln>
-        </p:spPr>
-        <p:txBody>
-          <a:bodyPr vert="horz" wrap="square" lIns="68400" tIns="34290" rIns="68580" bIns="34290" numCol="1" rtlCol="0" anchor="ctr" anchorCtr="0" compatLnSpc="1">
-            <a:normAutofit/>
-          </a:bodyPr>
-          <a:lstStyle>
-            <a:lvl1pPr algn="l" rtl="0" eaLnBrk="0" fontAlgn="base" hangingPunct="0">
-              <a:lnSpc>
-                <a:spcPct val="90000"/>
-              </a:lnSpc>
-              <a:spcBef>
-                <a:spcPct val="0"/>
-              </a:spcBef>
-              <a:spcAft>
-                <a:spcPct val="0"/>
-              </a:spcAft>
-              <a:defRPr sz="4400" kern="1200">
-                <a:solidFill>
-                  <a:schemeClr val="tx1"/>
-                </a:solidFill>
-                <a:latin typeface="+mj-lt"/>
-                <a:ea typeface="+mj-ea"/>
-                <a:cs typeface="+mj-cs"/>
-              </a:defRPr>
-            </a:lvl1pPr>
-            <a:lvl2pPr algn="l" rtl="0" eaLnBrk="0" fontAlgn="base" hangingPunct="0">
-              <a:lnSpc>
-                <a:spcPct val="90000"/>
-              </a:lnSpc>
-              <a:spcBef>
-                <a:spcPct val="0"/>
-              </a:spcBef>
-              <a:spcAft>
-                <a:spcPct val="0"/>
-              </a:spcAft>
-              <a:defRPr sz="4400">
-                <a:solidFill>
-                  <a:schemeClr val="tx1"/>
-                </a:solidFill>
-                <a:latin typeface="Calibri Light" panose="020F0302020204030204" pitchFamily="34" charset="0"/>
-                <a:ea typeface="宋体" panose="02010600030101010101" pitchFamily="2" charset="-122"/>
-              </a:defRPr>
-            </a:lvl2pPr>
-            <a:lvl3pPr algn="l" rtl="0" eaLnBrk="0" fontAlgn="base" hangingPunct="0">
-              <a:lnSpc>
-                <a:spcPct val="90000"/>
-              </a:lnSpc>
-              <a:spcBef>
-                <a:spcPct val="0"/>
-              </a:spcBef>
-              <a:spcAft>
-                <a:spcPct val="0"/>
-              </a:spcAft>
-              <a:defRPr sz="4400">
-                <a:solidFill>
-                  <a:schemeClr val="tx1"/>
-                </a:solidFill>
-                <a:latin typeface="Calibri Light" panose="020F0302020204030204" pitchFamily="34" charset="0"/>
-                <a:ea typeface="宋体" panose="02010600030101010101" pitchFamily="2" charset="-122"/>
-              </a:defRPr>
-            </a:lvl3pPr>
-            <a:lvl4pPr algn="l" rtl="0" eaLnBrk="0" fontAlgn="base" hangingPunct="0">
-              <a:lnSpc>
-                <a:spcPct val="90000"/>
-              </a:lnSpc>
-              <a:spcBef>
-                <a:spcPct val="0"/>
-              </a:spcBef>
-              <a:spcAft>
-                <a:spcPct val="0"/>
-              </a:spcAft>
-              <a:defRPr sz="4400">
-                <a:solidFill>
-                  <a:schemeClr val="tx1"/>
-                </a:solidFill>
-                <a:latin typeface="Calibri Light" panose="020F0302020204030204" pitchFamily="34" charset="0"/>
-                <a:ea typeface="宋体" panose="02010600030101010101" pitchFamily="2" charset="-122"/>
-              </a:defRPr>
-            </a:lvl4pPr>
-            <a:lvl5pPr algn="l" rtl="0" eaLnBrk="0" fontAlgn="base" hangingPunct="0">
-              <a:lnSpc>
-                <a:spcPct val="90000"/>
-              </a:lnSpc>
-              <a:spcBef>
-                <a:spcPct val="0"/>
-              </a:spcBef>
-              <a:spcAft>
-                <a:spcPct val="0"/>
-              </a:spcAft>
-              <a:defRPr sz="4400">
-                <a:solidFill>
-                  <a:schemeClr val="tx1"/>
-                </a:solidFill>
-                <a:latin typeface="Calibri Light" panose="020F0302020204030204" pitchFamily="34" charset="0"/>
-                <a:ea typeface="宋体" panose="02010600030101010101" pitchFamily="2" charset="-122"/>
-              </a:defRPr>
-            </a:lvl5pPr>
-            <a:lvl6pPr marL="457200" algn="l" rtl="0" fontAlgn="base">
-              <a:lnSpc>
-                <a:spcPct val="90000"/>
-              </a:lnSpc>
-              <a:spcBef>
-                <a:spcPct val="0"/>
-              </a:spcBef>
-              <a:spcAft>
-                <a:spcPct val="0"/>
-              </a:spcAft>
-              <a:defRPr sz="4400">
-                <a:solidFill>
-                  <a:schemeClr val="tx1"/>
-                </a:solidFill>
-                <a:latin typeface="Calibri Light" panose="020F0302020204030204" pitchFamily="34" charset="0"/>
-                <a:ea typeface="宋体" panose="02010600030101010101" pitchFamily="2" charset="-122"/>
-              </a:defRPr>
-            </a:lvl6pPr>
-            <a:lvl7pPr marL="914400" algn="l" rtl="0" fontAlgn="base">
-              <a:lnSpc>
-                <a:spcPct val="90000"/>
-              </a:lnSpc>
-              <a:spcBef>
-                <a:spcPct val="0"/>
-              </a:spcBef>
-              <a:spcAft>
-                <a:spcPct val="0"/>
-              </a:spcAft>
-              <a:defRPr sz="4400">
-                <a:solidFill>
-                  <a:schemeClr val="tx1"/>
-                </a:solidFill>
-                <a:latin typeface="Calibri Light" panose="020F0302020204030204" pitchFamily="34" charset="0"/>
-                <a:ea typeface="宋体" panose="02010600030101010101" pitchFamily="2" charset="-122"/>
-              </a:defRPr>
-            </a:lvl7pPr>
-            <a:lvl8pPr marL="1371600" algn="l" rtl="0" fontAlgn="base">
-              <a:lnSpc>
-                <a:spcPct val="90000"/>
-              </a:lnSpc>
-              <a:spcBef>
-                <a:spcPct val="0"/>
-              </a:spcBef>
-              <a:spcAft>
-                <a:spcPct val="0"/>
-              </a:spcAft>
-              <a:defRPr sz="4400">
-                <a:solidFill>
-                  <a:schemeClr val="tx1"/>
-                </a:solidFill>
-                <a:latin typeface="Calibri Light" panose="020F0302020204030204" pitchFamily="34" charset="0"/>
-                <a:ea typeface="宋体" panose="02010600030101010101" pitchFamily="2" charset="-122"/>
-              </a:defRPr>
-            </a:lvl8pPr>
-            <a:lvl9pPr marL="1828800" algn="l" rtl="0" fontAlgn="base">
-              <a:lnSpc>
-                <a:spcPct val="90000"/>
-              </a:lnSpc>
-              <a:spcBef>
-                <a:spcPct val="0"/>
-              </a:spcBef>
-              <a:spcAft>
-                <a:spcPct val="0"/>
-              </a:spcAft>
-              <a:defRPr sz="4400">
-                <a:solidFill>
-                  <a:schemeClr val="tx1"/>
-                </a:solidFill>
-                <a:latin typeface="Calibri Light" panose="020F0302020204030204" pitchFamily="34" charset="0"/>
-                <a:ea typeface="宋体" panose="02010600030101010101" pitchFamily="2" charset="-122"/>
-              </a:defRPr>
-            </a:lvl9pPr>
-          </a:lstStyle>
-          <a:p>
-            <a:pPr algn="ctr" eaLnBrk="1" fontAlgn="auto" hangingPunct="1">
-              <a:lnSpc>
-                <a:spcPct val="100000"/>
-              </a:lnSpc>
-              <a:spcAft>
-                <a:spcPts val="0"/>
-              </a:spcAft>
-              <a:defRPr/>
-            </a:pPr>
-            <a:r>
-              <a:rPr lang="zh-CN" altLang="en-US" sz="4000" b="1" dirty="0">
-                <a:latin typeface="微软雅黑" panose="020B0503020204020204" pitchFamily="34" charset="-122"/>
-                <a:ea typeface="微软雅黑" panose="020B0503020204020204" pitchFamily="34" charset="-122"/>
-              </a:rPr>
-              <a:t> 以诗歌颂扬敬拜神</a:t>
-            </a:r>
-          </a:p>
-        </p:txBody>
-      </p:sp>
-    </p:spTree>
-  </p:cSld>
-  <p:clrMapOvr>
-    <a:masterClrMapping/>
-  </p:clrMapOvr>
-  <p:transition spd="med">
-    <p:fade/>
-  </p:transition>
-</p:sldLayout>
-</file>
-
-<file path=ppt/slideLayouts/slideLayout40.xml><?xml version="1.0" encoding="utf-8"?>
-<p:sldLayout xmlns:a="http://schemas.openxmlformats.org/drawingml/2006/main" xmlns:r="http://schemas.openxmlformats.org/officeDocument/2006/relationships" xmlns:p="http://schemas.openxmlformats.org/presentationml/2006/main" preserve="1" userDrawn="1">
-  <p:cSld name="固定模板-圣餐-同领饼和杯">
+  <p:cSld name="圣餐-同领饼和杯">
     <p:spTree>
       <p:nvGrpSpPr>
         <p:cNvPr id="1" name=""/>
@@ -15241,9 +17301,9 @@
 </p:sldLayout>
 </file>
 
-<file path=ppt/slideLayouts/slideLayout41.xml><?xml version="1.0" encoding="utf-8"?>
+<file path=ppt/slideLayouts/slideLayout43.xml><?xml version="1.0" encoding="utf-8"?>
 <p:sldLayout xmlns:a="http://schemas.openxmlformats.org/drawingml/2006/main" xmlns:r="http://schemas.openxmlformats.org/officeDocument/2006/relationships" xmlns:p="http://schemas.openxmlformats.org/presentationml/2006/main" preserve="1" userDrawn="1">
-  <p:cSld name="固定模板-圣餐-祷告">
+  <p:cSld name="圣餐-祷告">
     <p:spTree>
       <p:nvGrpSpPr>
         <p:cNvPr id="1" name=""/>
@@ -15677,16 +17737,37 @@
             <a:bodyPr anchor="ctr"/>
             <a:lstStyle/>
             <a:p>
-              <a:pPr algn="ctr" fontAlgn="auto">
+              <a:pPr marL="0" marR="0" lvl="0" indent="0" algn="ctr" defTabSz="914400" rtl="0" eaLnBrk="1" fontAlgn="auto" latinLnBrk="0" hangingPunct="1">
+                <a:lnSpc>
+                  <a:spcPct val="100000"/>
+                </a:lnSpc>
                 <a:spcBef>
                   <a:spcPts val="0"/>
                 </a:spcBef>
                 <a:spcAft>
                   <a:spcPts val="0"/>
                 </a:spcAft>
+                <a:buClrTx/>
+                <a:buSzTx/>
+                <a:buFontTx/>
+                <a:buNone/>
+                <a:tabLst/>
                 <a:defRPr/>
               </a:pPr>
-              <a:endParaRPr lang="en-US" dirty="0"/>
+              <a:endParaRPr kumimoji="0" lang="en-US" sz="1800" b="0" i="0" u="none" strike="noStrike" kern="1200" cap="none" spc="0" normalizeH="0" baseline="0" noProof="0" dirty="0">
+                <a:ln>
+                  <a:noFill/>
+                </a:ln>
+                <a:solidFill>
+                  <a:prstClr val="white"/>
+                </a:solidFill>
+                <a:effectLst/>
+                <a:uLnTx/>
+                <a:uFillTx/>
+                <a:latin typeface="Calibri"/>
+                <a:ea typeface="+mn-ea"/>
+                <a:cs typeface="+mn-cs"/>
+              </a:endParaRPr>
             </a:p>
           </p:txBody>
         </p:sp>
@@ -15878,7 +17959,7 @@
     </p:spTree>
     <p:extLst>
       <p:ext uri="{BB962C8B-B14F-4D97-AF65-F5344CB8AC3E}">
-        <p14:creationId xmlns:p14="http://schemas.microsoft.com/office/powerpoint/2010/main" val="1480045380"/>
+        <p14:creationId xmlns:p14="http://schemas.microsoft.com/office/powerpoint/2010/main" val="1087529270"/>
       </p:ext>
     </p:extLst>
   </p:cSld>
@@ -16013,16 +18094,37 @@
             <a:bodyPr anchor="ctr"/>
             <a:lstStyle/>
             <a:p>
-              <a:pPr algn="ctr" fontAlgn="auto">
+              <a:pPr marL="0" marR="0" lvl="0" indent="0" algn="ctr" defTabSz="914400" rtl="0" eaLnBrk="1" fontAlgn="auto" latinLnBrk="0" hangingPunct="1">
+                <a:lnSpc>
+                  <a:spcPct val="100000"/>
+                </a:lnSpc>
                 <a:spcBef>
                   <a:spcPts val="0"/>
                 </a:spcBef>
                 <a:spcAft>
                   <a:spcPts val="0"/>
                 </a:spcAft>
+                <a:buClrTx/>
+                <a:buSzTx/>
+                <a:buFontTx/>
+                <a:buNone/>
+                <a:tabLst/>
                 <a:defRPr/>
               </a:pPr>
-              <a:endParaRPr lang="en-US" dirty="0"/>
+              <a:endParaRPr kumimoji="0" lang="en-US" sz="1800" b="0" i="0" u="none" strike="noStrike" kern="1200" cap="none" spc="0" normalizeH="0" baseline="0" noProof="0" dirty="0">
+                <a:ln>
+                  <a:noFill/>
+                </a:ln>
+                <a:solidFill>
+                  <a:prstClr val="white"/>
+                </a:solidFill>
+                <a:effectLst/>
+                <a:uLnTx/>
+                <a:uFillTx/>
+                <a:latin typeface="Calibri"/>
+                <a:ea typeface="+mn-ea"/>
+                <a:cs typeface="+mn-cs"/>
+              </a:endParaRPr>
             </a:p>
           </p:txBody>
         </p:sp>
@@ -16165,7 +18267,7 @@
     </p:spTree>
     <p:extLst>
       <p:ext uri="{BB962C8B-B14F-4D97-AF65-F5344CB8AC3E}">
-        <p14:creationId xmlns:p14="http://schemas.microsoft.com/office/powerpoint/2010/main" val="1191031527"/>
+        <p14:creationId xmlns:p14="http://schemas.microsoft.com/office/powerpoint/2010/main" val="2991728686"/>
       </p:ext>
     </p:extLst>
   </p:cSld>
@@ -16180,7 +18282,7 @@
 
 <file path=ppt/slideLayouts/slideLayout7.xml><?xml version="1.0" encoding="utf-8"?>
 <p:sldLayout xmlns:a="http://schemas.openxmlformats.org/drawingml/2006/main" xmlns:r="http://schemas.openxmlformats.org/officeDocument/2006/relationships" xmlns:p="http://schemas.openxmlformats.org/presentationml/2006/main" preserve="1" userDrawn="1">
-  <p:cSld name="固定模板-敬拜提示">
+  <p:cSld name="敬拜提示">
     <p:spTree>
       <p:nvGrpSpPr>
         <p:cNvPr id="1" name=""/>
@@ -16267,24 +18369,54 @@
           </a:bodyPr>
           <a:lstStyle/>
           <a:p>
-            <a:pPr algn="l"/>
+            <a:pPr marL="0" marR="0" lvl="0" indent="0" algn="l" defTabSz="914400" rtl="0" eaLnBrk="1" fontAlgn="base" latinLnBrk="0" hangingPunct="1">
+              <a:lnSpc>
+                <a:spcPct val="100000"/>
+              </a:lnSpc>
+              <a:spcBef>
+                <a:spcPct val="0"/>
+              </a:spcBef>
+              <a:spcAft>
+                <a:spcPct val="0"/>
+              </a:spcAft>
+              <a:buClrTx/>
+              <a:buSzTx/>
+              <a:buFontTx/>
+              <a:buNone/>
+              <a:tabLst/>
+              <a:defRPr/>
+            </a:pPr>
             <a:r>
-              <a:rPr lang="zh-CN" altLang="en-US" sz="4000" b="1" dirty="0">
+              <a:rPr kumimoji="0" lang="zh-CN" altLang="en-US" sz="4000" b="1" i="0" u="none" strike="noStrike" kern="1200" cap="none" spc="0" normalizeH="0" baseline="0" noProof="0" dirty="0">
+                <a:ln>
+                  <a:noFill/>
+                </a:ln>
                 <a:solidFill>
                   <a:srgbClr val="0000FF"/>
                 </a:solidFill>
+                <a:effectLst/>
+                <a:uLnTx/>
+                <a:uFillTx/>
                 <a:latin typeface="Times New Roman" panose="02020503050405090304" pitchFamily="18" charset="0"/>
                 <a:ea typeface="汉仪中黑简" panose="02010609000101010101" charset="-122"/>
+                <a:cs typeface="+mn-cs"/>
                 <a:sym typeface="+mn-ea"/>
               </a:rPr>
               <a:t>温馨提示：</a:t>
             </a:r>
-            <a:endParaRPr kumimoji="1" lang="zh-CN" altLang="en-US" sz="4000" b="1" dirty="0">
+            <a:endParaRPr kumimoji="1" lang="zh-CN" altLang="en-US" sz="4000" b="1" i="0" u="none" strike="noStrike" kern="1200" cap="none" spc="0" normalizeH="0" baseline="0" noProof="0" dirty="0">
+              <a:ln>
+                <a:noFill/>
+              </a:ln>
               <a:solidFill>
                 <a:srgbClr val="0000FF"/>
               </a:solidFill>
+              <a:effectLst/>
+              <a:uLnTx/>
+              <a:uFillTx/>
               <a:latin typeface="Times New Roman" panose="02020503050405090304" pitchFamily="18" charset="0"/>
               <a:ea typeface="汉仪中黑简" panose="02010609000101010101" charset="-122"/>
+              <a:cs typeface="+mn-cs"/>
               <a:sym typeface="+mn-ea"/>
             </a:endParaRPr>
           </a:p>
@@ -16357,16 +18489,37 @@
             <a:bodyPr anchor="ctr"/>
             <a:lstStyle/>
             <a:p>
-              <a:pPr algn="ctr" fontAlgn="auto">
+              <a:pPr marL="0" marR="0" lvl="0" indent="0" algn="ctr" defTabSz="914400" rtl="0" eaLnBrk="1" fontAlgn="auto" latinLnBrk="0" hangingPunct="1">
+                <a:lnSpc>
+                  <a:spcPct val="100000"/>
+                </a:lnSpc>
                 <a:spcBef>
                   <a:spcPts val="0"/>
                 </a:spcBef>
                 <a:spcAft>
                   <a:spcPts val="0"/>
                 </a:spcAft>
+                <a:buClrTx/>
+                <a:buSzTx/>
+                <a:buFontTx/>
+                <a:buNone/>
+                <a:tabLst/>
                 <a:defRPr/>
               </a:pPr>
-              <a:endParaRPr lang="en-US" dirty="0"/>
+              <a:endParaRPr kumimoji="0" lang="en-US" sz="1800" b="0" i="0" u="none" strike="noStrike" kern="1200" cap="none" spc="0" normalizeH="0" baseline="0" noProof="0" dirty="0">
+                <a:ln>
+                  <a:noFill/>
+                </a:ln>
+                <a:solidFill>
+                  <a:prstClr val="white"/>
+                </a:solidFill>
+                <a:effectLst/>
+                <a:uLnTx/>
+                <a:uFillTx/>
+                <a:latin typeface="Calibri"/>
+                <a:ea typeface="+mn-ea"/>
+                <a:cs typeface="+mn-cs"/>
+              </a:endParaRPr>
             </a:p>
           </p:txBody>
         </p:sp>
@@ -16485,125 +18638,354 @@
           <a:bodyPr lIns="45720" rIns="45720"/>
           <a:lstStyle/>
           <a:p>
-            <a:pPr>
+            <a:pPr marL="0" marR="0" lvl="0" indent="0" algn="l" defTabSz="914400" rtl="0" eaLnBrk="1" fontAlgn="base" latinLnBrk="0" hangingPunct="1">
+              <a:lnSpc>
+                <a:spcPct val="100000"/>
+              </a:lnSpc>
+              <a:spcBef>
+                <a:spcPct val="0"/>
+              </a:spcBef>
+              <a:spcAft>
+                <a:spcPct val="0"/>
+              </a:spcAft>
+              <a:buClrTx/>
+              <a:buSzTx/>
+              <a:buFontTx/>
+              <a:buNone/>
+              <a:tabLst/>
               <a:defRPr/>
             </a:pPr>
             <a:r>
-              <a:rPr lang="en-US" altLang="zh-CN" sz="4000" b="1" dirty="0">
+              <a:rPr kumimoji="0" lang="en-US" altLang="zh-CN" sz="4000" b="1" i="0" u="none" strike="noStrike" kern="1200" cap="none" spc="0" normalizeH="0" baseline="0" noProof="0" dirty="0">
+                <a:ln>
+                  <a:noFill/>
+                </a:ln>
                 <a:solidFill>
                   <a:srgbClr val="0000FF"/>
                 </a:solidFill>
+                <a:effectLst/>
+                <a:uLnTx/>
+                <a:uFillTx/>
+                <a:latin typeface="Arial" panose="020B0604020202090204" pitchFamily="34" charset="0"/>
+                <a:ea typeface="宋体" panose="02010600030101010101" pitchFamily="2" charset="-122"/>
+                <a:cs typeface="+mn-cs"/>
                 <a:sym typeface="+mn-ea"/>
               </a:rPr>
               <a:t>1</a:t>
             </a:r>
             <a:r>
-              <a:rPr lang="zh-CN" altLang="en-US" sz="4000" b="1" dirty="0">
+              <a:rPr kumimoji="0" lang="zh-CN" altLang="en-US" sz="4000" b="1" i="0" u="none" strike="noStrike" kern="1200" cap="none" spc="0" normalizeH="0" baseline="0" noProof="0" dirty="0">
+                <a:ln>
+                  <a:noFill/>
+                </a:ln>
                 <a:solidFill>
                   <a:srgbClr val="0000FF"/>
                 </a:solidFill>
+                <a:effectLst/>
+                <a:uLnTx/>
+                <a:uFillTx/>
+                <a:latin typeface="Arial" panose="020B0604020202090204" pitchFamily="34" charset="0"/>
+                <a:ea typeface="宋体" panose="02010600030101010101" pitchFamily="2" charset="-122"/>
+                <a:cs typeface="+mn-cs"/>
                 <a:sym typeface="+mn-ea"/>
               </a:rPr>
               <a:t>、请把手机关机或调整为飞行模式；</a:t>
             </a:r>
           </a:p>
           <a:p>
-            <a:pPr>
+            <a:pPr marL="0" marR="0" lvl="0" indent="0" algn="l" defTabSz="914400" rtl="0" eaLnBrk="1" fontAlgn="base" latinLnBrk="0" hangingPunct="1">
+              <a:lnSpc>
+                <a:spcPct val="100000"/>
+              </a:lnSpc>
+              <a:spcBef>
+                <a:spcPct val="0"/>
+              </a:spcBef>
+              <a:spcAft>
+                <a:spcPct val="0"/>
+              </a:spcAft>
+              <a:buClrTx/>
+              <a:buSzTx/>
+              <a:buFontTx/>
+              <a:buNone/>
+              <a:tabLst/>
               <a:defRPr/>
             </a:pPr>
             <a:r>
-              <a:rPr lang="en-US" altLang="zh-CN" sz="4000" b="1" dirty="0">
+              <a:rPr kumimoji="0" lang="en-US" altLang="zh-CN" sz="4000" b="1" i="0" u="none" strike="noStrike" kern="1200" cap="none" spc="0" normalizeH="0" baseline="0" noProof="0" dirty="0">
+                <a:ln>
+                  <a:noFill/>
+                </a:ln>
                 <a:solidFill>
                   <a:srgbClr val="0000FF"/>
                 </a:solidFill>
+                <a:effectLst/>
+                <a:uLnTx/>
+                <a:uFillTx/>
+                <a:latin typeface="Arial" panose="020B0604020202090204" pitchFamily="34" charset="0"/>
+                <a:ea typeface="宋体" panose="02010600030101010101" pitchFamily="2" charset="-122"/>
+                <a:cs typeface="+mn-cs"/>
                 <a:sym typeface="+mn-ea"/>
               </a:rPr>
               <a:t>2</a:t>
             </a:r>
             <a:r>
-              <a:rPr lang="zh-CN" altLang="en-US" sz="4000" b="1" dirty="0">
+              <a:rPr kumimoji="0" lang="zh-CN" altLang="en-US" sz="4000" b="1" i="0" u="none" strike="noStrike" kern="1200" cap="none" spc="0" normalizeH="0" baseline="0" noProof="0" dirty="0">
+                <a:ln>
+                  <a:noFill/>
+                </a:ln>
                 <a:solidFill>
                   <a:srgbClr val="0000FF"/>
                 </a:solidFill>
+                <a:effectLst/>
+                <a:uLnTx/>
+                <a:uFillTx/>
+                <a:latin typeface="Arial" panose="020B0604020202090204" pitchFamily="34" charset="0"/>
+                <a:ea typeface="宋体" panose="02010600030101010101" pitchFamily="2" charset="-122"/>
+                <a:cs typeface="+mn-cs"/>
                 <a:sym typeface="+mn-ea"/>
               </a:rPr>
               <a:t>、崇拜过程中请勿随意走动；</a:t>
             </a:r>
           </a:p>
           <a:p>
-            <a:pPr>
+            <a:pPr marL="0" marR="0" lvl="0" indent="0" algn="l" defTabSz="914400" rtl="0" eaLnBrk="1" fontAlgn="base" latinLnBrk="0" hangingPunct="1">
+              <a:lnSpc>
+                <a:spcPct val="100000"/>
+              </a:lnSpc>
+              <a:spcBef>
+                <a:spcPct val="0"/>
+              </a:spcBef>
+              <a:spcAft>
+                <a:spcPct val="0"/>
+              </a:spcAft>
+              <a:buClrTx/>
+              <a:buSzTx/>
+              <a:buFontTx/>
+              <a:buNone/>
+              <a:tabLst/>
               <a:defRPr/>
             </a:pPr>
             <a:r>
-              <a:rPr lang="en-US" altLang="zh-CN" sz="4000" b="1" dirty="0">
+              <a:rPr kumimoji="0" lang="en-US" altLang="zh-CN" sz="4000" b="1" i="0" u="none" strike="noStrike" kern="1200" cap="none" spc="0" normalizeH="0" baseline="0" noProof="0" dirty="0">
+                <a:ln>
+                  <a:noFill/>
+                </a:ln>
                 <a:solidFill>
                   <a:srgbClr val="0000FF"/>
                 </a:solidFill>
+                <a:effectLst/>
+                <a:uLnTx/>
+                <a:uFillTx/>
+                <a:latin typeface="Arial" panose="020B0604020202090204" pitchFamily="34" charset="0"/>
+                <a:ea typeface="宋体" panose="02010600030101010101" pitchFamily="2" charset="-122"/>
+                <a:cs typeface="+mn-cs"/>
                 <a:sym typeface="+mn-ea"/>
               </a:rPr>
               <a:t>3</a:t>
             </a:r>
             <a:r>
-              <a:rPr lang="zh-CN" altLang="en-US" sz="4000" b="1" dirty="0">
+              <a:rPr kumimoji="0" lang="zh-CN" altLang="en-US" sz="4000" b="1" i="0" u="none" strike="noStrike" kern="1200" cap="none" spc="0" normalizeH="0" baseline="0" noProof="0" dirty="0">
+                <a:ln>
+                  <a:noFill/>
+                </a:ln>
                 <a:solidFill>
                   <a:srgbClr val="0000FF"/>
                 </a:solidFill>
+                <a:effectLst/>
+                <a:uLnTx/>
+                <a:uFillTx/>
+                <a:latin typeface="Arial" panose="020B0604020202090204" pitchFamily="34" charset="0"/>
+                <a:ea typeface="宋体" panose="02010600030101010101" pitchFamily="2" charset="-122"/>
+                <a:cs typeface="+mn-cs"/>
                 <a:sym typeface="+mn-ea"/>
               </a:rPr>
               <a:t>、请父母照看好自己的小孩，孩子</a:t>
             </a:r>
-            <a:endParaRPr lang="en-US" altLang="zh-CN" sz="4000" b="1" dirty="0">
+            <a:endParaRPr kumimoji="0" lang="en-US" altLang="zh-CN" sz="4000" b="1" i="0" u="none" strike="noStrike" kern="1200" cap="none" spc="0" normalizeH="0" baseline="0" noProof="0" dirty="0">
+              <a:ln>
+                <a:noFill/>
+              </a:ln>
               <a:solidFill>
                 <a:srgbClr val="0000FF"/>
               </a:solidFill>
+              <a:effectLst/>
+              <a:uLnTx/>
+              <a:uFillTx/>
+              <a:latin typeface="Arial" panose="020B0604020202090204" pitchFamily="34" charset="0"/>
+              <a:ea typeface="宋体" panose="02010600030101010101" pitchFamily="2" charset="-122"/>
+              <a:cs typeface="+mn-cs"/>
               <a:sym typeface="+mn-ea"/>
             </a:endParaRPr>
           </a:p>
           <a:p>
-            <a:pPr>
+            <a:pPr marL="0" marR="0" lvl="0" indent="0" algn="l" defTabSz="914400" rtl="0" eaLnBrk="1" fontAlgn="base" latinLnBrk="0" hangingPunct="1">
+              <a:lnSpc>
+                <a:spcPct val="100000"/>
+              </a:lnSpc>
+              <a:spcBef>
+                <a:spcPct val="0"/>
+              </a:spcBef>
+              <a:spcAft>
+                <a:spcPct val="0"/>
+              </a:spcAft>
+              <a:buClrTx/>
+              <a:buSzTx/>
+              <a:buFontTx/>
+              <a:buNone/>
+              <a:tabLst/>
               <a:defRPr/>
             </a:pPr>
             <a:r>
-              <a:rPr lang="zh-CN" altLang="en-US" sz="4000" b="1" dirty="0">
+              <a:rPr kumimoji="0" lang="zh-CN" altLang="en-US" sz="4000" b="1" i="0" u="none" strike="noStrike" kern="1200" cap="none" spc="0" normalizeH="0" baseline="0" noProof="0" dirty="0">
+                <a:ln>
+                  <a:noFill/>
+                </a:ln>
                 <a:solidFill>
                   <a:srgbClr val="0000FF"/>
                 </a:solidFill>
+                <a:effectLst/>
+                <a:uLnTx/>
+                <a:uFillTx/>
+                <a:latin typeface="Arial" panose="020B0604020202090204" pitchFamily="34" charset="0"/>
+                <a:ea typeface="宋体" panose="02010600030101010101" pitchFamily="2" charset="-122"/>
+                <a:cs typeface="+mn-cs"/>
                 <a:sym typeface="+mn-ea"/>
               </a:rPr>
               <a:t>　  安静地坐在自己身边。</a:t>
             </a:r>
           </a:p>
           <a:p>
-            <a:pPr>
+            <a:pPr marL="0" marR="0" lvl="0" indent="0" algn="l" defTabSz="914400" rtl="0" eaLnBrk="1" fontAlgn="base" latinLnBrk="0" hangingPunct="1">
+              <a:lnSpc>
+                <a:spcPct val="100000"/>
+              </a:lnSpc>
+              <a:spcBef>
+                <a:spcPct val="0"/>
+              </a:spcBef>
+              <a:spcAft>
+                <a:spcPct val="0"/>
+              </a:spcAft>
+              <a:buClrTx/>
+              <a:buSzTx/>
+              <a:buFontTx/>
+              <a:buNone/>
+              <a:tabLst/>
               <a:defRPr/>
             </a:pPr>
-            <a:endParaRPr lang="zh-CN" altLang="en-US" sz="4000" b="1" dirty="0">
+            <a:endParaRPr kumimoji="0" lang="zh-CN" altLang="en-US" sz="4000" b="1" i="0" u="none" strike="noStrike" kern="1200" cap="none" spc="0" normalizeH="0" baseline="0" noProof="0" dirty="0">
+              <a:ln>
+                <a:noFill/>
+              </a:ln>
               <a:solidFill>
                 <a:srgbClr val="0000FF"/>
               </a:solidFill>
+              <a:effectLst/>
+              <a:uLnTx/>
+              <a:uFillTx/>
+              <a:latin typeface="Arial" panose="020B0604020202090204" pitchFamily="34" charset="0"/>
+              <a:ea typeface="宋体" panose="02010600030101010101" pitchFamily="2" charset="-122"/>
+              <a:cs typeface="+mn-cs"/>
             </a:endParaRPr>
           </a:p>
           <a:p>
-            <a:pPr algn="l"/>
-            <a:endParaRPr sz="4400" b="1" dirty="0">
+            <a:pPr marL="0" marR="0" lvl="0" indent="0" algn="l" defTabSz="914400" rtl="0" eaLnBrk="1" fontAlgn="base" latinLnBrk="0" hangingPunct="1">
+              <a:lnSpc>
+                <a:spcPct val="100000"/>
+              </a:lnSpc>
+              <a:spcBef>
+                <a:spcPct val="0"/>
+              </a:spcBef>
+              <a:spcAft>
+                <a:spcPct val="0"/>
+              </a:spcAft>
+              <a:buClrTx/>
+              <a:buSzTx/>
+              <a:buFontTx/>
+              <a:buNone/>
+              <a:tabLst/>
+              <a:defRPr/>
+            </a:pPr>
+            <a:endParaRPr kumimoji="0" sz="4400" b="1" i="0" u="none" strike="noStrike" kern="1200" cap="none" spc="0" normalizeH="0" baseline="0" noProof="0" dirty="0">
+              <a:ln>
+                <a:noFill/>
+              </a:ln>
+              <a:solidFill>
+                <a:prstClr val="black"/>
+              </a:solidFill>
+              <a:effectLst/>
+              <a:uLnTx/>
+              <a:uFillTx/>
               <a:latin typeface="微软雅黑" panose="020B0503020204020204" pitchFamily="34" charset="-122"/>
               <a:ea typeface="微软雅黑" panose="020B0503020204020204" pitchFamily="34" charset="-122"/>
+              <a:cs typeface="+mn-cs"/>
               <a:sym typeface="+mn-ea"/>
             </a:endParaRPr>
           </a:p>
           <a:p>
-            <a:pPr algn="l"/>
-            <a:endParaRPr sz="4400" b="1" dirty="0">
+            <a:pPr marL="0" marR="0" lvl="0" indent="0" algn="l" defTabSz="914400" rtl="0" eaLnBrk="1" fontAlgn="base" latinLnBrk="0" hangingPunct="1">
+              <a:lnSpc>
+                <a:spcPct val="100000"/>
+              </a:lnSpc>
+              <a:spcBef>
+                <a:spcPct val="0"/>
+              </a:spcBef>
+              <a:spcAft>
+                <a:spcPct val="0"/>
+              </a:spcAft>
+              <a:buClrTx/>
+              <a:buSzTx/>
+              <a:buFontTx/>
+              <a:buNone/>
+              <a:tabLst/>
+              <a:defRPr/>
+            </a:pPr>
+            <a:endParaRPr kumimoji="0" sz="4400" b="1" i="0" u="none" strike="noStrike" kern="1200" cap="none" spc="0" normalizeH="0" baseline="0" noProof="0" dirty="0">
+              <a:ln>
+                <a:noFill/>
+              </a:ln>
+              <a:solidFill>
+                <a:prstClr val="black"/>
+              </a:solidFill>
+              <a:effectLst/>
+              <a:uLnTx/>
+              <a:uFillTx/>
               <a:latin typeface="微软雅黑" panose="020B0503020204020204" pitchFamily="34" charset="-122"/>
               <a:ea typeface="微软雅黑" panose="020B0503020204020204" pitchFamily="34" charset="-122"/>
+              <a:cs typeface="+mn-cs"/>
               <a:sym typeface="+mn-ea"/>
             </a:endParaRPr>
           </a:p>
           <a:p>
-            <a:pPr algn="l"/>
-            <a:endParaRPr sz="4400" b="1" dirty="0">
+            <a:pPr marL="0" marR="0" lvl="0" indent="0" algn="l" defTabSz="914400" rtl="0" eaLnBrk="1" fontAlgn="base" latinLnBrk="0" hangingPunct="1">
+              <a:lnSpc>
+                <a:spcPct val="100000"/>
+              </a:lnSpc>
+              <a:spcBef>
+                <a:spcPct val="0"/>
+              </a:spcBef>
+              <a:spcAft>
+                <a:spcPct val="0"/>
+              </a:spcAft>
+              <a:buClrTx/>
+              <a:buSzTx/>
+              <a:buFontTx/>
+              <a:buNone/>
+              <a:tabLst/>
+              <a:defRPr/>
+            </a:pPr>
+            <a:endParaRPr kumimoji="0" sz="4400" b="1" i="0" u="none" strike="noStrike" kern="1200" cap="none" spc="0" normalizeH="0" baseline="0" noProof="0" dirty="0">
+              <a:ln>
+                <a:noFill/>
+              </a:ln>
+              <a:solidFill>
+                <a:prstClr val="black"/>
+              </a:solidFill>
+              <a:effectLst/>
+              <a:uLnTx/>
+              <a:uFillTx/>
               <a:latin typeface="微软雅黑" panose="020B0503020204020204" pitchFamily="34" charset="-122"/>
               <a:ea typeface="微软雅黑" panose="020B0503020204020204" pitchFamily="34" charset="-122"/>
+              <a:cs typeface="+mn-cs"/>
               <a:sym typeface="+mn-ea"/>
             </a:endParaRPr>
           </a:p>
@@ -16612,7 +18994,7 @@
     </p:spTree>
     <p:extLst>
       <p:ext uri="{BB962C8B-B14F-4D97-AF65-F5344CB8AC3E}">
-        <p14:creationId xmlns:p14="http://schemas.microsoft.com/office/powerpoint/2010/main" val="1438926242"/>
+        <p14:creationId xmlns:p14="http://schemas.microsoft.com/office/powerpoint/2010/main" val="2846922024"/>
       </p:ext>
     </p:extLst>
   </p:cSld>
@@ -16627,7 +19009,7 @@
 
 <file path=ppt/slideLayouts/slideLayout8.xml><?xml version="1.0" encoding="utf-8"?>
 <p:sldLayout xmlns:a="http://schemas.openxmlformats.org/drawingml/2006/main" xmlns:r="http://schemas.openxmlformats.org/officeDocument/2006/relationships" xmlns:p="http://schemas.openxmlformats.org/presentationml/2006/main" preserve="1" userDrawn="1">
-  <p:cSld name="固定模板-静默">
+  <p:cSld name="静默">
     <p:spTree>
       <p:nvGrpSpPr>
         <p:cNvPr id="1" name=""/>
@@ -16747,16 +19129,37 @@
             <a:bodyPr anchor="ctr"/>
             <a:lstStyle/>
             <a:p>
-              <a:pPr algn="ctr" fontAlgn="auto">
+              <a:pPr marL="0" marR="0" lvl="0" indent="0" algn="ctr" defTabSz="914400" rtl="0" eaLnBrk="1" fontAlgn="auto" latinLnBrk="0" hangingPunct="1">
+                <a:lnSpc>
+                  <a:spcPct val="100000"/>
+                </a:lnSpc>
                 <a:spcBef>
                   <a:spcPts val="0"/>
                 </a:spcBef>
                 <a:spcAft>
                   <a:spcPts val="0"/>
                 </a:spcAft>
+                <a:buClrTx/>
+                <a:buSzTx/>
+                <a:buFontTx/>
+                <a:buNone/>
+                <a:tabLst/>
                 <a:defRPr/>
               </a:pPr>
-              <a:endParaRPr lang="en-US" dirty="0"/>
+              <a:endParaRPr kumimoji="0" lang="en-US" sz="1800" b="0" i="0" u="none" strike="noStrike" kern="1200" cap="none" spc="0" normalizeH="0" baseline="0" noProof="0" dirty="0">
+                <a:ln>
+                  <a:noFill/>
+                </a:ln>
+                <a:solidFill>
+                  <a:prstClr val="white"/>
+                </a:solidFill>
+                <a:effectLst/>
+                <a:uLnTx/>
+                <a:uFillTx/>
+                <a:latin typeface="Calibri"/>
+                <a:ea typeface="+mn-ea"/>
+                <a:cs typeface="+mn-cs"/>
+              </a:endParaRPr>
             </a:p>
           </p:txBody>
         </p:sp>
@@ -16877,16 +19280,53 @@
           </a:bodyPr>
           <a:lstStyle/>
           <a:p>
+            <a:pPr marL="0" marR="0" lvl="0" indent="0" algn="l" defTabSz="914400" rtl="0" eaLnBrk="1" fontAlgn="base" latinLnBrk="0" hangingPunct="1">
+              <a:lnSpc>
+                <a:spcPct val="100000"/>
+              </a:lnSpc>
+              <a:spcBef>
+                <a:spcPct val="0"/>
+              </a:spcBef>
+              <a:spcAft>
+                <a:spcPct val="0"/>
+              </a:spcAft>
+              <a:buClrTx/>
+              <a:buSzTx/>
+              <a:buFontTx/>
+              <a:buNone/>
+              <a:tabLst/>
+              <a:defRPr/>
+            </a:pPr>
             <a:r>
-              <a:rPr kumimoji="1" lang="zh-CN" altLang="en-US" sz="4000" b="1" dirty="0">
+              <a:rPr kumimoji="1" lang="zh-CN" altLang="en-US" sz="4000" b="1" i="0" u="none" strike="noStrike" kern="1200" cap="none" spc="0" normalizeH="0" baseline="0" noProof="0" dirty="0">
+                <a:ln>
+                  <a:noFill/>
+                </a:ln>
+                <a:solidFill>
+                  <a:prstClr val="black"/>
+                </a:solidFill>
+                <a:effectLst/>
+                <a:uLnTx/>
+                <a:uFillTx/>
                 <a:latin typeface="微软雅黑" panose="020B0503020204020204" pitchFamily="34" charset="-122"/>
                 <a:ea typeface="微软雅黑" panose="020B0503020204020204" pitchFamily="34" charset="-122"/>
+                <a:cs typeface="+mn-cs"/>
               </a:rPr>
               <a:t>虔诚静默敬拜上帝</a:t>
             </a:r>
-            <a:endParaRPr kumimoji="1" lang="ja-JP" altLang="en-US" sz="4000" b="1" dirty="0">
+            <a:endParaRPr kumimoji="1" lang="ja-JP" altLang="en-US" sz="4000" b="1" i="0" u="none" strike="noStrike" kern="1200" cap="none" spc="0" normalizeH="0" baseline="0" noProof="0" dirty="0">
+              <a:ln>
+                <a:noFill/>
+              </a:ln>
+              <a:solidFill>
+                <a:prstClr val="black"/>
+              </a:solidFill>
+              <a:effectLst/>
+              <a:uLnTx/>
+              <a:uFillTx/>
               <a:latin typeface="微软雅黑" panose="020B0503020204020204" pitchFamily="34" charset="-122"/>
               <a:ea typeface="微软雅黑" panose="020B0503020204020204" pitchFamily="34" charset="-122"/>
+              <a:cs typeface="+mn-cs"/>
             </a:endParaRPr>
           </a:p>
         </p:txBody>
@@ -16923,73 +19363,173 @@
           <a:bodyPr lIns="45720" rIns="45720"/>
           <a:lstStyle/>
           <a:p>
-            <a:pPr algn="ctr">
+            <a:pPr marL="0" marR="0" lvl="0" indent="0" algn="ctr" defTabSz="914400" rtl="0" eaLnBrk="1" fontAlgn="base" latinLnBrk="0" hangingPunct="1">
               <a:lnSpc>
                 <a:spcPts val="3900"/>
               </a:lnSpc>
+              <a:spcBef>
+                <a:spcPct val="0"/>
+              </a:spcBef>
+              <a:spcAft>
+                <a:spcPct val="0"/>
+              </a:spcAft>
+              <a:buClrTx/>
+              <a:buSzTx/>
               <a:buFont typeface="Arial" panose="020B0604020202090204" pitchFamily="34" charset="0"/>
               <a:buNone/>
+              <a:tabLst/>
+              <a:defRPr/>
             </a:pPr>
             <a:r>
-              <a:rPr lang="zh-CN" altLang="en-US" sz="4000" b="1" dirty="0">
+              <a:rPr kumimoji="0" lang="zh-CN" altLang="en-US" sz="4000" b="1" i="0" u="none" strike="noStrike" kern="1200" cap="none" spc="0" normalizeH="0" baseline="0" noProof="0" dirty="0">
+                <a:ln>
+                  <a:noFill/>
+                </a:ln>
+                <a:solidFill>
+                  <a:prstClr val="black"/>
+                </a:solidFill>
+                <a:effectLst/>
+                <a:uLnTx/>
+                <a:uFillTx/>
                 <a:latin typeface="微软雅黑" panose="020B0503020204020204" pitchFamily="34" charset="-122"/>
                 <a:ea typeface="微软雅黑" panose="020B0503020204020204" pitchFamily="34" charset="-122"/>
+                <a:cs typeface="+mn-cs"/>
               </a:rPr>
               <a:t>惟耶和华在他的圣殿中；</a:t>
             </a:r>
           </a:p>
           <a:p>
-            <a:pPr algn="ctr">
+            <a:pPr marL="0" marR="0" lvl="0" indent="0" algn="ctr" defTabSz="914400" rtl="0" eaLnBrk="1" fontAlgn="base" latinLnBrk="0" hangingPunct="1">
               <a:lnSpc>
                 <a:spcPts val="3900"/>
               </a:lnSpc>
+              <a:spcBef>
+                <a:spcPct val="0"/>
+              </a:spcBef>
+              <a:spcAft>
+                <a:spcPct val="0"/>
+              </a:spcAft>
+              <a:buClrTx/>
+              <a:buSzTx/>
               <a:buFont typeface="Arial" panose="020B0604020202090204" pitchFamily="34" charset="0"/>
               <a:buNone/>
+              <a:tabLst/>
+              <a:defRPr/>
             </a:pPr>
             <a:r>
-              <a:rPr lang="zh-CN" altLang="en-US" sz="4000" b="1" dirty="0">
+              <a:rPr kumimoji="0" lang="zh-CN" altLang="en-US" sz="4000" b="1" i="0" u="none" strike="noStrike" kern="1200" cap="none" spc="0" normalizeH="0" baseline="0" noProof="0" dirty="0">
+                <a:ln>
+                  <a:noFill/>
+                </a:ln>
+                <a:solidFill>
+                  <a:prstClr val="black"/>
+                </a:solidFill>
+                <a:effectLst/>
+                <a:uLnTx/>
+                <a:uFillTx/>
                 <a:latin typeface="微软雅黑" panose="020B0503020204020204" pitchFamily="34" charset="-122"/>
                 <a:ea typeface="微软雅黑" panose="020B0503020204020204" pitchFamily="34" charset="-122"/>
+                <a:cs typeface="+mn-cs"/>
               </a:rPr>
               <a:t>全地的人，都当在他面前肃敬静默。</a:t>
             </a:r>
-            <a:endParaRPr lang="en-US" altLang="zh-CN" sz="4000" b="1" dirty="0">
+            <a:endParaRPr kumimoji="0" lang="en-US" altLang="zh-CN" sz="4000" b="1" i="0" u="none" strike="noStrike" kern="1200" cap="none" spc="0" normalizeH="0" baseline="0" noProof="0" dirty="0">
+              <a:ln>
+                <a:noFill/>
+              </a:ln>
+              <a:solidFill>
+                <a:prstClr val="black"/>
+              </a:solidFill>
+              <a:effectLst/>
+              <a:uLnTx/>
+              <a:uFillTx/>
               <a:latin typeface="微软雅黑" panose="020B0503020204020204" pitchFamily="34" charset="-122"/>
               <a:ea typeface="微软雅黑" panose="020B0503020204020204" pitchFamily="34" charset="-122"/>
+              <a:cs typeface="+mn-cs"/>
             </a:endParaRPr>
           </a:p>
           <a:p>
-            <a:pPr algn="ctr">
+            <a:pPr marL="0" marR="0" lvl="0" indent="0" algn="ctr" defTabSz="914400" rtl="0" eaLnBrk="1" fontAlgn="base" latinLnBrk="0" hangingPunct="1">
               <a:lnSpc>
                 <a:spcPts val="3900"/>
               </a:lnSpc>
+              <a:spcBef>
+                <a:spcPct val="0"/>
+              </a:spcBef>
+              <a:spcAft>
+                <a:spcPct val="0"/>
+              </a:spcAft>
+              <a:buClrTx/>
+              <a:buSzTx/>
               <a:buFont typeface="Arial" panose="020B0604020202090204" pitchFamily="34" charset="0"/>
               <a:buNone/>
+              <a:tabLst/>
+              <a:defRPr/>
             </a:pPr>
             <a:r>
-              <a:rPr lang="en-US" altLang="zh-CN" sz="3200" b="1" dirty="0">
+              <a:rPr kumimoji="0" lang="en-US" altLang="zh-CN" sz="3200" b="1" i="0" u="none" strike="noStrike" kern="1200" cap="none" spc="0" normalizeH="0" baseline="0" noProof="0" dirty="0">
+                <a:ln>
+                  <a:noFill/>
+                </a:ln>
+                <a:solidFill>
+                  <a:prstClr val="black"/>
+                </a:solidFill>
+                <a:effectLst/>
+                <a:uLnTx/>
+                <a:uFillTx/>
                 <a:latin typeface="微软雅黑" panose="020B0503020204020204" pitchFamily="34" charset="-122"/>
                 <a:ea typeface="微软雅黑" panose="020B0503020204020204" pitchFamily="34" charset="-122"/>
+                <a:cs typeface="+mn-cs"/>
               </a:rPr>
               <a:t>(</a:t>
             </a:r>
             <a:r>
-              <a:rPr lang="zh-CN" altLang="en-US" sz="3200" b="1" dirty="0">
+              <a:rPr kumimoji="0" lang="zh-CN" altLang="en-US" sz="3200" b="1" i="0" u="none" strike="noStrike" kern="1200" cap="none" spc="0" normalizeH="0" baseline="0" noProof="0" dirty="0">
+                <a:ln>
+                  <a:noFill/>
+                </a:ln>
+                <a:solidFill>
+                  <a:prstClr val="black"/>
+                </a:solidFill>
+                <a:effectLst/>
+                <a:uLnTx/>
+                <a:uFillTx/>
                 <a:latin typeface="微软雅黑" panose="020B0503020204020204" pitchFamily="34" charset="-122"/>
                 <a:ea typeface="微软雅黑" panose="020B0503020204020204" pitchFamily="34" charset="-122"/>
+                <a:cs typeface="+mn-cs"/>
               </a:rPr>
               <a:t>哈巴谷书</a:t>
             </a:r>
             <a:r>
-              <a:rPr lang="en-US" altLang="zh-CN" sz="3200" b="1" dirty="0">
+              <a:rPr kumimoji="0" lang="en-US" altLang="zh-CN" sz="3200" b="1" i="0" u="none" strike="noStrike" kern="1200" cap="none" spc="0" normalizeH="0" baseline="0" noProof="0" dirty="0">
+                <a:ln>
+                  <a:noFill/>
+                </a:ln>
+                <a:solidFill>
+                  <a:prstClr val="black"/>
+                </a:solidFill>
+                <a:effectLst/>
+                <a:uLnTx/>
+                <a:uFillTx/>
                 <a:latin typeface="微软雅黑" panose="020B0503020204020204" pitchFamily="34" charset="-122"/>
                 <a:ea typeface="微软雅黑" panose="020B0503020204020204" pitchFamily="34" charset="-122"/>
+                <a:cs typeface="+mn-cs"/>
               </a:rPr>
               <a:t>2:20)</a:t>
             </a:r>
-            <a:endParaRPr lang="zh-CN" altLang="en-US" sz="3200" b="1" dirty="0">
+            <a:endParaRPr kumimoji="0" lang="zh-CN" altLang="en-US" sz="3200" b="1" i="0" u="none" strike="noStrike" kern="1200" cap="none" spc="0" normalizeH="0" baseline="0" noProof="0" dirty="0">
+              <a:ln>
+                <a:noFill/>
+              </a:ln>
+              <a:solidFill>
+                <a:prstClr val="black"/>
+              </a:solidFill>
+              <a:effectLst/>
+              <a:uLnTx/>
+              <a:uFillTx/>
               <a:latin typeface="微软雅黑" panose="020B0503020204020204" pitchFamily="34" charset="-122"/>
               <a:ea typeface="微软雅黑" panose="020B0503020204020204" pitchFamily="34" charset="-122"/>
+              <a:cs typeface="+mn-cs"/>
             </a:endParaRPr>
           </a:p>
         </p:txBody>
@@ -17026,37 +19566,106 @@
           <a:bodyPr lIns="45720" rIns="45720"/>
           <a:lstStyle/>
           <a:p>
-            <a:pPr algn="ctr" eaLnBrk="0" hangingPunct="0"/>
+            <a:pPr marL="0" marR="0" lvl="0" indent="0" algn="ctr" defTabSz="914400" rtl="0" eaLnBrk="0" fontAlgn="base" latinLnBrk="0" hangingPunct="0">
+              <a:lnSpc>
+                <a:spcPct val="100000"/>
+              </a:lnSpc>
+              <a:spcBef>
+                <a:spcPct val="0"/>
+              </a:spcBef>
+              <a:spcAft>
+                <a:spcPct val="0"/>
+              </a:spcAft>
+              <a:buClrTx/>
+              <a:buSzTx/>
+              <a:buFontTx/>
+              <a:buNone/>
+              <a:tabLst/>
+              <a:defRPr/>
+            </a:pPr>
             <a:r>
-              <a:rPr lang="zh-CN" altLang="en-US" sz="3600" b="1" dirty="0">
+              <a:rPr kumimoji="0" lang="zh-CN" altLang="en-US" sz="3600" b="1" i="0" u="none" strike="noStrike" kern="1200" cap="none" spc="0" normalizeH="0" baseline="0" noProof="0" dirty="0">
+                <a:ln>
+                  <a:noFill/>
+                </a:ln>
                 <a:solidFill>
                   <a:srgbClr val="FF0000"/>
                 </a:solidFill>
+                <a:effectLst/>
+                <a:uLnTx/>
+                <a:uFillTx/>
                 <a:latin typeface="微软雅黑" panose="020B0503020204020204" pitchFamily="34" charset="-122"/>
                 <a:ea typeface="微软雅黑" panose="020B0503020204020204" pitchFamily="34" charset="-122"/>
+                <a:cs typeface="+mn-cs"/>
               </a:rPr>
               <a:t>请安静默祷等待聚会的开始</a:t>
             </a:r>
           </a:p>
           <a:p>
-            <a:pPr algn="ctr" eaLnBrk="0" hangingPunct="0"/>
-            <a:endParaRPr lang="zh-CN" altLang="en-US" sz="3200" b="1" dirty="0">
+            <a:pPr marL="0" marR="0" lvl="0" indent="0" algn="ctr" defTabSz="914400" rtl="0" eaLnBrk="0" fontAlgn="base" latinLnBrk="0" hangingPunct="0">
+              <a:lnSpc>
+                <a:spcPct val="100000"/>
+              </a:lnSpc>
+              <a:spcBef>
+                <a:spcPct val="0"/>
+              </a:spcBef>
+              <a:spcAft>
+                <a:spcPct val="0"/>
+              </a:spcAft>
+              <a:buClrTx/>
+              <a:buSzTx/>
+              <a:buFontTx/>
+              <a:buNone/>
+              <a:tabLst/>
+              <a:defRPr/>
+            </a:pPr>
+            <a:endParaRPr kumimoji="0" lang="zh-CN" altLang="en-US" sz="3200" b="1" i="0" u="none" strike="noStrike" kern="1200" cap="none" spc="0" normalizeH="0" baseline="0" noProof="0" dirty="0">
+              <a:ln>
+                <a:noFill/>
+              </a:ln>
               <a:solidFill>
                 <a:srgbClr val="FF0000"/>
               </a:solidFill>
+              <a:effectLst/>
+              <a:uLnTx/>
+              <a:uFillTx/>
               <a:latin typeface="微软雅黑" panose="020B0503020204020204" pitchFamily="34" charset="-122"/>
               <a:ea typeface="微软雅黑" panose="020B0503020204020204" pitchFamily="34" charset="-122"/>
+              <a:cs typeface="+mn-cs"/>
             </a:endParaRPr>
           </a:p>
           <a:p>
-            <a:pPr algn="ctr" eaLnBrk="0" hangingPunct="0"/>
+            <a:pPr marL="0" marR="0" lvl="0" indent="0" algn="ctr" defTabSz="914400" rtl="0" eaLnBrk="0" fontAlgn="base" latinLnBrk="0" hangingPunct="0">
+              <a:lnSpc>
+                <a:spcPct val="100000"/>
+              </a:lnSpc>
+              <a:spcBef>
+                <a:spcPct val="0"/>
+              </a:spcBef>
+              <a:spcAft>
+                <a:spcPct val="0"/>
+              </a:spcAft>
+              <a:buClrTx/>
+              <a:buSzTx/>
+              <a:buFontTx/>
+              <a:buNone/>
+              <a:tabLst/>
+              <a:defRPr/>
+            </a:pPr>
             <a:r>
-              <a:rPr lang="zh-CN" altLang="en-US" sz="3600" b="1" dirty="0">
+              <a:rPr kumimoji="0" lang="zh-CN" altLang="en-US" sz="3600" b="1" i="0" u="none" strike="noStrike" kern="1200" cap="none" spc="0" normalizeH="0" baseline="0" noProof="0" dirty="0">
+                <a:ln>
+                  <a:noFill/>
+                </a:ln>
                 <a:solidFill>
                   <a:srgbClr val="FF0000"/>
                 </a:solidFill>
+                <a:effectLst/>
+                <a:uLnTx/>
+                <a:uFillTx/>
                 <a:latin typeface="微软雅黑" panose="020B0503020204020204" pitchFamily="34" charset="-122"/>
                 <a:ea typeface="微软雅黑" panose="020B0503020204020204" pitchFamily="34" charset="-122"/>
+                <a:cs typeface="+mn-cs"/>
               </a:rPr>
               <a:t>请关闭或静音手机</a:t>
             </a:r>
@@ -17066,7 +19675,7 @@
     </p:spTree>
     <p:extLst>
       <p:ext uri="{BB962C8B-B14F-4D97-AF65-F5344CB8AC3E}">
-        <p14:creationId xmlns:p14="http://schemas.microsoft.com/office/powerpoint/2010/main" val="3619447508"/>
+        <p14:creationId xmlns:p14="http://schemas.microsoft.com/office/powerpoint/2010/main" val="513588821"/>
       </p:ext>
     </p:extLst>
   </p:cSld>
@@ -17081,7 +19690,7 @@
 
 <file path=ppt/slideLayouts/slideLayout9.xml><?xml version="1.0" encoding="utf-8"?>
 <p:sldLayout xmlns:a="http://schemas.openxmlformats.org/drawingml/2006/main" xmlns:r="http://schemas.openxmlformats.org/officeDocument/2006/relationships" xmlns:p="http://schemas.openxmlformats.org/presentationml/2006/main" preserve="1" userDrawn="1">
-  <p:cSld name="固定模板-敬拜宣告">
+  <p:cSld name="敬拜宣告">
     <p:spTree>
       <p:nvGrpSpPr>
         <p:cNvPr id="1" name=""/>
@@ -17201,16 +19810,37 @@
             <a:bodyPr anchor="ctr"/>
             <a:lstStyle/>
             <a:p>
-              <a:pPr algn="ctr" fontAlgn="auto">
+              <a:pPr marL="0" marR="0" lvl="0" indent="0" algn="ctr" defTabSz="914400" rtl="0" eaLnBrk="1" fontAlgn="auto" latinLnBrk="0" hangingPunct="1">
+                <a:lnSpc>
+                  <a:spcPct val="100000"/>
+                </a:lnSpc>
                 <a:spcBef>
                   <a:spcPts val="0"/>
                 </a:spcBef>
                 <a:spcAft>
                   <a:spcPts val="0"/>
                 </a:spcAft>
+                <a:buClrTx/>
+                <a:buSzTx/>
+                <a:buFontTx/>
+                <a:buNone/>
+                <a:tabLst/>
                 <a:defRPr/>
               </a:pPr>
-              <a:endParaRPr lang="en-US" dirty="0"/>
+              <a:endParaRPr kumimoji="0" lang="en-US" sz="1800" b="0" i="0" u="none" strike="noStrike" kern="1200" cap="none" spc="0" normalizeH="0" baseline="0" noProof="0" dirty="0">
+                <a:ln>
+                  <a:noFill/>
+                </a:ln>
+                <a:solidFill>
+                  <a:prstClr val="white"/>
+                </a:solidFill>
+                <a:effectLst/>
+                <a:uLnTx/>
+                <a:uFillTx/>
+                <a:latin typeface="Calibri"/>
+                <a:ea typeface="+mn-ea"/>
+                <a:cs typeface="+mn-cs"/>
+              </a:endParaRPr>
             </a:p>
           </p:txBody>
         </p:sp>
@@ -17331,16 +19961,53 @@
           </a:bodyPr>
           <a:lstStyle/>
           <a:p>
+            <a:pPr marL="0" marR="0" lvl="0" indent="0" algn="l" defTabSz="914400" rtl="0" eaLnBrk="1" fontAlgn="base" latinLnBrk="0" hangingPunct="1">
+              <a:lnSpc>
+                <a:spcPct val="100000"/>
+              </a:lnSpc>
+              <a:spcBef>
+                <a:spcPct val="0"/>
+              </a:spcBef>
+              <a:spcAft>
+                <a:spcPct val="0"/>
+              </a:spcAft>
+              <a:buClrTx/>
+              <a:buSzTx/>
+              <a:buFontTx/>
+              <a:buNone/>
+              <a:tabLst/>
+              <a:defRPr/>
+            </a:pPr>
             <a:r>
-              <a:rPr kumimoji="1" lang="zh-CN" altLang="en-US" sz="4000" b="1">
+              <a:rPr kumimoji="1" lang="zh-CN" altLang="en-US" sz="4000" b="1" i="0" u="none" strike="noStrike" kern="1200" cap="none" spc="0" normalizeH="0" baseline="0" noProof="0">
+                <a:ln>
+                  <a:noFill/>
+                </a:ln>
+                <a:solidFill>
+                  <a:prstClr val="black"/>
+                </a:solidFill>
+                <a:effectLst/>
+                <a:uLnTx/>
+                <a:uFillTx/>
                 <a:latin typeface="微软雅黑" panose="020B0503020204020204" pitchFamily="34" charset="-122"/>
                 <a:ea typeface="微软雅黑" panose="020B0503020204020204" pitchFamily="34" charset="-122"/>
+                <a:cs typeface="+mn-cs"/>
               </a:rPr>
               <a:t>宣 告</a:t>
             </a:r>
-            <a:endParaRPr kumimoji="1" lang="ja-JP" altLang="en-US" sz="4000" b="1">
+            <a:endParaRPr kumimoji="1" lang="ja-JP" altLang="en-US" sz="4000" b="1" i="0" u="none" strike="noStrike" kern="1200" cap="none" spc="0" normalizeH="0" baseline="0" noProof="0">
+              <a:ln>
+                <a:noFill/>
+              </a:ln>
+              <a:solidFill>
+                <a:prstClr val="black"/>
+              </a:solidFill>
+              <a:effectLst/>
+              <a:uLnTx/>
+              <a:uFillTx/>
               <a:latin typeface="微软雅黑" panose="020B0503020204020204" pitchFamily="34" charset="-122"/>
               <a:ea typeface="微软雅黑" panose="020B0503020204020204" pitchFamily="34" charset="-122"/>
+              <a:cs typeface="+mn-cs"/>
             </a:endParaRPr>
           </a:p>
         </p:txBody>
@@ -17377,67 +20044,154 @@
           <a:bodyPr lIns="45720" rIns="45720"/>
           <a:lstStyle/>
           <a:p>
-            <a:pPr algn="ctr">
+            <a:pPr marL="0" marR="0" lvl="0" indent="0" algn="ctr" defTabSz="914400" rtl="0" eaLnBrk="1" fontAlgn="base" latinLnBrk="0" hangingPunct="1">
               <a:lnSpc>
                 <a:spcPts val="3900"/>
               </a:lnSpc>
+              <a:spcBef>
+                <a:spcPct val="0"/>
+              </a:spcBef>
+              <a:spcAft>
+                <a:spcPct val="0"/>
+              </a:spcAft>
+              <a:buClrTx/>
+              <a:buSzTx/>
               <a:buFont typeface="Arial" panose="020B0604020202090204" pitchFamily="34" charset="0"/>
               <a:buNone/>
+              <a:tabLst/>
+              <a:defRPr/>
             </a:pPr>
             <a:r>
-              <a:rPr lang="zh-CN" altLang="en-US" sz="4000" b="1" dirty="0">
+              <a:rPr kumimoji="0" lang="zh-CN" altLang="en-US" sz="4000" b="1" i="0" u="none" strike="noStrike" kern="1200" cap="none" spc="0" normalizeH="0" baseline="0" noProof="0" dirty="0">
+                <a:ln>
+                  <a:noFill/>
+                </a:ln>
+                <a:solidFill>
+                  <a:prstClr val="black"/>
+                </a:solidFill>
+                <a:effectLst/>
+                <a:uLnTx/>
+                <a:uFillTx/>
                 <a:latin typeface="微软雅黑" panose="020B0503020204020204" pitchFamily="34" charset="-122"/>
                 <a:ea typeface="微软雅黑" panose="020B0503020204020204" pitchFamily="34" charset="-122"/>
+                <a:cs typeface="+mn-cs"/>
               </a:rPr>
               <a:t>奉</a:t>
             </a:r>
             <a:r>
-              <a:rPr lang="zh-CN" altLang="en-US" sz="4000" b="1" dirty="0">
+              <a:rPr kumimoji="0" lang="zh-CN" altLang="en-US" sz="4000" b="1" i="0" u="none" strike="noStrike" kern="1200" cap="none" spc="0" normalizeH="0" baseline="0" noProof="0" dirty="0">
+                <a:ln>
+                  <a:noFill/>
+                </a:ln>
                 <a:solidFill>
                   <a:srgbClr val="FC1515"/>
                 </a:solidFill>
+                <a:effectLst/>
+                <a:uLnTx/>
+                <a:uFillTx/>
                 <a:latin typeface="微软雅黑" panose="020B0503020204020204" pitchFamily="34" charset="-122"/>
                 <a:ea typeface="微软雅黑" panose="020B0503020204020204" pitchFamily="34" charset="-122"/>
+                <a:cs typeface="+mn-cs"/>
               </a:rPr>
               <a:t>主耶稣基督的圣名</a:t>
             </a:r>
             <a:r>
-              <a:rPr lang="zh-CN" altLang="en-US" sz="4000" b="1" dirty="0">
+              <a:rPr kumimoji="0" lang="zh-CN" altLang="en-US" sz="4000" b="1" i="0" u="none" strike="noStrike" kern="1200" cap="none" spc="0" normalizeH="0" baseline="0" noProof="0" dirty="0">
+                <a:ln>
+                  <a:noFill/>
+                </a:ln>
+                <a:solidFill>
+                  <a:prstClr val="black"/>
+                </a:solidFill>
+                <a:effectLst/>
+                <a:uLnTx/>
+                <a:uFillTx/>
                 <a:latin typeface="微软雅黑" panose="020B0503020204020204" pitchFamily="34" charset="-122"/>
                 <a:ea typeface="微软雅黑" panose="020B0503020204020204" pitchFamily="34" charset="-122"/>
+                <a:cs typeface="+mn-cs"/>
               </a:rPr>
               <a:t>宣告：</a:t>
             </a:r>
-            <a:endParaRPr lang="en-US" altLang="zh-CN" sz="4000" b="1" dirty="0">
+            <a:endParaRPr kumimoji="0" lang="en-US" altLang="zh-CN" sz="4000" b="1" i="0" u="none" strike="noStrike" kern="1200" cap="none" spc="0" normalizeH="0" baseline="0" noProof="0" dirty="0">
+              <a:ln>
+                <a:noFill/>
+              </a:ln>
+              <a:solidFill>
+                <a:prstClr val="black"/>
+              </a:solidFill>
+              <a:effectLst/>
+              <a:uLnTx/>
+              <a:uFillTx/>
               <a:latin typeface="微软雅黑" panose="020B0503020204020204" pitchFamily="34" charset="-122"/>
               <a:ea typeface="微软雅黑" panose="020B0503020204020204" pitchFamily="34" charset="-122"/>
+              <a:cs typeface="+mn-cs"/>
             </a:endParaRPr>
           </a:p>
           <a:p>
-            <a:pPr algn="ctr">
+            <a:pPr marL="0" marR="0" lvl="0" indent="0" algn="ctr" defTabSz="914400" rtl="0" eaLnBrk="1" fontAlgn="base" latinLnBrk="0" hangingPunct="1">
               <a:lnSpc>
                 <a:spcPts val="3900"/>
               </a:lnSpc>
+              <a:spcBef>
+                <a:spcPct val="0"/>
+              </a:spcBef>
+              <a:spcAft>
+                <a:spcPct val="0"/>
+              </a:spcAft>
+              <a:buClrTx/>
+              <a:buSzTx/>
               <a:buFont typeface="Arial" panose="020B0604020202090204" pitchFamily="34" charset="0"/>
               <a:buNone/>
+              <a:tabLst/>
+              <a:defRPr/>
             </a:pPr>
-            <a:endParaRPr lang="en-US" altLang="zh-CN" sz="4000" b="1" dirty="0">
+            <a:endParaRPr kumimoji="0" lang="en-US" altLang="zh-CN" sz="4000" b="1" i="0" u="none" strike="noStrike" kern="1200" cap="none" spc="0" normalizeH="0" baseline="0" noProof="0" dirty="0">
+              <a:ln>
+                <a:noFill/>
+              </a:ln>
+              <a:solidFill>
+                <a:prstClr val="black"/>
+              </a:solidFill>
+              <a:effectLst/>
+              <a:uLnTx/>
+              <a:uFillTx/>
               <a:latin typeface="微软雅黑" panose="020B0503020204020204" pitchFamily="34" charset="-122"/>
               <a:ea typeface="微软雅黑" panose="020B0503020204020204" pitchFamily="34" charset="-122"/>
+              <a:cs typeface="+mn-cs"/>
             </a:endParaRPr>
           </a:p>
           <a:p>
-            <a:pPr algn="ctr">
+            <a:pPr marL="0" marR="0" lvl="0" indent="0" algn="ctr" defTabSz="914400" rtl="0" eaLnBrk="1" fontAlgn="base" latinLnBrk="0" hangingPunct="1">
               <a:lnSpc>
                 <a:spcPts val="3900"/>
               </a:lnSpc>
+              <a:spcBef>
+                <a:spcPct val="0"/>
+              </a:spcBef>
+              <a:spcAft>
+                <a:spcPct val="0"/>
+              </a:spcAft>
+              <a:buClrTx/>
+              <a:buSzTx/>
               <a:buFont typeface="Arial" panose="020B0604020202090204" pitchFamily="34" charset="0"/>
               <a:buNone/>
+              <a:tabLst/>
+              <a:defRPr/>
             </a:pPr>
             <a:r>
-              <a:rPr lang="zh-CN" altLang="en-US" sz="4400" b="1" dirty="0">
+              <a:rPr kumimoji="0" lang="zh-CN" altLang="en-US" sz="4400" b="1" i="0" u="none" strike="noStrike" kern="1200" cap="none" spc="0" normalizeH="0" baseline="0" noProof="0" dirty="0">
+                <a:ln>
+                  <a:noFill/>
+                </a:ln>
+                <a:solidFill>
+                  <a:prstClr val="black"/>
+                </a:solidFill>
+                <a:effectLst/>
+                <a:uLnTx/>
+                <a:uFillTx/>
                 <a:latin typeface="微软雅黑" panose="020B0503020204020204" pitchFamily="34" charset="-122"/>
                 <a:ea typeface="微软雅黑" panose="020B0503020204020204" pitchFamily="34" charset="-122"/>
+                <a:cs typeface="+mn-cs"/>
               </a:rPr>
               <a:t>崇拜聚会开始，请全体起立！</a:t>
             </a:r>
@@ -17447,7 +20201,7 @@
     </p:spTree>
     <p:extLst>
       <p:ext uri="{BB962C8B-B14F-4D97-AF65-F5344CB8AC3E}">
-        <p14:creationId xmlns:p14="http://schemas.microsoft.com/office/powerpoint/2010/main" val="940687190"/>
+        <p14:creationId xmlns:p14="http://schemas.microsoft.com/office/powerpoint/2010/main" val="277889928"/>
       </p:ext>
     </p:extLst>
   </p:cSld>
@@ -17504,45 +20258,47 @@
   <p:sldLayoutIdLst>
     <p:sldLayoutId id="2147483658" r:id="rId1"/>
     <p:sldLayoutId id="2147483657" r:id="rId2"/>
-    <p:sldLayoutId id="2147483649" r:id="rId3"/>
-    <p:sldLayoutId id="2147483650" r:id="rId4"/>
-    <p:sldLayoutId id="2147483677" r:id="rId5"/>
-    <p:sldLayoutId id="2147483659" r:id="rId6"/>
-    <p:sldLayoutId id="2147483660" r:id="rId7"/>
-    <p:sldLayoutId id="2147483661" r:id="rId8"/>
-    <p:sldLayoutId id="2147483662" r:id="rId9"/>
-    <p:sldLayoutId id="2147483663" r:id="rId10"/>
-    <p:sldLayoutId id="2147483664" r:id="rId11"/>
-    <p:sldLayoutId id="2147483666" r:id="rId12"/>
-    <p:sldLayoutId id="2147483665" r:id="rId13"/>
-    <p:sldLayoutId id="2147483667" r:id="rId14"/>
-    <p:sldLayoutId id="2147483668" r:id="rId15"/>
-    <p:sldLayoutId id="2147483678" r:id="rId16"/>
-    <p:sldLayoutId id="2147483679" r:id="rId17"/>
-    <p:sldLayoutId id="2147483680" r:id="rId18"/>
-    <p:sldLayoutId id="2147483681" r:id="rId19"/>
-    <p:sldLayoutId id="2147483682" r:id="rId20"/>
-    <p:sldLayoutId id="2147483683" r:id="rId21"/>
-    <p:sldLayoutId id="2147483676" r:id="rId22"/>
-    <p:sldLayoutId id="2147483669" r:id="rId23"/>
-    <p:sldLayoutId id="2147483670" r:id="rId24"/>
-    <p:sldLayoutId id="2147483671" r:id="rId25"/>
-    <p:sldLayoutId id="2147483672" r:id="rId26"/>
-    <p:sldLayoutId id="2147483673" r:id="rId27"/>
-    <p:sldLayoutId id="2147483674" r:id="rId28"/>
-    <p:sldLayoutId id="2147483675" r:id="rId29"/>
-    <p:sldLayoutId id="2147483684" r:id="rId30"/>
-    <p:sldLayoutId id="2147483685" r:id="rId31"/>
-    <p:sldLayoutId id="2147483686" r:id="rId32"/>
-    <p:sldLayoutId id="2147483687" r:id="rId33"/>
-    <p:sldLayoutId id="2147483688" r:id="rId34"/>
-    <p:sldLayoutId id="2147483689" r:id="rId35"/>
-    <p:sldLayoutId id="2147483690" r:id="rId36"/>
-    <p:sldLayoutId id="2147483691" r:id="rId37"/>
-    <p:sldLayoutId id="2147483692" r:id="rId38"/>
-    <p:sldLayoutId id="2147483693" r:id="rId39"/>
-    <p:sldLayoutId id="2147483694" r:id="rId40"/>
-    <p:sldLayoutId id="2147483695" r:id="rId41"/>
+    <p:sldLayoutId id="2147483697" r:id="rId3"/>
+    <p:sldLayoutId id="2147483698" r:id="rId4"/>
+    <p:sldLayoutId id="2147483699" r:id="rId5"/>
+    <p:sldLayoutId id="2147483700" r:id="rId6"/>
+    <p:sldLayoutId id="2147483701" r:id="rId7"/>
+    <p:sldLayoutId id="2147483702" r:id="rId8"/>
+    <p:sldLayoutId id="2147483703" r:id="rId9"/>
+    <p:sldLayoutId id="2147483704" r:id="rId10"/>
+    <p:sldLayoutId id="2147483705" r:id="rId11"/>
+    <p:sldLayoutId id="2147483706" r:id="rId12"/>
+    <p:sldLayoutId id="2147483707" r:id="rId13"/>
+    <p:sldLayoutId id="2147483708" r:id="rId14"/>
+    <p:sldLayoutId id="2147483709" r:id="rId15"/>
+    <p:sldLayoutId id="2147483710" r:id="rId16"/>
+    <p:sldLayoutId id="2147483711" r:id="rId17"/>
+    <p:sldLayoutId id="2147483712" r:id="rId18"/>
+    <p:sldLayoutId id="2147483713" r:id="rId19"/>
+    <p:sldLayoutId id="2147483714" r:id="rId20"/>
+    <p:sldLayoutId id="2147483715" r:id="rId21"/>
+    <p:sldLayoutId id="2147483716" r:id="rId22"/>
+    <p:sldLayoutId id="2147483717" r:id="rId23"/>
+    <p:sldLayoutId id="2147483718" r:id="rId24"/>
+    <p:sldLayoutId id="2147483719" r:id="rId25"/>
+    <p:sldLayoutId id="2147483720" r:id="rId26"/>
+    <p:sldLayoutId id="2147483721" r:id="rId27"/>
+    <p:sldLayoutId id="2147483722" r:id="rId28"/>
+    <p:sldLayoutId id="2147483723" r:id="rId29"/>
+    <p:sldLayoutId id="2147483724" r:id="rId30"/>
+    <p:sldLayoutId id="2147483725" r:id="rId31"/>
+    <p:sldLayoutId id="2147483684" r:id="rId32"/>
+    <p:sldLayoutId id="2147483685" r:id="rId33"/>
+    <p:sldLayoutId id="2147483686" r:id="rId34"/>
+    <p:sldLayoutId id="2147483687" r:id="rId35"/>
+    <p:sldLayoutId id="2147483688" r:id="rId36"/>
+    <p:sldLayoutId id="2147483689" r:id="rId37"/>
+    <p:sldLayoutId id="2147483690" r:id="rId38"/>
+    <p:sldLayoutId id="2147483691" r:id="rId39"/>
+    <p:sldLayoutId id="2147483692" r:id="rId40"/>
+    <p:sldLayoutId id="2147483693" r:id="rId41"/>
+    <p:sldLayoutId id="2147483694" r:id="rId42"/>
+    <p:sldLayoutId id="2147483695" r:id="rId43"/>
   </p:sldLayoutIdLst>
   <p:transition spd="med">
     <p:fade/>
